--- a/Section01/Introduction/Introduccion_v0.pptx
+++ b/Section01/Introduction/Introduccion_v0.pptx
@@ -5,10 +5,10 @@
     <p:sldMasterId id="2147483735" r:id="rId4"/>
   </p:sldMasterIdLst>
   <p:notesMasterIdLst>
-    <p:notesMasterId r:id="rId17"/>
+    <p:notesMasterId r:id="rId16"/>
   </p:notesMasterIdLst>
   <p:handoutMasterIdLst>
-    <p:handoutMasterId r:id="rId18"/>
+    <p:handoutMasterId r:id="rId17"/>
   </p:handoutMasterIdLst>
   <p:sldIdLst>
     <p:sldId id="300" r:id="rId5"/>
@@ -21,8 +21,7 @@
     <p:sldId id="329" r:id="rId12"/>
     <p:sldId id="330" r:id="rId13"/>
     <p:sldId id="331" r:id="rId14"/>
-    <p:sldId id="332" r:id="rId15"/>
-    <p:sldId id="303" r:id="rId16"/>
+    <p:sldId id="303" r:id="rId15"/>
   </p:sldIdLst>
   <p:sldSz cx="12192000" cy="6858000"/>
   <p:notesSz cx="6858000" cy="9144000"/>
@@ -1548,7 +1547,7 @@
   <dgm:whole/>
   <dgm:extLst>
     <a:ext uri="http://schemas.microsoft.com/office/drawing/2008/diagram">
-      <dsp:dataModelExt xmlns:dsp="http://schemas.microsoft.com/office/drawing/2008/diagram" relId="rId9" minVer="http://schemas.openxmlformats.org/drawingml/2006/diagram"/>
+      <dsp:dataModelExt xmlns:dsp="http://schemas.microsoft.com/office/drawing/2008/diagram" relId="rId7" minVer="http://schemas.openxmlformats.org/drawingml/2006/diagram"/>
     </a:ext>
   </dgm:extLst>
 </dgm:dataModel>
@@ -4827,7 +4826,7 @@
             <a:pPr rtl="0"/>
             <a:fld id="{FAB3E6E3-061B-41A2-BBDC-C5312A04A40A}" type="datetime1">
               <a:rPr lang="es-ES" smtClean="0"/>
-              <a:t>01/07/2022</a:t>
+              <a:t>01/08/2022</a:t>
             </a:fld>
             <a:endParaRPr lang="es-ES" dirty="0"/>
           </a:p>
@@ -4997,7 +4996,7 @@
             <a:pPr rtl="0"/>
             <a:fld id="{2145992C-CBBF-4F24-8325-F5CB0EAAC0E9}" type="datetime1">
               <a:rPr lang="es-ES" noProof="0" smtClean="0"/>
-              <a:t>01/07/2022</a:t>
+              <a:t>01/08/2022</a:t>
             </a:fld>
             <a:endParaRPr lang="es-ES" noProof="0" dirty="0"/>
           </a:p>
@@ -5513,91 +5512,6 @@
     </p:spTree>
     <p:extLst>
       <p:ext uri="{BB962C8B-B14F-4D97-AF65-F5344CB8AC3E}">
-        <p14:creationId xmlns:p14="http://schemas.microsoft.com/office/powerpoint/2010/main" val="2561205567"/>
-      </p:ext>
-    </p:extLst>
-  </p:cSld>
-  <p:clrMapOvr>
-    <a:masterClrMapping/>
-  </p:clrMapOvr>
-</p:notes>
-</file>
-
-<file path=ppt/notesSlides/notesSlide12.xml><?xml version="1.0" encoding="utf-8"?>
-<p:notes xmlns:a="http://schemas.openxmlformats.org/drawingml/2006/main" xmlns:r="http://schemas.openxmlformats.org/officeDocument/2006/relationships" xmlns:p="http://schemas.openxmlformats.org/presentationml/2006/main">
-  <p:cSld>
-    <p:spTree>
-      <p:nvGrpSpPr>
-        <p:cNvPr id="1" name=""/>
-        <p:cNvGrpSpPr/>
-        <p:nvPr/>
-      </p:nvGrpSpPr>
-      <p:grpSpPr>
-        <a:xfrm>
-          <a:off x="0" y="0"/>
-          <a:ext cx="0" cy="0"/>
-          <a:chOff x="0" y="0"/>
-          <a:chExt cx="0" cy="0"/>
-        </a:xfrm>
-      </p:grpSpPr>
-      <p:sp>
-        <p:nvSpPr>
-          <p:cNvPr id="2" name="Marcador de imagen de diapositiva 1"/>
-          <p:cNvSpPr>
-            <a:spLocks noGrp="1" noRot="1" noChangeAspect="1"/>
-          </p:cNvSpPr>
-          <p:nvPr>
-            <p:ph type="sldImg"/>
-          </p:nvPr>
-        </p:nvSpPr>
-        <p:spPr/>
-      </p:sp>
-      <p:sp>
-        <p:nvSpPr>
-          <p:cNvPr id="3" name="Marcador de notas 2"/>
-          <p:cNvSpPr>
-            <a:spLocks noGrp="1"/>
-          </p:cNvSpPr>
-          <p:nvPr>
-            <p:ph type="body" idx="1"/>
-          </p:nvPr>
-        </p:nvSpPr>
-        <p:spPr/>
-        <p:txBody>
-          <a:bodyPr/>
-          <a:lstStyle/>
-          <a:p>
-            <a:endParaRPr lang="es-ES" dirty="0"/>
-          </a:p>
-        </p:txBody>
-      </p:sp>
-      <p:sp>
-        <p:nvSpPr>
-          <p:cNvPr id="4" name="Marcador de número de diapositiva 3"/>
-          <p:cNvSpPr>
-            <a:spLocks noGrp="1"/>
-          </p:cNvSpPr>
-          <p:nvPr>
-            <p:ph type="sldNum" sz="quarter" idx="10"/>
-          </p:nvPr>
-        </p:nvSpPr>
-        <p:spPr/>
-        <p:txBody>
-          <a:bodyPr/>
-          <a:lstStyle/>
-          <a:p>
-            <a:pPr rtl="0"/>
-            <a:fld id="{810E1E9A-E921-4174-A0FC-51868D7AC568}" type="slidenum">
-              <a:rPr lang="es-ES" smtClean="0"/>
-              <a:t>12</a:t>
-            </a:fld>
-            <a:endParaRPr lang="es-ES" dirty="0"/>
-          </a:p>
-        </p:txBody>
-      </p:sp>
-    </p:spTree>
-    <p:extLst>
-      <p:ext uri="{BB962C8B-B14F-4D97-AF65-F5344CB8AC3E}">
         <p14:creationId xmlns:p14="http://schemas.microsoft.com/office/powerpoint/2010/main" val="898509635"/>
       </p:ext>
     </p:extLst>
@@ -6460,7 +6374,7 @@
             <a:pPr rtl="0"/>
             <a:fld id="{95732FF5-B762-47CF-A667-C95E437C256E}" type="datetime1">
               <a:rPr lang="es-ES" noProof="0" smtClean="0"/>
-              <a:t>01/07/2022</a:t>
+              <a:t>01/08/2022</a:t>
             </a:fld>
             <a:endParaRPr lang="es-ES" noProof="0" dirty="0"/>
           </a:p>
@@ -6791,7 +6705,7 @@
             <a:pPr rtl="0"/>
             <a:fld id="{3DDDD12C-A2E5-4D32-A8D5-4FBA4A9916EE}" type="datetime1">
               <a:rPr lang="es-ES" noProof="0" smtClean="0"/>
-              <a:t>01/07/2022</a:t>
+              <a:t>01/08/2022</a:t>
             </a:fld>
             <a:endParaRPr lang="es-ES" noProof="0" dirty="0"/>
           </a:p>
@@ -7022,7 +6936,7 @@
             <a:pPr rtl="0"/>
             <a:fld id="{3DDDD12C-A2E5-4D32-A8D5-4FBA4A9916EE}" type="datetime1">
               <a:rPr lang="es-ES" noProof="0" smtClean="0"/>
-              <a:t>01/07/2022</a:t>
+              <a:t>01/08/2022</a:t>
             </a:fld>
             <a:endParaRPr lang="es-ES" noProof="0" dirty="0"/>
           </a:p>
@@ -7322,7 +7236,7 @@
             <a:pPr rtl="0"/>
             <a:fld id="{3DDDD12C-A2E5-4D32-A8D5-4FBA4A9916EE}" type="datetime1">
               <a:rPr lang="es-ES" noProof="0" smtClean="0"/>
-              <a:t>01/07/2022</a:t>
+              <a:t>01/08/2022</a:t>
             </a:fld>
             <a:endParaRPr lang="es-ES" noProof="0" dirty="0"/>
           </a:p>
@@ -7785,7 +7699,7 @@
             <a:pPr rtl="0"/>
             <a:fld id="{3DDDD12C-A2E5-4D32-A8D5-4FBA4A9916EE}" type="datetime1">
               <a:rPr lang="es-ES" noProof="0" smtClean="0"/>
-              <a:t>01/07/2022</a:t>
+              <a:t>01/08/2022</a:t>
             </a:fld>
             <a:endParaRPr lang="es-ES" noProof="0" dirty="0"/>
           </a:p>
@@ -8370,7 +8284,7 @@
             <a:pPr rtl="0"/>
             <a:fld id="{3DDDD12C-A2E5-4D32-A8D5-4FBA4A9916EE}" type="datetime1">
               <a:rPr lang="es-ES" noProof="0" smtClean="0"/>
-              <a:t>01/07/2022</a:t>
+              <a:t>01/08/2022</a:t>
             </a:fld>
             <a:endParaRPr lang="es-ES" noProof="0" dirty="0"/>
           </a:p>
@@ -9231,7 +9145,7 @@
             <a:pPr rtl="0"/>
             <a:fld id="{3DDDD12C-A2E5-4D32-A8D5-4FBA4A9916EE}" type="datetime1">
               <a:rPr lang="es-ES" noProof="0" smtClean="0"/>
-              <a:t>01/07/2022</a:t>
+              <a:t>01/08/2022</a:t>
             </a:fld>
             <a:endParaRPr lang="es-ES" noProof="0" dirty="0"/>
           </a:p>
@@ -9445,7 +9359,7 @@
             <a:pPr rtl="0"/>
             <a:fld id="{3DDDD12C-A2E5-4D32-A8D5-4FBA4A9916EE}" type="datetime1">
               <a:rPr lang="es-ES" noProof="0" smtClean="0"/>
-              <a:t>01/07/2022</a:t>
+              <a:t>01/08/2022</a:t>
             </a:fld>
             <a:endParaRPr lang="es-ES" noProof="0" dirty="0"/>
           </a:p>
@@ -9668,7 +9582,7 @@
             <a:pPr rtl="0"/>
             <a:fld id="{3DDDD12C-A2E5-4D32-A8D5-4FBA4A9916EE}" type="datetime1">
               <a:rPr lang="es-ES" noProof="0" smtClean="0"/>
-              <a:t>01/07/2022</a:t>
+              <a:t>01/08/2022</a:t>
             </a:fld>
             <a:endParaRPr lang="es-ES" noProof="0" dirty="0"/>
           </a:p>
@@ -9856,7 +9770,7 @@
             <a:pPr rtl="0"/>
             <a:fld id="{8FBD92BC-2103-4E65-8EBE-0491A5767AF5}" type="datetime1">
               <a:rPr lang="es-ES" noProof="0" smtClean="0"/>
-              <a:t>01/07/2022</a:t>
+              <a:t>01/08/2022</a:t>
             </a:fld>
             <a:endParaRPr lang="es-ES" noProof="0" dirty="0"/>
           </a:p>
@@ -10133,7 +10047,7 @@
             <a:pPr rtl="0"/>
             <a:fld id="{50407472-54D5-485E-8ACB-6D04E47D95CF}" type="datetime1">
               <a:rPr lang="es-ES" noProof="0" smtClean="0"/>
-              <a:t>01/07/2022</a:t>
+              <a:t>01/08/2022</a:t>
             </a:fld>
             <a:endParaRPr lang="es-ES" noProof="0" dirty="0"/>
           </a:p>
@@ -10356,7 +10270,7 @@
             <a:pPr rtl="0"/>
             <a:fld id="{3DDDD12C-A2E5-4D32-A8D5-4FBA4A9916EE}" type="datetime1">
               <a:rPr lang="es-ES" noProof="0" smtClean="0"/>
-              <a:t>01/07/2022</a:t>
+              <a:t>01/08/2022</a:t>
             </a:fld>
             <a:endParaRPr lang="es-ES" noProof="0" dirty="0"/>
           </a:p>
@@ -10645,7 +10559,7 @@
             <a:pPr rtl="0"/>
             <a:fld id="{F128A7A1-E52A-4367-BE3E-105C0C9F4921}" type="datetime1">
               <a:rPr lang="es-ES" noProof="0" smtClean="0"/>
-              <a:t>01/07/2022</a:t>
+              <a:t>01/08/2022</a:t>
             </a:fld>
             <a:endParaRPr lang="es-ES" noProof="0" dirty="0"/>
           </a:p>
@@ -10931,7 +10845,7 @@
             <a:pPr rtl="0"/>
             <a:fld id="{3DDDD12C-A2E5-4D32-A8D5-4FBA4A9916EE}" type="datetime1">
               <a:rPr lang="es-ES" noProof="0" smtClean="0"/>
-              <a:t>01/07/2022</a:t>
+              <a:t>01/08/2022</a:t>
             </a:fld>
             <a:endParaRPr lang="es-ES" noProof="0" dirty="0"/>
           </a:p>
@@ -11355,7 +11269,7 @@
             <a:pPr rtl="0"/>
             <a:fld id="{3DDDD12C-A2E5-4D32-A8D5-4FBA4A9916EE}" type="datetime1">
               <a:rPr lang="es-ES" noProof="0" smtClean="0"/>
-              <a:t>01/07/2022</a:t>
+              <a:t>01/08/2022</a:t>
             </a:fld>
             <a:endParaRPr lang="es-ES" noProof="0" dirty="0"/>
           </a:p>
@@ -11512,7 +11426,7 @@
             <a:pPr rtl="0"/>
             <a:fld id="{A3120DF6-1B4A-4B6C-B500-7840816C7764}" type="datetime1">
               <a:rPr lang="es-ES" noProof="0" smtClean="0"/>
-              <a:t>01/07/2022</a:t>
+              <a:t>01/08/2022</a:t>
             </a:fld>
             <a:endParaRPr lang="es-ES" noProof="0" dirty="0"/>
           </a:p>
@@ -11656,7 +11570,7 @@
             <a:pPr rtl="0"/>
             <a:fld id="{52134D8D-99E7-4CF1-858E-66F4FE6BE361}" type="datetime1">
               <a:rPr lang="es-ES" noProof="0" smtClean="0"/>
-              <a:t>01/07/2022</a:t>
+              <a:t>01/08/2022</a:t>
             </a:fld>
             <a:endParaRPr lang="es-ES" noProof="0" dirty="0"/>
           </a:p>
@@ -11954,7 +11868,7 @@
             <a:pPr rtl="0"/>
             <a:fld id="{3DDDD12C-A2E5-4D32-A8D5-4FBA4A9916EE}" type="datetime1">
               <a:rPr lang="es-ES" noProof="0" smtClean="0"/>
-              <a:t>01/07/2022</a:t>
+              <a:t>01/08/2022</a:t>
             </a:fld>
             <a:endParaRPr lang="es-ES" noProof="0" dirty="0"/>
           </a:p>
@@ -12275,7 +12189,7 @@
             <a:pPr rtl="0"/>
             <a:fld id="{3DDDD12C-A2E5-4D32-A8D5-4FBA4A9916EE}" type="datetime1">
               <a:rPr lang="es-ES" noProof="0" smtClean="0"/>
-              <a:t>01/07/2022</a:t>
+              <a:t>01/08/2022</a:t>
             </a:fld>
             <a:endParaRPr lang="es-ES" noProof="0" dirty="0"/>
           </a:p>
@@ -12543,7 +12457,7 @@
             <a:pPr rtl="0"/>
             <a:fld id="{3DDDD12C-A2E5-4D32-A8D5-4FBA4A9916EE}" type="datetime1">
               <a:rPr lang="es-ES" noProof="0" smtClean="0"/>
-              <a:t>01/07/2022</a:t>
+              <a:t>01/08/2022</a:t>
             </a:fld>
             <a:endParaRPr lang="es-ES" noProof="0" dirty="0"/>
           </a:p>
@@ -13456,74 +13370,6 @@
           </a:extLst>
         </p:spPr>
       </p:pic>
-      <p:pic>
-        <p:nvPicPr>
-          <p:cNvPr id="1036" name="Picture 12" descr="See the source image">
-            <a:extLst>
-              <a:ext uri="{FF2B5EF4-FFF2-40B4-BE49-F238E27FC236}">
-                <a16:creationId xmlns:a16="http://schemas.microsoft.com/office/drawing/2014/main" id="{807B3173-7436-8F54-FF1E-42B6BD79ACCF}"/>
-              </a:ext>
-            </a:extLst>
-          </p:cNvPr>
-          <p:cNvPicPr>
-            <a:picLocks noChangeAspect="1" noChangeArrowheads="1"/>
-          </p:cNvPicPr>
-          <p:nvPr/>
-        </p:nvPicPr>
-        <p:blipFill>
-          <a:blip r:embed="rId10">
-            <a:duotone>
-              <a:schemeClr val="accent4">
-                <a:shade val="45000"/>
-                <a:satMod val="135000"/>
-              </a:schemeClr>
-              <a:prstClr val="white"/>
-            </a:duotone>
-            <a:extLst>
-              <a:ext uri="{BEBA8EAE-BF5A-486C-A8C5-ECC9F3942E4B}">
-                <a14:imgProps xmlns:a14="http://schemas.microsoft.com/office/drawing/2010/main">
-                  <a14:imgLayer r:embed="rId11">
-                    <a14:imgEffect>
-                      <a14:backgroundRemoval t="9920" b="95291" l="10000" r="90000">
-                        <a14:foregroundMark x1="64000" y1="91082" x2="55250" y2="93687"/>
-                        <a14:foregroundMark x1="55250" y1="93687" x2="46125" y2="91483"/>
-                        <a14:foregroundMark x1="46125" y1="91483" x2="45125" y2="91483"/>
-                        <a14:foregroundMark x1="57625" y1="94990" x2="52125" y2="95291"/>
-                      </a14:backgroundRemoval>
-                    </a14:imgEffect>
-                  </a14:imgLayer>
-                </a14:imgProps>
-              </a:ext>
-              <a:ext uri="{28A0092B-C50C-407E-A947-70E740481C1C}">
-                <a14:useLocalDpi xmlns:a14="http://schemas.microsoft.com/office/drawing/2010/main" val="0"/>
-              </a:ext>
-            </a:extLst>
-          </a:blip>
-          <a:srcRect/>
-          <a:stretch>
-            <a:fillRect/>
-          </a:stretch>
-        </p:blipFill>
-        <p:spPr bwMode="auto">
-          <a:xfrm flipV="1">
-            <a:off x="10374409" y="4444806"/>
-            <a:ext cx="2140696" cy="2670461"/>
-          </a:xfrm>
-          <a:prstGeom prst="rect">
-            <a:avLst/>
-          </a:prstGeom>
-          <a:noFill/>
-          <a:extLst>
-            <a:ext uri="{909E8E84-426E-40DD-AFC4-6F175D3DCCD1}">
-              <a14:hiddenFill xmlns:a14="http://schemas.microsoft.com/office/drawing/2010/main">
-                <a:solidFill>
-                  <a:srgbClr val="FFFFFF"/>
-                </a:solidFill>
-              </a14:hiddenFill>
-            </a:ext>
-          </a:extLst>
-        </p:spPr>
-      </p:pic>
       <p:grpSp>
         <p:nvGrpSpPr>
           <p:cNvPr id="35" name="Grupo 34">
@@ -13698,6 +13544,61 @@
           </p:txBody>
         </p:sp>
       </p:grpSp>
+      <p:sp>
+        <p:nvSpPr>
+          <p:cNvPr id="14" name="Rectángulo 13">
+            <a:extLst>
+              <a:ext uri="{FF2B5EF4-FFF2-40B4-BE49-F238E27FC236}">
+                <a16:creationId xmlns:a16="http://schemas.microsoft.com/office/drawing/2014/main" id="{EBFD9893-FDE0-2A15-FAE8-E005D92F52DF}"/>
+              </a:ext>
+            </a:extLst>
+          </p:cNvPr>
+          <p:cNvSpPr/>
+          <p:nvPr/>
+        </p:nvSpPr>
+        <p:spPr>
+          <a:xfrm>
+            <a:off x="11873172" y="3765176"/>
+            <a:ext cx="320040" cy="3083059"/>
+          </a:xfrm>
+          <a:prstGeom prst="rect">
+            <a:avLst/>
+          </a:prstGeom>
+          <a:solidFill>
+            <a:srgbClr val="990000"/>
+          </a:solidFill>
+          <a:ln>
+            <a:solidFill>
+              <a:srgbClr val="990000"/>
+            </a:solidFill>
+          </a:ln>
+          <a:effectLst/>
+        </p:spPr>
+        <p:style>
+          <a:lnRef idx="2">
+            <a:schemeClr val="accent1">
+              <a:shade val="50000"/>
+            </a:schemeClr>
+          </a:lnRef>
+          <a:fillRef idx="1">
+            <a:schemeClr val="accent1"/>
+          </a:fillRef>
+          <a:effectRef idx="0">
+            <a:schemeClr val="accent1"/>
+          </a:effectRef>
+          <a:fontRef idx="minor">
+            <a:schemeClr val="lt1"/>
+          </a:fontRef>
+        </p:style>
+        <p:txBody>
+          <a:bodyPr rtlCol="0" anchor="ctr"/>
+          <a:lstStyle/>
+          <a:p>
+            <a:pPr algn="ctr"/>
+            <a:endParaRPr lang="en-US" dirty="0"/>
+          </a:p>
+        </p:txBody>
+      </p:sp>
     </p:spTree>
     <p:extLst>
       <p:ext uri="{BB962C8B-B14F-4D97-AF65-F5344CB8AC3E}">
@@ -13773,343 +13674,6 @@
           </a:p>
         </p:txBody>
       </p:sp>
-      <p:grpSp>
-        <p:nvGrpSpPr>
-          <p:cNvPr id="4" name="Grupo 3">
-            <a:extLst>
-              <a:ext uri="{FF2B5EF4-FFF2-40B4-BE49-F238E27FC236}">
-                <a16:creationId xmlns:a16="http://schemas.microsoft.com/office/drawing/2014/main" id="{7C28BA06-AAE6-D767-8A05-BA8020A1774D}"/>
-              </a:ext>
-            </a:extLst>
-          </p:cNvPr>
-          <p:cNvGrpSpPr/>
-          <p:nvPr/>
-        </p:nvGrpSpPr>
-        <p:grpSpPr>
-          <a:xfrm>
-            <a:off x="0" y="7914"/>
-            <a:ext cx="12515105" cy="7107353"/>
-            <a:chOff x="0" y="7914"/>
-            <a:chExt cx="12515105" cy="7107353"/>
-          </a:xfrm>
-        </p:grpSpPr>
-        <p:sp>
-          <p:nvSpPr>
-            <p:cNvPr id="29" name="Rectángulo: esquinas diagonales redondeadas 28">
-              <a:extLst>
-                <a:ext uri="{FF2B5EF4-FFF2-40B4-BE49-F238E27FC236}">
-                  <a16:creationId xmlns:a16="http://schemas.microsoft.com/office/drawing/2014/main" id="{334138AE-EA0B-4EA0-8E34-A77C79CC7568}"/>
-                </a:ext>
-              </a:extLst>
-            </p:cNvPr>
-            <p:cNvSpPr/>
-            <p:nvPr/>
-          </p:nvSpPr>
-          <p:spPr>
-            <a:xfrm>
-              <a:off x="0" y="6643269"/>
-              <a:ext cx="1699346" cy="214731"/>
-            </a:xfrm>
-            <a:prstGeom prst="round2DiagRect">
-              <a:avLst>
-                <a:gd name="adj1" fmla="val 50000"/>
-                <a:gd name="adj2" fmla="val 0"/>
-              </a:avLst>
-            </a:prstGeom>
-            <a:noFill/>
-            <a:ln>
-              <a:noFill/>
-            </a:ln>
-          </p:spPr>
-          <p:style>
-            <a:lnRef idx="2">
-              <a:schemeClr val="accent1">
-                <a:shade val="50000"/>
-              </a:schemeClr>
-            </a:lnRef>
-            <a:fillRef idx="1">
-              <a:schemeClr val="accent1"/>
-            </a:fillRef>
-            <a:effectRef idx="0">
-              <a:schemeClr val="accent1"/>
-            </a:effectRef>
-            <a:fontRef idx="minor">
-              <a:schemeClr val="lt1"/>
-            </a:fontRef>
-          </p:style>
-          <p:txBody>
-            <a:bodyPr rtlCol="0" anchor="ctr"/>
-            <a:lstStyle/>
-            <a:p>
-              <a:r>
-                <a:rPr lang="es-ES" sz="1200" dirty="0">
-                  <a:solidFill>
-                    <a:schemeClr val="tx1">
-                      <a:lumMod val="65000"/>
-                      <a:lumOff val="35000"/>
-                    </a:schemeClr>
-                  </a:solidFill>
-                  <a:latin typeface="Adobe Devanagari" panose="02040503050201020203" pitchFamily="18" charset="0"/>
-                  <a:cs typeface="Adobe Devanagari" panose="02040503050201020203" pitchFamily="18" charset="0"/>
-                </a:rPr>
-                <a:t>Introducción</a:t>
-              </a:r>
-              <a:endParaRPr lang="es-CO" sz="1200" dirty="0">
-                <a:solidFill>
-                  <a:schemeClr val="tx1">
-                    <a:lumMod val="65000"/>
-                    <a:lumOff val="35000"/>
-                  </a:schemeClr>
-                </a:solidFill>
-                <a:latin typeface="Adobe Devanagari" panose="02040503050201020203" pitchFamily="18" charset="0"/>
-                <a:cs typeface="Adobe Devanagari" panose="02040503050201020203" pitchFamily="18" charset="0"/>
-              </a:endParaRPr>
-            </a:p>
-          </p:txBody>
-        </p:sp>
-        <p:pic>
-          <p:nvPicPr>
-            <p:cNvPr id="14" name="Picture 12" descr="See the source image">
-              <a:extLst>
-                <a:ext uri="{FF2B5EF4-FFF2-40B4-BE49-F238E27FC236}">
-                  <a16:creationId xmlns:a16="http://schemas.microsoft.com/office/drawing/2014/main" id="{572CB045-321C-8E49-542A-7B8765BAC870}"/>
-                </a:ext>
-              </a:extLst>
-            </p:cNvPr>
-            <p:cNvPicPr>
-              <a:picLocks noChangeAspect="1" noChangeArrowheads="1"/>
-            </p:cNvPicPr>
-            <p:nvPr/>
-          </p:nvPicPr>
-          <p:blipFill>
-            <a:blip r:embed="rId3">
-              <a:duotone>
-                <a:schemeClr val="accent4">
-                  <a:shade val="45000"/>
-                  <a:satMod val="135000"/>
-                </a:schemeClr>
-                <a:prstClr val="white"/>
-              </a:duotone>
-              <a:extLst>
-                <a:ext uri="{BEBA8EAE-BF5A-486C-A8C5-ECC9F3942E4B}">
-                  <a14:imgProps xmlns:a14="http://schemas.microsoft.com/office/drawing/2010/main">
-                    <a14:imgLayer r:embed="rId4">
-                      <a14:imgEffect>
-                        <a14:backgroundRemoval t="9920" b="95291" l="10000" r="90000">
-                          <a14:foregroundMark x1="64000" y1="91082" x2="55250" y2="93687"/>
-                          <a14:foregroundMark x1="55250" y1="93687" x2="46125" y2="91483"/>
-                          <a14:foregroundMark x1="46125" y1="91483" x2="45125" y2="91483"/>
-                          <a14:foregroundMark x1="57625" y1="94990" x2="52125" y2="95291"/>
-                        </a14:backgroundRemoval>
-                      </a14:imgEffect>
-                    </a14:imgLayer>
-                  </a14:imgProps>
-                </a:ext>
-                <a:ext uri="{28A0092B-C50C-407E-A947-70E740481C1C}">
-                  <a14:useLocalDpi xmlns:a14="http://schemas.microsoft.com/office/drawing/2010/main" val="0"/>
-                </a:ext>
-              </a:extLst>
-            </a:blip>
-            <a:srcRect/>
-            <a:stretch>
-              <a:fillRect/>
-            </a:stretch>
-          </p:blipFill>
-          <p:spPr bwMode="auto">
-            <a:xfrm flipV="1">
-              <a:off x="10374409" y="4444806"/>
-              <a:ext cx="2140696" cy="2670461"/>
-            </a:xfrm>
-            <a:prstGeom prst="rect">
-              <a:avLst/>
-            </a:prstGeom>
-            <a:noFill/>
-            <a:extLst>
-              <a:ext uri="{909E8E84-426E-40DD-AFC4-6F175D3DCCD1}">
-                <a14:hiddenFill xmlns:a14="http://schemas.microsoft.com/office/drawing/2010/main">
-                  <a:solidFill>
-                    <a:srgbClr val="FFFFFF"/>
-                  </a:solidFill>
-                </a14:hiddenFill>
-              </a:ext>
-            </a:extLst>
-          </p:spPr>
-        </p:pic>
-        <p:grpSp>
-          <p:nvGrpSpPr>
-            <p:cNvPr id="16" name="Grupo 15">
-              <a:extLst>
-                <a:ext uri="{FF2B5EF4-FFF2-40B4-BE49-F238E27FC236}">
-                  <a16:creationId xmlns:a16="http://schemas.microsoft.com/office/drawing/2014/main" id="{3733B50A-13DF-E650-BE25-3A9EBED48B50}"/>
-                </a:ext>
-              </a:extLst>
-            </p:cNvPr>
-            <p:cNvGrpSpPr/>
-            <p:nvPr/>
-          </p:nvGrpSpPr>
-          <p:grpSpPr>
-            <a:xfrm>
-              <a:off x="11356240" y="7914"/>
-              <a:ext cx="835760" cy="349755"/>
-              <a:chOff x="0" y="6350"/>
-              <a:chExt cx="671158" cy="280621"/>
-            </a:xfrm>
-          </p:grpSpPr>
-          <p:sp>
-            <p:nvSpPr>
-              <p:cNvPr id="17" name="Rectángulo: una sola esquina redondeada 16">
-                <a:extLst>
-                  <a:ext uri="{FF2B5EF4-FFF2-40B4-BE49-F238E27FC236}">
-                    <a16:creationId xmlns:a16="http://schemas.microsoft.com/office/drawing/2014/main" id="{601E0294-C923-2559-FEB2-7D5555095840}"/>
-                  </a:ext>
-                </a:extLst>
-              </p:cNvPr>
-              <p:cNvSpPr/>
-              <p:nvPr/>
-            </p:nvSpPr>
-            <p:spPr>
-              <a:xfrm flipH="1" flipV="1">
-                <a:off x="0" y="6350"/>
-                <a:ext cx="671158" cy="274848"/>
-              </a:xfrm>
-              <a:prstGeom prst="round1Rect">
-                <a:avLst>
-                  <a:gd name="adj" fmla="val 50000"/>
-                </a:avLst>
-              </a:prstGeom>
-              <a:solidFill>
-                <a:schemeClr val="tx1">
-                  <a:lumMod val="75000"/>
-                  <a:lumOff val="25000"/>
-                </a:schemeClr>
-              </a:solidFill>
-              <a:ln>
-                <a:solidFill>
-                  <a:schemeClr val="tx1">
-                    <a:lumMod val="75000"/>
-                    <a:lumOff val="25000"/>
-                  </a:schemeClr>
-                </a:solidFill>
-              </a:ln>
-            </p:spPr>
-            <p:style>
-              <a:lnRef idx="2">
-                <a:schemeClr val="accent1">
-                  <a:shade val="50000"/>
-                </a:schemeClr>
-              </a:lnRef>
-              <a:fillRef idx="1">
-                <a:schemeClr val="accent1"/>
-              </a:fillRef>
-              <a:effectRef idx="0">
-                <a:schemeClr val="accent1"/>
-              </a:effectRef>
-              <a:fontRef idx="minor">
-                <a:schemeClr val="lt1"/>
-              </a:fontRef>
-            </p:style>
-            <p:txBody>
-              <a:bodyPr rot="0" spcFirstLastPara="0" vert="horz" wrap="square" lIns="91440" tIns="45720" rIns="91440" bIns="45720" numCol="1" spcCol="0" rtlCol="0" fromWordArt="0" anchor="ctr" anchorCtr="0" forceAA="0" compatLnSpc="1">
-                <a:prstTxWarp prst="textNoShape">
-                  <a:avLst/>
-                </a:prstTxWarp>
-                <a:noAutofit/>
-              </a:bodyPr>
-              <a:lstStyle/>
-              <a:p>
-                <a:pPr marL="0" marR="0" algn="ctr">
-                  <a:spcBef>
-                    <a:spcPts val="0"/>
-                  </a:spcBef>
-                  <a:spcAft>
-                    <a:spcPts val="0"/>
-                  </a:spcAft>
-                </a:pPr>
-                <a:r>
-                  <a:rPr lang="es-CO" sz="1500">
-                    <a:effectLst/>
-                    <a:latin typeface="Segoe UI Light" panose="020B0502040204020203" pitchFamily="34" charset="0"/>
-                    <a:ea typeface="Times New Roman" panose="02020603050405020304" pitchFamily="18" charset="0"/>
-                    <a:cs typeface="Times New Roman" panose="02020603050405020304" pitchFamily="18" charset="0"/>
-                  </a:rPr>
-                  <a:t> </a:t>
-                </a:r>
-                <a:endParaRPr lang="en-US" sz="1500">
-                  <a:effectLst/>
-                  <a:latin typeface="Segoe UI Light" panose="020B0502040204020203" pitchFamily="34" charset="0"/>
-                  <a:ea typeface="Times New Roman" panose="02020603050405020304" pitchFamily="18" charset="0"/>
-                  <a:cs typeface="Times New Roman" panose="02020603050405020304" pitchFamily="18" charset="0"/>
-                </a:endParaRPr>
-              </a:p>
-            </p:txBody>
-          </p:sp>
-          <p:sp>
-            <p:nvSpPr>
-              <p:cNvPr id="18" name="Cuadro de texto 2">
-                <a:extLst>
-                  <a:ext uri="{FF2B5EF4-FFF2-40B4-BE49-F238E27FC236}">
-                    <a16:creationId xmlns:a16="http://schemas.microsoft.com/office/drawing/2014/main" id="{42FCC331-2BC3-EFFB-9798-7C5D49346BED}"/>
-                  </a:ext>
-                </a:extLst>
-              </p:cNvPr>
-              <p:cNvSpPr txBox="1">
-                <a:spLocks noChangeArrowheads="1"/>
-              </p:cNvSpPr>
-              <p:nvPr/>
-            </p:nvSpPr>
-            <p:spPr bwMode="auto">
-              <a:xfrm>
-                <a:off x="43296" y="27684"/>
-                <a:ext cx="577850" cy="259287"/>
-              </a:xfrm>
-              <a:prstGeom prst="rect">
-                <a:avLst/>
-              </a:prstGeom>
-              <a:noFill/>
-              <a:ln w="9525">
-                <a:noFill/>
-                <a:miter lim="800000"/>
-                <a:headEnd/>
-                <a:tailEnd/>
-              </a:ln>
-            </p:spPr>
-            <p:txBody>
-              <a:bodyPr rot="0" vert="horz" wrap="square" lIns="91440" tIns="45720" rIns="91440" bIns="45720" anchor="t" anchorCtr="0">
-                <a:spAutoFit/>
-              </a:bodyPr>
-              <a:lstStyle/>
-              <a:p>
-                <a:pPr marL="0" marR="0" algn="ctr">
-                  <a:spcBef>
-                    <a:spcPts val="0"/>
-                  </a:spcBef>
-                  <a:spcAft>
-                    <a:spcPts val="0"/>
-                  </a:spcAft>
-                </a:pPr>
-                <a:r>
-                  <a:rPr lang="es-ES" sz="1500" dirty="0">
-                    <a:solidFill>
-                      <a:srgbClr val="FFFFFF"/>
-                    </a:solidFill>
-                    <a:effectLst/>
-                    <a:latin typeface="Adobe Devanagari" panose="02040503050201020203" pitchFamily="18" charset="0"/>
-                    <a:ea typeface="Times New Roman" panose="02020603050405020304" pitchFamily="18" charset="0"/>
-                    <a:cs typeface="Adobe Devanagari" panose="02040503050201020203" pitchFamily="18" charset="0"/>
-                  </a:rPr>
-                  <a:t>HRAS</a:t>
-                </a:r>
-                <a:endParaRPr lang="en-US" sz="1500" dirty="0">
-                  <a:effectLst/>
-                  <a:latin typeface="Adobe Devanagari" panose="02040503050201020203" pitchFamily="18" charset="0"/>
-                  <a:ea typeface="Times New Roman" panose="02020603050405020304" pitchFamily="18" charset="0"/>
-                  <a:cs typeface="Adobe Devanagari" panose="02040503050201020203" pitchFamily="18" charset="0"/>
-                </a:endParaRPr>
-              </a:p>
-            </p:txBody>
-          </p:sp>
-        </p:grpSp>
-      </p:grpSp>
       <p:sp>
         <p:nvSpPr>
           <p:cNvPr id="11" name="CuadroTexto 10">
@@ -14166,7 +13730,7 @@
                 <a:latin typeface="Segoe UI Light" panose="020B0502040204020203" pitchFamily="34" charset="0"/>
                 <a:ea typeface="Calibri" panose="020F0502020204030204" pitchFamily="34" charset="0"/>
                 <a:cs typeface="Times New Roman" panose="02020603050405020304" pitchFamily="18" charset="0"/>
-                <a:hlinkClick r:id="rId5"/>
+                <a:hlinkClick r:id="rId3"/>
               </a:rPr>
               <a:t>https://www.hec.usace.army.mil/confluence/rasdocs/rasum/latest</a:t>
             </a:r>
@@ -14206,7 +13770,7 @@
                 <a:latin typeface="Segoe UI Light" panose="020B0502040204020203" pitchFamily="34" charset="0"/>
                 <a:ea typeface="Calibri" panose="020F0502020204030204" pitchFamily="34" charset="0"/>
                 <a:cs typeface="Times New Roman" panose="02020603050405020304" pitchFamily="18" charset="0"/>
-                <a:hlinkClick r:id="rId6"/>
+                <a:hlinkClick r:id="rId4"/>
               </a:rPr>
               <a:t>https://www.hec.usace.army.mil/confluence/rasdocs/r2dum/latest</a:t>
             </a:r>
@@ -14246,7 +13810,7 @@
                 <a:latin typeface="Segoe UI Light" panose="020B0502040204020203" pitchFamily="34" charset="0"/>
                 <a:ea typeface="Calibri" panose="020F0502020204030204" pitchFamily="34" charset="0"/>
                 <a:cs typeface="Times New Roman" panose="02020603050405020304" pitchFamily="18" charset="0"/>
-                <a:hlinkClick r:id="rId7"/>
+                <a:hlinkClick r:id="rId5"/>
               </a:rPr>
               <a:t>https://www.hec.usace.army.mil/confluence/rasdocs</a:t>
             </a:r>
@@ -14274,7 +13838,7 @@
           <p:nvPr/>
         </p:nvPicPr>
         <p:blipFill>
-          <a:blip r:embed="rId8">
+          <a:blip r:embed="rId6">
             <a:clrChange>
               <a:clrFrom>
                 <a:srgbClr val="FFFFFF"/>
@@ -14300,87 +13864,12 @@
           </a:prstGeom>
         </p:spPr>
       </p:pic>
-    </p:spTree>
-    <p:extLst>
-      <p:ext uri="{BB962C8B-B14F-4D97-AF65-F5344CB8AC3E}">
-        <p14:creationId xmlns:p14="http://schemas.microsoft.com/office/powerpoint/2010/main" val="1134130361"/>
-      </p:ext>
-    </p:extLst>
-  </p:cSld>
-  <p:clrMapOvr>
-    <a:masterClrMapping/>
-  </p:clrMapOvr>
-  <mc:AlternateContent xmlns:mc="http://schemas.openxmlformats.org/markup-compatibility/2006">
-    <mc:Choice xmlns:p14="http://schemas.microsoft.com/office/powerpoint/2010/main" Requires="p14">
-      <p:transition spd="med" p14:dur="700">
-        <p:fade/>
-      </p:transition>
-    </mc:Choice>
-    <mc:Fallback>
-      <p:transition spd="med">
-        <p:fade/>
-      </p:transition>
-    </mc:Fallback>
-  </mc:AlternateContent>
-</p:sld>
-</file>
-
-<file path=ppt/slides/slide11.xml><?xml version="1.0" encoding="utf-8"?>
-<p:sld xmlns:a="http://schemas.openxmlformats.org/drawingml/2006/main" xmlns:r="http://schemas.openxmlformats.org/officeDocument/2006/relationships" xmlns:p="http://schemas.openxmlformats.org/presentationml/2006/main" showMasterSp="0">
-  <p:cSld>
-    <p:spTree>
-      <p:nvGrpSpPr>
-        <p:cNvPr id="1" name=""/>
-        <p:cNvGrpSpPr/>
-        <p:nvPr/>
-      </p:nvGrpSpPr>
-      <p:grpSpPr>
-        <a:xfrm>
-          <a:off x="0" y="0"/>
-          <a:ext cx="0" cy="0"/>
-          <a:chOff x="0" y="0"/>
-          <a:chExt cx="0" cy="0"/>
-        </a:xfrm>
-      </p:grpSpPr>
-      <p:sp>
-        <p:nvSpPr>
-          <p:cNvPr id="13" name="Título 12"/>
-          <p:cNvSpPr>
-            <a:spLocks noGrp="1"/>
-          </p:cNvSpPr>
-          <p:nvPr>
-            <p:ph type="title"/>
-          </p:nvPr>
-        </p:nvSpPr>
-        <p:spPr>
-          <a:xfrm>
-            <a:off x="1581150" y="383378"/>
-            <a:ext cx="9029700" cy="1325563"/>
-          </a:xfrm>
-        </p:spPr>
-        <p:txBody>
-          <a:bodyPr rtlCol="0">
-            <a:normAutofit/>
-          </a:bodyPr>
-          <a:lstStyle/>
-          <a:p>
-            <a:pPr algn="ctr"/>
-            <a:r>
-              <a:rPr lang="es-ES" cap="none" dirty="0">
-                <a:latin typeface="Adobe Devanagari" panose="02040503050201020203" pitchFamily="18" charset="0"/>
-                <a:cs typeface="Adobe Devanagari" panose="02040503050201020203" pitchFamily="18" charset="0"/>
-              </a:rPr>
-              <a:t>VIDEOS Y FORO</a:t>
-            </a:r>
-          </a:p>
-        </p:txBody>
-      </p:sp>
       <p:grpSp>
         <p:nvGrpSpPr>
-          <p:cNvPr id="4" name="Grupo 3">
+          <p:cNvPr id="15" name="Grupo 14">
             <a:extLst>
               <a:ext uri="{FF2B5EF4-FFF2-40B4-BE49-F238E27FC236}">
-                <a16:creationId xmlns:a16="http://schemas.microsoft.com/office/drawing/2014/main" id="{7C28BA06-AAE6-D767-8A05-BA8020A1774D}"/>
+                <a16:creationId xmlns:a16="http://schemas.microsoft.com/office/drawing/2014/main" id="{30C3A2FB-29D1-3167-7F6B-4A05651DFA1B}"/>
               </a:ext>
             </a:extLst>
           </p:cNvPr>
@@ -14389,160 +13878,18 @@
         </p:nvGrpSpPr>
         <p:grpSpPr>
           <a:xfrm>
-            <a:off x="0" y="7914"/>
-            <a:ext cx="12515105" cy="7107353"/>
-            <a:chOff x="0" y="7914"/>
-            <a:chExt cx="12515105" cy="7107353"/>
+            <a:off x="1" y="0"/>
+            <a:ext cx="12191999" cy="6858001"/>
+            <a:chOff x="1" y="0"/>
+            <a:chExt cx="12191999" cy="6858001"/>
           </a:xfrm>
         </p:grpSpPr>
-        <p:sp>
-          <p:nvSpPr>
-            <p:cNvPr id="29" name="Rectángulo: esquinas diagonales redondeadas 28">
+        <p:grpSp>
+          <p:nvGrpSpPr>
+            <p:cNvPr id="19" name="Grupo 18">
               <a:extLst>
                 <a:ext uri="{FF2B5EF4-FFF2-40B4-BE49-F238E27FC236}">
-                  <a16:creationId xmlns:a16="http://schemas.microsoft.com/office/drawing/2014/main" id="{334138AE-EA0B-4EA0-8E34-A77C79CC7568}"/>
-                </a:ext>
-              </a:extLst>
-            </p:cNvPr>
-            <p:cNvSpPr/>
-            <p:nvPr/>
-          </p:nvSpPr>
-          <p:spPr>
-            <a:xfrm>
-              <a:off x="0" y="6643269"/>
-              <a:ext cx="1699346" cy="214731"/>
-            </a:xfrm>
-            <a:prstGeom prst="round2DiagRect">
-              <a:avLst>
-                <a:gd name="adj1" fmla="val 50000"/>
-                <a:gd name="adj2" fmla="val 0"/>
-              </a:avLst>
-            </a:prstGeom>
-            <a:noFill/>
-            <a:ln>
-              <a:noFill/>
-            </a:ln>
-          </p:spPr>
-          <p:style>
-            <a:lnRef idx="2">
-              <a:schemeClr val="accent1">
-                <a:shade val="50000"/>
-              </a:schemeClr>
-            </a:lnRef>
-            <a:fillRef idx="1">
-              <a:schemeClr val="accent1"/>
-            </a:fillRef>
-            <a:effectRef idx="0">
-              <a:schemeClr val="accent1"/>
-            </a:effectRef>
-            <a:fontRef idx="minor">
-              <a:schemeClr val="lt1"/>
-            </a:fontRef>
-          </p:style>
-          <p:txBody>
-            <a:bodyPr rtlCol="0" anchor="ctr"/>
-            <a:lstStyle/>
-            <a:p>
-              <a:r>
-                <a:rPr lang="es-ES" sz="1200" dirty="0">
-                  <a:solidFill>
-                    <a:schemeClr val="tx1">
-                      <a:lumMod val="65000"/>
-                      <a:lumOff val="35000"/>
-                    </a:schemeClr>
-                  </a:solidFill>
-                  <a:latin typeface="Adobe Devanagari" panose="02040503050201020203" pitchFamily="18" charset="0"/>
-                  <a:cs typeface="Adobe Devanagari" panose="02040503050201020203" pitchFamily="18" charset="0"/>
-                </a:rPr>
-                <a:t>Introducción</a:t>
-              </a:r>
-              <a:endParaRPr lang="es-CO" sz="1200" dirty="0">
-                <a:solidFill>
-                  <a:schemeClr val="tx1">
-                    <a:lumMod val="65000"/>
-                    <a:lumOff val="35000"/>
-                  </a:schemeClr>
-                </a:solidFill>
-                <a:latin typeface="Adobe Devanagari" panose="02040503050201020203" pitchFamily="18" charset="0"/>
-                <a:cs typeface="Adobe Devanagari" panose="02040503050201020203" pitchFamily="18" charset="0"/>
-              </a:endParaRPr>
-            </a:p>
-          </p:txBody>
-        </p:sp>
-        <p:pic>
-          <p:nvPicPr>
-            <p:cNvPr id="14" name="Picture 12" descr="See the source image">
-              <a:extLst>
-                <a:ext uri="{FF2B5EF4-FFF2-40B4-BE49-F238E27FC236}">
-                  <a16:creationId xmlns:a16="http://schemas.microsoft.com/office/drawing/2014/main" id="{572CB045-321C-8E49-542A-7B8765BAC870}"/>
-                </a:ext>
-              </a:extLst>
-            </p:cNvPr>
-            <p:cNvPicPr>
-              <a:picLocks noChangeAspect="1" noChangeArrowheads="1"/>
-            </p:cNvPicPr>
-            <p:nvPr/>
-          </p:nvPicPr>
-          <p:blipFill>
-            <a:blip r:embed="rId3">
-              <a:duotone>
-                <a:schemeClr val="accent4">
-                  <a:shade val="45000"/>
-                  <a:satMod val="135000"/>
-                </a:schemeClr>
-                <a:prstClr val="white"/>
-              </a:duotone>
-              <a:extLst>
-                <a:ext uri="{BEBA8EAE-BF5A-486C-A8C5-ECC9F3942E4B}">
-                  <a14:imgProps xmlns:a14="http://schemas.microsoft.com/office/drawing/2010/main">
-                    <a14:imgLayer r:embed="rId4">
-                      <a14:imgEffect>
-                        <a14:backgroundRemoval t="9920" b="95291" l="10000" r="90000">
-                          <a14:foregroundMark x1="64000" y1="91082" x2="55250" y2="93687"/>
-                          <a14:foregroundMark x1="55250" y1="93687" x2="46125" y2="91483"/>
-                          <a14:foregroundMark x1="46125" y1="91483" x2="45125" y2="91483"/>
-                          <a14:foregroundMark x1="57625" y1="94990" x2="52125" y2="95291"/>
-                        </a14:backgroundRemoval>
-                      </a14:imgEffect>
-                    </a14:imgLayer>
-                  </a14:imgProps>
-                </a:ext>
-                <a:ext uri="{28A0092B-C50C-407E-A947-70E740481C1C}">
-                  <a14:useLocalDpi xmlns:a14="http://schemas.microsoft.com/office/drawing/2010/main" val="0"/>
-                </a:ext>
-              </a:extLst>
-            </a:blip>
-            <a:srcRect/>
-            <a:stretch>
-              <a:fillRect/>
-            </a:stretch>
-          </p:blipFill>
-          <p:spPr bwMode="auto">
-            <a:xfrm flipV="1">
-              <a:off x="10374409" y="4444806"/>
-              <a:ext cx="2140696" cy="2670461"/>
-            </a:xfrm>
-            <a:prstGeom prst="rect">
-              <a:avLst/>
-            </a:prstGeom>
-            <a:noFill/>
-            <a:extLst>
-              <a:ext uri="{909E8E84-426E-40DD-AFC4-6F175D3DCCD1}">
-                <a14:hiddenFill xmlns:a14="http://schemas.microsoft.com/office/drawing/2010/main">
-                  <a:solidFill>
-                    <a:srgbClr val="FFFFFF"/>
-                  </a:solidFill>
-                </a14:hiddenFill>
-              </a:ext>
-            </a:extLst>
-          </p:spPr>
-        </p:pic>
-        <p:grpSp>
-          <p:nvGrpSpPr>
-            <p:cNvPr id="16" name="Grupo 15">
-              <a:extLst>
-                <a:ext uri="{FF2B5EF4-FFF2-40B4-BE49-F238E27FC236}">
-                  <a16:creationId xmlns:a16="http://schemas.microsoft.com/office/drawing/2014/main" id="{3733B50A-13DF-E650-BE25-3A9EBED48B50}"/>
+                  <a16:creationId xmlns:a16="http://schemas.microsoft.com/office/drawing/2014/main" id="{D9FA8AC2-25CF-71B9-8E56-A16629B9C672}"/>
                 </a:ext>
               </a:extLst>
             </p:cNvPr>
@@ -14551,18 +13898,18 @@
           </p:nvGrpSpPr>
           <p:grpSpPr>
             <a:xfrm>
-              <a:off x="11356240" y="7914"/>
-              <a:ext cx="835760" cy="349755"/>
-              <a:chOff x="0" y="6350"/>
-              <a:chExt cx="671158" cy="280621"/>
+              <a:off x="9789459" y="0"/>
+              <a:ext cx="2402541" cy="6858000"/>
+              <a:chOff x="9789459" y="7914"/>
+              <a:chExt cx="2402541" cy="6858000"/>
             </a:xfrm>
           </p:grpSpPr>
           <p:sp>
             <p:nvSpPr>
-              <p:cNvPr id="17" name="Rectángulo: una sola esquina redondeada 16">
+              <p:cNvPr id="23" name="Rectángulo: esquinas diagonales redondeadas 22">
                 <a:extLst>
                   <a:ext uri="{FF2B5EF4-FFF2-40B4-BE49-F238E27FC236}">
-                    <a16:creationId xmlns:a16="http://schemas.microsoft.com/office/drawing/2014/main" id="{601E0294-C923-2559-FEB2-7D5555095840}"/>
+                    <a16:creationId xmlns:a16="http://schemas.microsoft.com/office/drawing/2014/main" id="{8698047D-6B66-991D-90C0-098E866830D4}"/>
                   </a:ext>
                 </a:extLst>
               </p:cNvPr>
@@ -14570,28 +13917,19 @@
               <p:nvPr/>
             </p:nvSpPr>
             <p:spPr>
-              <a:xfrm flipH="1" flipV="1">
-                <a:off x="0" y="6350"/>
-                <a:ext cx="671158" cy="274848"/>
+              <a:xfrm>
+                <a:off x="9789459" y="6641796"/>
+                <a:ext cx="2402541" cy="224118"/>
               </a:xfrm>
-              <a:prstGeom prst="round1Rect">
+              <a:prstGeom prst="round2DiagRect">
                 <a:avLst>
-                  <a:gd name="adj" fmla="val 50000"/>
+                  <a:gd name="adj1" fmla="val 50000"/>
+                  <a:gd name="adj2" fmla="val 0"/>
                 </a:avLst>
               </a:prstGeom>
-              <a:solidFill>
-                <a:schemeClr val="tx1">
-                  <a:lumMod val="75000"/>
-                  <a:lumOff val="25000"/>
-                </a:schemeClr>
-              </a:solidFill>
+              <a:noFill/>
               <a:ln>
-                <a:solidFill>
-                  <a:schemeClr val="tx1">
-                    <a:lumMod val="75000"/>
-                    <a:lumOff val="25000"/>
-                  </a:schemeClr>
-                </a:solidFill>
+                <a:noFill/>
               </a:ln>
             </p:spPr>
             <p:style>
@@ -14611,100 +13949,344 @@
               </a:fontRef>
             </p:style>
             <p:txBody>
-              <a:bodyPr rot="0" spcFirstLastPara="0" vert="horz" wrap="square" lIns="91440" tIns="45720" rIns="91440" bIns="45720" numCol="1" spcCol="0" rtlCol="0" fromWordArt="0" anchor="ctr" anchorCtr="0" forceAA="0" compatLnSpc="1">
-                <a:prstTxWarp prst="textNoShape">
-                  <a:avLst/>
-                </a:prstTxWarp>
-                <a:noAutofit/>
-              </a:bodyPr>
+              <a:bodyPr rtlCol="0" anchor="ctr"/>
               <a:lstStyle/>
               <a:p>
-                <a:pPr marL="0" marR="0" algn="ctr">
-                  <a:spcBef>
-                    <a:spcPts val="0"/>
-                  </a:spcBef>
-                  <a:spcAft>
-                    <a:spcPts val="0"/>
-                  </a:spcAft>
-                </a:pPr>
+                <a:pPr algn="r"/>
                 <a:r>
-                  <a:rPr lang="es-CO" sz="1500">
+                  <a:rPr lang="es-ES" sz="1200" dirty="0">
+                    <a:solidFill>
+                      <a:srgbClr val="990000"/>
+                    </a:solidFill>
+                    <a:latin typeface="Adobe Devanagari" panose="02040503050201020203" pitchFamily="18" charset="0"/>
+                    <a:cs typeface="Adobe Devanagari" panose="02040503050201020203" pitchFamily="18" charset="0"/>
+                  </a:rPr>
+                  <a:t>Introducción</a:t>
+                </a:r>
+                <a:endParaRPr lang="es-CO" sz="1200" dirty="0">
+                  <a:solidFill>
+                    <a:srgbClr val="990000"/>
+                  </a:solidFill>
+                  <a:latin typeface="Adobe Devanagari" panose="02040503050201020203" pitchFamily="18" charset="0"/>
+                  <a:cs typeface="Adobe Devanagari" panose="02040503050201020203" pitchFamily="18" charset="0"/>
+                </a:endParaRPr>
+              </a:p>
+            </p:txBody>
+          </p:sp>
+          <p:grpSp>
+            <p:nvGrpSpPr>
+              <p:cNvPr id="24" name="Grupo 23">
+                <a:extLst>
+                  <a:ext uri="{FF2B5EF4-FFF2-40B4-BE49-F238E27FC236}">
+                    <a16:creationId xmlns:a16="http://schemas.microsoft.com/office/drawing/2014/main" id="{AD2617D8-3E26-E68F-401B-86C38BC4B500}"/>
+                  </a:ext>
+                </a:extLst>
+              </p:cNvPr>
+              <p:cNvGrpSpPr/>
+              <p:nvPr/>
+            </p:nvGrpSpPr>
+            <p:grpSpPr>
+              <a:xfrm>
+                <a:off x="11356240" y="7914"/>
+                <a:ext cx="835760" cy="349755"/>
+                <a:chOff x="0" y="6350"/>
+                <a:chExt cx="671158" cy="280621"/>
+              </a:xfrm>
+            </p:grpSpPr>
+            <p:sp>
+              <p:nvSpPr>
+                <p:cNvPr id="25" name="Rectángulo: una sola esquina redondeada 24">
+                  <a:extLst>
+                    <a:ext uri="{FF2B5EF4-FFF2-40B4-BE49-F238E27FC236}">
+                      <a16:creationId xmlns:a16="http://schemas.microsoft.com/office/drawing/2014/main" id="{881D67C6-7063-C8CB-1960-2D4B3C02455D}"/>
+                    </a:ext>
+                  </a:extLst>
+                </p:cNvPr>
+                <p:cNvSpPr/>
+                <p:nvPr/>
+              </p:nvSpPr>
+              <p:spPr>
+                <a:xfrm flipH="1" flipV="1">
+                  <a:off x="0" y="6350"/>
+                  <a:ext cx="671158" cy="274848"/>
+                </a:xfrm>
+                <a:prstGeom prst="round1Rect">
+                  <a:avLst>
+                    <a:gd name="adj" fmla="val 50000"/>
+                  </a:avLst>
+                </a:prstGeom>
+                <a:solidFill>
+                  <a:schemeClr val="tx1">
+                    <a:lumMod val="75000"/>
+                    <a:lumOff val="25000"/>
+                  </a:schemeClr>
+                </a:solidFill>
+                <a:ln>
+                  <a:solidFill>
+                    <a:schemeClr val="tx1">
+                      <a:lumMod val="75000"/>
+                      <a:lumOff val="25000"/>
+                    </a:schemeClr>
+                  </a:solidFill>
+                </a:ln>
+              </p:spPr>
+              <p:style>
+                <a:lnRef idx="2">
+                  <a:schemeClr val="accent1">
+                    <a:shade val="50000"/>
+                  </a:schemeClr>
+                </a:lnRef>
+                <a:fillRef idx="1">
+                  <a:schemeClr val="accent1"/>
+                </a:fillRef>
+                <a:effectRef idx="0">
+                  <a:schemeClr val="accent1"/>
+                </a:effectRef>
+                <a:fontRef idx="minor">
+                  <a:schemeClr val="lt1"/>
+                </a:fontRef>
+              </p:style>
+              <p:txBody>
+                <a:bodyPr rot="0" spcFirstLastPara="0" vert="horz" wrap="square" lIns="91440" tIns="45720" rIns="91440" bIns="45720" numCol="1" spcCol="0" rtlCol="0" fromWordArt="0" anchor="ctr" anchorCtr="0" forceAA="0" compatLnSpc="1">
+                  <a:prstTxWarp prst="textNoShape">
+                    <a:avLst/>
+                  </a:prstTxWarp>
+                  <a:noAutofit/>
+                </a:bodyPr>
+                <a:lstStyle/>
+                <a:p>
+                  <a:pPr marL="0" marR="0" algn="ctr">
+                    <a:spcBef>
+                      <a:spcPts val="0"/>
+                    </a:spcBef>
+                    <a:spcAft>
+                      <a:spcPts val="0"/>
+                    </a:spcAft>
+                  </a:pPr>
+                  <a:r>
+                    <a:rPr lang="es-CO" sz="1500">
+                      <a:effectLst/>
+                      <a:latin typeface="Segoe UI Light" panose="020B0502040204020203" pitchFamily="34" charset="0"/>
+                      <a:ea typeface="Times New Roman" panose="02020603050405020304" pitchFamily="18" charset="0"/>
+                      <a:cs typeface="Times New Roman" panose="02020603050405020304" pitchFamily="18" charset="0"/>
+                    </a:rPr>
+                    <a:t> </a:t>
+                  </a:r>
+                  <a:endParaRPr lang="en-US" sz="1500">
                     <a:effectLst/>
                     <a:latin typeface="Segoe UI Light" panose="020B0502040204020203" pitchFamily="34" charset="0"/>
                     <a:ea typeface="Times New Roman" panose="02020603050405020304" pitchFamily="18" charset="0"/>
                     <a:cs typeface="Times New Roman" panose="02020603050405020304" pitchFamily="18" charset="0"/>
-                  </a:rPr>
-                  <a:t> </a:t>
-                </a:r>
-                <a:endParaRPr lang="en-US" sz="1500">
-                  <a:effectLst/>
-                  <a:latin typeface="Segoe UI Light" panose="020B0502040204020203" pitchFamily="34" charset="0"/>
-                  <a:ea typeface="Times New Roman" panose="02020603050405020304" pitchFamily="18" charset="0"/>
-                  <a:cs typeface="Times New Roman" panose="02020603050405020304" pitchFamily="18" charset="0"/>
-                </a:endParaRPr>
+                  </a:endParaRPr>
+                </a:p>
+              </p:txBody>
+            </p:sp>
+            <p:sp>
+              <p:nvSpPr>
+                <p:cNvPr id="26" name="Cuadro de texto 2">
+                  <a:extLst>
+                    <a:ext uri="{FF2B5EF4-FFF2-40B4-BE49-F238E27FC236}">
+                      <a16:creationId xmlns:a16="http://schemas.microsoft.com/office/drawing/2014/main" id="{2E429688-871B-5359-492F-5E32B194D94F}"/>
+                    </a:ext>
+                  </a:extLst>
+                </p:cNvPr>
+                <p:cNvSpPr txBox="1">
+                  <a:spLocks noChangeArrowheads="1"/>
+                </p:cNvSpPr>
+                <p:nvPr/>
+              </p:nvSpPr>
+              <p:spPr bwMode="auto">
+                <a:xfrm>
+                  <a:off x="43296" y="27684"/>
+                  <a:ext cx="577850" cy="259287"/>
+                </a:xfrm>
+                <a:prstGeom prst="rect">
+                  <a:avLst/>
+                </a:prstGeom>
+                <a:noFill/>
+                <a:ln w="9525">
+                  <a:noFill/>
+                  <a:miter lim="800000"/>
+                  <a:headEnd/>
+                  <a:tailEnd/>
+                </a:ln>
+              </p:spPr>
+              <p:txBody>
+                <a:bodyPr rot="0" vert="horz" wrap="square" lIns="91440" tIns="45720" rIns="91440" bIns="45720" anchor="t" anchorCtr="0">
+                  <a:spAutoFit/>
+                </a:bodyPr>
+                <a:lstStyle/>
+                <a:p>
+                  <a:pPr marL="0" marR="0" algn="ctr">
+                    <a:spcBef>
+                      <a:spcPts val="0"/>
+                    </a:spcBef>
+                    <a:spcAft>
+                      <a:spcPts val="0"/>
+                    </a:spcAft>
+                  </a:pPr>
+                  <a:r>
+                    <a:rPr lang="es-ES" sz="1500" dirty="0">
+                      <a:solidFill>
+                        <a:srgbClr val="FFFFFF"/>
+                      </a:solidFill>
+                      <a:effectLst/>
+                      <a:latin typeface="Adobe Devanagari" panose="02040503050201020203" pitchFamily="18" charset="0"/>
+                      <a:ea typeface="Times New Roman" panose="02020603050405020304" pitchFamily="18" charset="0"/>
+                      <a:cs typeface="Adobe Devanagari" panose="02040503050201020203" pitchFamily="18" charset="0"/>
+                    </a:rPr>
+                    <a:t>HRAS</a:t>
+                  </a:r>
+                  <a:endParaRPr lang="en-US" sz="1500" dirty="0">
+                    <a:effectLst/>
+                    <a:latin typeface="Adobe Devanagari" panose="02040503050201020203" pitchFamily="18" charset="0"/>
+                    <a:ea typeface="Times New Roman" panose="02020603050405020304" pitchFamily="18" charset="0"/>
+                    <a:cs typeface="Adobe Devanagari" panose="02040503050201020203" pitchFamily="18" charset="0"/>
+                  </a:endParaRPr>
+                </a:p>
+              </p:txBody>
+            </p:sp>
+          </p:grpSp>
+        </p:grpSp>
+        <p:grpSp>
+          <p:nvGrpSpPr>
+            <p:cNvPr id="20" name="Grupo 19">
+              <a:extLst>
+                <a:ext uri="{FF2B5EF4-FFF2-40B4-BE49-F238E27FC236}">
+                  <a16:creationId xmlns:a16="http://schemas.microsoft.com/office/drawing/2014/main" id="{E307D57E-3958-DFF2-47A8-0037D083183A}"/>
+                </a:ext>
+              </a:extLst>
+            </p:cNvPr>
+            <p:cNvGrpSpPr/>
+            <p:nvPr/>
+          </p:nvGrpSpPr>
+          <p:grpSpPr>
+            <a:xfrm>
+              <a:off x="1" y="0"/>
+              <a:ext cx="320040" cy="6858001"/>
+              <a:chOff x="1" y="0"/>
+              <a:chExt cx="320040" cy="6858001"/>
+            </a:xfrm>
+          </p:grpSpPr>
+          <p:sp>
+            <p:nvSpPr>
+              <p:cNvPr id="21" name="Rectángulo 20">
+                <a:extLst>
+                  <a:ext uri="{FF2B5EF4-FFF2-40B4-BE49-F238E27FC236}">
+                    <a16:creationId xmlns:a16="http://schemas.microsoft.com/office/drawing/2014/main" id="{0101470E-C966-03F9-442E-FB2DA1BE936A}"/>
+                  </a:ext>
+                </a:extLst>
+              </p:cNvPr>
+              <p:cNvSpPr/>
+              <p:nvPr/>
+            </p:nvSpPr>
+            <p:spPr>
+              <a:xfrm>
+                <a:off x="1" y="1"/>
+                <a:ext cx="320040" cy="6858000"/>
+              </a:xfrm>
+              <a:prstGeom prst="rect">
+                <a:avLst/>
+              </a:prstGeom>
+              <a:solidFill>
+                <a:srgbClr val="990000"/>
+              </a:solidFill>
+              <a:ln>
+                <a:solidFill>
+                  <a:srgbClr val="990000"/>
+                </a:solidFill>
+              </a:ln>
+              <a:effectLst/>
+            </p:spPr>
+            <p:style>
+              <a:lnRef idx="2">
+                <a:schemeClr val="accent1">
+                  <a:shade val="50000"/>
+                </a:schemeClr>
+              </a:lnRef>
+              <a:fillRef idx="1">
+                <a:schemeClr val="accent1"/>
+              </a:fillRef>
+              <a:effectRef idx="0">
+                <a:schemeClr val="accent1"/>
+              </a:effectRef>
+              <a:fontRef idx="minor">
+                <a:schemeClr val="lt1"/>
+              </a:fontRef>
+            </p:style>
+            <p:txBody>
+              <a:bodyPr rtlCol="0" anchor="ctr"/>
+              <a:lstStyle/>
+              <a:p>
+                <a:pPr algn="ctr"/>
+                <a:endParaRPr lang="en-US" dirty="0"/>
               </a:p>
             </p:txBody>
           </p:sp>
           <p:sp>
             <p:nvSpPr>
-              <p:cNvPr id="18" name="Cuadro de texto 2">
+              <p:cNvPr id="22" name="Rectángulo: esquinas diagonales redondeadas 21">
                 <a:extLst>
                   <a:ext uri="{FF2B5EF4-FFF2-40B4-BE49-F238E27FC236}">
-                    <a16:creationId xmlns:a16="http://schemas.microsoft.com/office/drawing/2014/main" id="{42FCC331-2BC3-EFFB-9798-7C5D49346BED}"/>
+                    <a16:creationId xmlns:a16="http://schemas.microsoft.com/office/drawing/2014/main" id="{4B8E578B-8F0A-F411-A959-783412F684E5}"/>
                   </a:ext>
                 </a:extLst>
               </p:cNvPr>
-              <p:cNvSpPr txBox="1">
-                <a:spLocks noChangeArrowheads="1"/>
-              </p:cNvSpPr>
+              <p:cNvSpPr/>
               <p:nvPr/>
             </p:nvSpPr>
-            <p:spPr bwMode="auto">
-              <a:xfrm>
-                <a:off x="43296" y="27684"/>
-                <a:ext cx="577850" cy="259287"/>
+            <p:spPr>
+              <a:xfrm rot="16200000">
+                <a:off x="-3185312" y="3251862"/>
+                <a:ext cx="6724044" cy="220320"/>
               </a:xfrm>
-              <a:prstGeom prst="rect">
-                <a:avLst/>
+              <a:prstGeom prst="round2DiagRect">
+                <a:avLst>
+                  <a:gd name="adj1" fmla="val 50000"/>
+                  <a:gd name="adj2" fmla="val 0"/>
+                </a:avLst>
               </a:prstGeom>
               <a:noFill/>
-              <a:ln w="9525">
+              <a:ln>
                 <a:noFill/>
-                <a:miter lim="800000"/>
-                <a:headEnd/>
-                <a:tailEnd/>
               </a:ln>
             </p:spPr>
+            <p:style>
+              <a:lnRef idx="2">
+                <a:schemeClr val="accent1">
+                  <a:shade val="50000"/>
+                </a:schemeClr>
+              </a:lnRef>
+              <a:fillRef idx="1">
+                <a:schemeClr val="accent1"/>
+              </a:fillRef>
+              <a:effectRef idx="0">
+                <a:schemeClr val="accent1"/>
+              </a:effectRef>
+              <a:fontRef idx="minor">
+                <a:schemeClr val="lt1"/>
+              </a:fontRef>
+            </p:style>
             <p:txBody>
-              <a:bodyPr rot="0" vert="horz" wrap="square" lIns="91440" tIns="45720" rIns="91440" bIns="45720" anchor="t" anchorCtr="0">
-                <a:spAutoFit/>
-              </a:bodyPr>
+              <a:bodyPr rtlCol="0" anchor="ctr"/>
               <a:lstStyle/>
               <a:p>
-                <a:pPr marL="0" marR="0" algn="ctr">
-                  <a:spcBef>
-                    <a:spcPts val="0"/>
-                  </a:spcBef>
-                  <a:spcAft>
-                    <a:spcPts val="0"/>
-                  </a:spcAft>
-                </a:pPr>
+                <a:pPr algn="ctr"/>
                 <a:r>
-                  <a:rPr lang="es-ES" sz="1500" dirty="0">
+                  <a:rPr lang="es-ES" sz="1200" dirty="0">
                     <a:solidFill>
-                      <a:srgbClr val="FFFFFF"/>
+                      <a:schemeClr val="bg1"/>
                     </a:solidFill>
-                    <a:effectLst/>
                     <a:latin typeface="Adobe Devanagari" panose="02040503050201020203" pitchFamily="18" charset="0"/>
-                    <a:ea typeface="Times New Roman" panose="02020603050405020304" pitchFamily="18" charset="0"/>
                     <a:cs typeface="Adobe Devanagari" panose="02040503050201020203" pitchFamily="18" charset="0"/>
                   </a:rPr>
-                  <a:t>HRAS</a:t>
+                  <a:t>Ingeniería Civil – Centro de Estudios Hidráulicos – Modelación Hidráulica de Canales en HEC-RAS </a:t>
                 </a:r>
-                <a:endParaRPr lang="en-US" sz="1500" dirty="0">
-                  <a:effectLst/>
+                <a:endParaRPr lang="es-CO" sz="1200" dirty="0">
+                  <a:solidFill>
+                    <a:schemeClr val="bg1"/>
+                  </a:solidFill>
                   <a:latin typeface="Adobe Devanagari" panose="02040503050201020203" pitchFamily="18" charset="0"/>
-                  <a:ea typeface="Times New Roman" panose="02020603050405020304" pitchFamily="18" charset="0"/>
                   <a:cs typeface="Adobe Devanagari" panose="02040503050201020203" pitchFamily="18" charset="0"/>
                 </a:endParaRPr>
               </a:p>
@@ -14712,250 +14294,23 @@
           </p:sp>
         </p:grpSp>
       </p:grpSp>
-      <p:pic>
-        <p:nvPicPr>
-          <p:cNvPr id="15" name="Picture 2">
-            <a:extLst>
-              <a:ext uri="{FF2B5EF4-FFF2-40B4-BE49-F238E27FC236}">
-                <a16:creationId xmlns:a16="http://schemas.microsoft.com/office/drawing/2014/main" id="{2300D679-1C18-B7EC-F63A-F00576AE21A5}"/>
-              </a:ext>
-            </a:extLst>
-          </p:cNvPr>
-          <p:cNvPicPr>
-            <a:picLocks noChangeAspect="1" noChangeArrowheads="1"/>
-          </p:cNvPicPr>
-          <p:nvPr/>
-        </p:nvPicPr>
-        <p:blipFill>
-          <a:blip r:embed="rId5">
-            <a:extLst>
-              <a:ext uri="{28A0092B-C50C-407E-A947-70E740481C1C}">
-                <a14:useLocalDpi xmlns:a14="http://schemas.microsoft.com/office/drawing/2010/main" val="0"/>
-              </a:ext>
-            </a:extLst>
-          </a:blip>
-          <a:srcRect/>
-          <a:stretch>
-            <a:fillRect/>
-          </a:stretch>
-        </p:blipFill>
-        <p:spPr bwMode="auto">
-          <a:xfrm>
-            <a:off x="1105437" y="1958821"/>
-            <a:ext cx="1325563" cy="1325563"/>
-          </a:xfrm>
-          <a:prstGeom prst="rect">
-            <a:avLst/>
-          </a:prstGeom>
-          <a:noFill/>
-          <a:extLst>
-            <a:ext uri="{909E8E84-426E-40DD-AFC4-6F175D3DCCD1}">
-              <a14:hiddenFill xmlns:a14="http://schemas.microsoft.com/office/drawing/2010/main">
-                <a:solidFill>
-                  <a:srgbClr val="FFFFFF"/>
-                </a:solidFill>
-              </a14:hiddenFill>
-            </a:ext>
-          </a:extLst>
-        </p:spPr>
-      </p:pic>
-      <p:sp>
-        <p:nvSpPr>
-          <p:cNvPr id="19" name="CuadroTexto 18">
-            <a:extLst>
-              <a:ext uri="{FF2B5EF4-FFF2-40B4-BE49-F238E27FC236}">
-                <a16:creationId xmlns:a16="http://schemas.microsoft.com/office/drawing/2014/main" id="{39A29792-4F58-3DEF-AC95-A4E4A2A0E417}"/>
-              </a:ext>
-            </a:extLst>
-          </p:cNvPr>
-          <p:cNvSpPr txBox="1"/>
-          <p:nvPr/>
-        </p:nvSpPr>
-        <p:spPr>
-          <a:xfrm>
-            <a:off x="2526760" y="5513157"/>
-            <a:ext cx="3125110" cy="461665"/>
-          </a:xfrm>
-          <a:prstGeom prst="rect">
-            <a:avLst/>
-          </a:prstGeom>
-          <a:noFill/>
-        </p:spPr>
-        <p:txBody>
-          <a:bodyPr wrap="square">
-            <a:spAutoFit/>
-          </a:bodyPr>
-          <a:lstStyle/>
-          <a:p>
-            <a:r>
-              <a:rPr lang="es-CO" sz="1200" i="1" dirty="0">
-                <a:solidFill>
-                  <a:schemeClr val="tx1">
-                    <a:lumMod val="50000"/>
-                    <a:lumOff val="50000"/>
-                  </a:schemeClr>
-                </a:solidFill>
-                <a:hlinkClick r:id="rId6"/>
-              </a:rPr>
-              <a:t>https://web.microsoftstream.com/channel/62545e63-0ca6-4aa0-ae06-8ebf972c353c</a:t>
-            </a:r>
-            <a:endParaRPr lang="es-CO" sz="1200" i="1" dirty="0">
-              <a:solidFill>
-                <a:schemeClr val="tx1">
-                  <a:lumMod val="50000"/>
-                  <a:lumOff val="50000"/>
-                </a:schemeClr>
-              </a:solidFill>
-            </a:endParaRPr>
-          </a:p>
-        </p:txBody>
-      </p:sp>
-      <p:pic>
-        <p:nvPicPr>
-          <p:cNvPr id="20" name="Picture 4" descr="Microsoft, teams Icon in Material Design">
-            <a:extLst>
-              <a:ext uri="{FF2B5EF4-FFF2-40B4-BE49-F238E27FC236}">
-                <a16:creationId xmlns:a16="http://schemas.microsoft.com/office/drawing/2014/main" id="{AAC0E3C1-EDE6-3EC6-5702-63F834802BF4}"/>
-              </a:ext>
-            </a:extLst>
-          </p:cNvPr>
-          <p:cNvPicPr>
-            <a:picLocks noChangeAspect="1" noChangeArrowheads="1"/>
-          </p:cNvPicPr>
-          <p:nvPr/>
-        </p:nvPicPr>
-        <p:blipFill>
-          <a:blip r:embed="rId7">
-            <a:extLst>
-              <a:ext uri="{28A0092B-C50C-407E-A947-70E740481C1C}">
-                <a14:useLocalDpi xmlns:a14="http://schemas.microsoft.com/office/drawing/2010/main" val="0"/>
-              </a:ext>
-            </a:extLst>
-          </a:blip>
-          <a:srcRect/>
-          <a:stretch>
-            <a:fillRect/>
-          </a:stretch>
-        </p:blipFill>
-        <p:spPr bwMode="auto">
-          <a:xfrm>
-            <a:off x="5791888" y="1852357"/>
-            <a:ext cx="1584000" cy="1584000"/>
-          </a:xfrm>
-          <a:prstGeom prst="rect">
-            <a:avLst/>
-          </a:prstGeom>
-          <a:noFill/>
-          <a:extLst>
-            <a:ext uri="{909E8E84-426E-40DD-AFC4-6F175D3DCCD1}">
-              <a14:hiddenFill xmlns:a14="http://schemas.microsoft.com/office/drawing/2010/main">
-                <a:solidFill>
-                  <a:srgbClr val="FFFFFF"/>
-                </a:solidFill>
-              </a14:hiddenFill>
-            </a:ext>
-          </a:extLst>
-        </p:spPr>
-      </p:pic>
-      <p:pic>
-        <p:nvPicPr>
-          <p:cNvPr id="21" name="Imagen 20" descr="Código QR&#10;&#10;Descripción generada automáticamente">
-            <a:extLst>
-              <a:ext uri="{FF2B5EF4-FFF2-40B4-BE49-F238E27FC236}">
-                <a16:creationId xmlns:a16="http://schemas.microsoft.com/office/drawing/2014/main" id="{8D5DF9ED-C96C-CB35-1784-DFEFCAB226E6}"/>
-              </a:ext>
-            </a:extLst>
-          </p:cNvPr>
-          <p:cNvPicPr>
-            <a:picLocks noChangeAspect="1"/>
-          </p:cNvPicPr>
-          <p:nvPr/>
-        </p:nvPicPr>
-        <p:blipFill>
-          <a:blip r:embed="rId8">
-            <a:clrChange>
-              <a:clrFrom>
-                <a:srgbClr val="FFFFFF"/>
-              </a:clrFrom>
-              <a:clrTo>
-                <a:srgbClr val="FFFFFF">
-                  <a:alpha val="0"/>
-                </a:srgbClr>
-              </a:clrTo>
-            </a:clrChange>
-          </a:blip>
-          <a:stretch>
-            <a:fillRect/>
-          </a:stretch>
-        </p:blipFill>
-        <p:spPr>
-          <a:xfrm>
-            <a:off x="2294487" y="2315438"/>
-            <a:ext cx="3441025" cy="3441025"/>
-          </a:xfrm>
-          <a:prstGeom prst="rect">
-            <a:avLst/>
-          </a:prstGeom>
-        </p:spPr>
-      </p:pic>
-      <p:pic>
-        <p:nvPicPr>
-          <p:cNvPr id="22" name="Imagen 21" descr="Imagen de la pantalla de un celular con texto e imagen&#10;&#10;Descripción generada automáticamente con confianza media">
-            <a:extLst>
-              <a:ext uri="{FF2B5EF4-FFF2-40B4-BE49-F238E27FC236}">
-                <a16:creationId xmlns:a16="http://schemas.microsoft.com/office/drawing/2014/main" id="{F3DD859C-EBE3-9E15-B644-DCFF659BB337}"/>
-              </a:ext>
-            </a:extLst>
-          </p:cNvPr>
-          <p:cNvPicPr>
-            <a:picLocks noChangeAspect="1"/>
-          </p:cNvPicPr>
-          <p:nvPr/>
-        </p:nvPicPr>
-        <p:blipFill>
-          <a:blip r:embed="rId9">
-            <a:clrChange>
-              <a:clrFrom>
-                <a:srgbClr val="FFFFFF"/>
-              </a:clrFrom>
-              <a:clrTo>
-                <a:srgbClr val="FFFFFF">
-                  <a:alpha val="0"/>
-                </a:srgbClr>
-              </a:clrTo>
-            </a:clrChange>
-          </a:blip>
-          <a:stretch>
-            <a:fillRect/>
-          </a:stretch>
-        </p:blipFill>
-        <p:spPr>
-          <a:xfrm>
-            <a:off x="7299688" y="2413194"/>
-            <a:ext cx="3234962" cy="3234962"/>
-          </a:xfrm>
-          <a:prstGeom prst="rect">
-            <a:avLst/>
-          </a:prstGeom>
-        </p:spPr>
-      </p:pic>
     </p:spTree>
     <p:extLst>
       <p:ext uri="{BB962C8B-B14F-4D97-AF65-F5344CB8AC3E}">
-        <p14:creationId xmlns:p14="http://schemas.microsoft.com/office/powerpoint/2010/main" val="1209339855"/>
+        <p14:creationId xmlns:p14="http://schemas.microsoft.com/office/powerpoint/2010/main" val="1134130361"/>
       </p:ext>
     </p:extLst>
   </p:cSld>
   <p:clrMapOvr>
     <a:masterClrMapping/>
   </p:clrMapOvr>
-  <mc:AlternateContent xmlns:mc="http://schemas.openxmlformats.org/markup-compatibility/2006">
-    <mc:Choice xmlns:p14="http://schemas.microsoft.com/office/powerpoint/2010/main" Requires="p14">
+  <mc:AlternateContent xmlns:mc="http://schemas.openxmlformats.org/markup-compatibility/2006" xmlns:p14="http://schemas.microsoft.com/office/powerpoint/2010/main">
+    <mc:Choice Requires="p14">
       <p:transition spd="med" p14:dur="700">
         <p:fade/>
       </p:transition>
     </mc:Choice>
-    <mc:Fallback>
+    <mc:Fallback xmlns="">
       <p:transition spd="med">
         <p:fade/>
       </p:transition>
@@ -14964,7 +14319,7 @@
 </p:sld>
 </file>
 
-<file path=ppt/slides/slide12.xml><?xml version="1.0" encoding="utf-8"?>
+<file path=ppt/slides/slide11.xml><?xml version="1.0" encoding="utf-8"?>
 <p:sld xmlns:a="http://schemas.openxmlformats.org/drawingml/2006/main" xmlns:r="http://schemas.openxmlformats.org/officeDocument/2006/relationships" xmlns:p="http://schemas.openxmlformats.org/presentationml/2006/main" showMasterSp="0">
   <p:cSld>
     <p:spTree>
@@ -15011,7 +14366,7 @@
           <a:p>
             <a:pPr algn="ctr"/>
             <a:r>
-              <a:rPr lang="es-ES" sz="1100">
+              <a:rPr lang="es-ES" sz="1100" dirty="0">
                 <a:latin typeface="Segoe UI Light" panose="020B0502040204020203" pitchFamily="34" charset="0"/>
                 <a:cs typeface="Segoe UI Light" panose="020B0502040204020203" pitchFamily="34" charset="0"/>
               </a:rPr>
@@ -15021,7 +14376,7 @@
           <a:p>
             <a:pPr algn="ctr"/>
             <a:r>
-              <a:rPr lang="es-ES" sz="1400">
+              <a:rPr lang="es-ES" sz="1400" dirty="0">
                 <a:latin typeface="Segoe UI Light" panose="020B0502040204020203" pitchFamily="34" charset="0"/>
                 <a:cs typeface="Segoe UI Light" panose="020B0502040204020203" pitchFamily="34" charset="0"/>
               </a:rPr>
@@ -15031,14 +14386,14 @@
           <a:p>
             <a:pPr algn="ctr"/>
             <a:r>
-              <a:rPr lang="es-ES" sz="1100">
+              <a:rPr lang="es-ES" sz="1100" dirty="0">
                 <a:latin typeface="Segoe UI Light" panose="020B0502040204020203" pitchFamily="34" charset="0"/>
                 <a:cs typeface="Segoe UI Light" panose="020B0502040204020203" pitchFamily="34" charset="0"/>
                 <a:hlinkClick r:id="rId3"/>
               </a:rPr>
               <a:t>juan.rodrigueza@escuelaing.edu.co</a:t>
             </a:r>
-            <a:endParaRPr lang="es-ES" sz="1100">
+            <a:endParaRPr lang="es-ES" sz="1100" dirty="0">
               <a:latin typeface="Segoe UI Light" panose="020B0502040204020203" pitchFamily="34" charset="0"/>
               <a:cs typeface="Segoe UI Light" panose="020B0502040204020203" pitchFamily="34" charset="0"/>
             </a:endParaRPr>
@@ -15046,17 +14401,31 @@
           <a:p>
             <a:pPr algn="ctr"/>
             <a:r>
-              <a:rPr lang="es-ES" sz="1000">
+              <a:rPr lang="es-ES" sz="1000" dirty="0">
                 <a:latin typeface="Segoe UI Light" panose="020B0502040204020203" pitchFamily="34" charset="0"/>
                 <a:cs typeface="Segoe UI Light" panose="020B0502040204020203" pitchFamily="34" charset="0"/>
               </a:rPr>
-              <a:t>Profesor Asistente, M.Sc. en Ingeniería Civil y Especialista en </a:t>
+              <a:t>Profesor. Ingeniero Civil, </a:t>
+            </a:r>
+            <a:r>
+              <a:rPr lang="es-ES" sz="1000" dirty="0" err="1">
+                <a:latin typeface="Segoe UI Light" panose="020B0502040204020203" pitchFamily="34" charset="0"/>
+                <a:cs typeface="Segoe UI Light" panose="020B0502040204020203" pitchFamily="34" charset="0"/>
+              </a:rPr>
+              <a:t>M.Sc</a:t>
+            </a:r>
+            <a:r>
+              <a:rPr lang="es-ES" sz="1000" dirty="0">
+                <a:latin typeface="Segoe UI Light" panose="020B0502040204020203" pitchFamily="34" charset="0"/>
+                <a:cs typeface="Segoe UI Light" panose="020B0502040204020203" pitchFamily="34" charset="0"/>
+              </a:rPr>
+              <a:t>. en Ingeniería Civil y Especialista en </a:t>
             </a:r>
           </a:p>
           <a:p>
             <a:pPr algn="ctr"/>
             <a:r>
-              <a:rPr lang="es-ES" sz="1000">
+              <a:rPr lang="es-ES" sz="1000" dirty="0">
                 <a:latin typeface="Segoe UI Light" panose="020B0502040204020203" pitchFamily="34" charset="0"/>
                 <a:cs typeface="Segoe UI Light" panose="020B0502040204020203" pitchFamily="34" charset="0"/>
               </a:rPr>
@@ -15065,7 +14434,7 @@
           </a:p>
           <a:p>
             <a:pPr algn="ctr"/>
-            <a:endParaRPr lang="es-ES" sz="1100">
+            <a:endParaRPr lang="es-ES" sz="1100" dirty="0">
               <a:latin typeface="Segoe UI Light" panose="020B0502040204020203" pitchFamily="34" charset="0"/>
               <a:cs typeface="Segoe UI Light" panose="020B0502040204020203" pitchFamily="34" charset="0"/>
             </a:endParaRPr>
@@ -15073,7 +14442,7 @@
           <a:p>
             <a:pPr algn="ctr"/>
             <a:r>
-              <a:rPr lang="es-ES" sz="1400">
+              <a:rPr lang="es-ES" sz="1400" dirty="0">
                 <a:latin typeface="Segoe UI Light" panose="020B0502040204020203" pitchFamily="34" charset="0"/>
                 <a:cs typeface="Segoe UI Light" panose="020B0502040204020203" pitchFamily="34" charset="0"/>
               </a:rPr>
@@ -15083,13 +14452,13 @@
           <a:p>
             <a:pPr algn="ctr"/>
             <a:r>
-              <a:rPr lang="es-ES" sz="1200">
+              <a:rPr lang="es-ES" sz="1200" dirty="0">
                 <a:latin typeface="Segoe UI Light" panose="020B0502040204020203" pitchFamily="34" charset="0"/>
                 <a:cs typeface="Segoe UI Light" panose="020B0502040204020203" pitchFamily="34" charset="0"/>
               </a:rPr>
               <a:t>Escuela Colombiana de Ingeniería Julio Garavito</a:t>
             </a:r>
-            <a:endParaRPr lang="es-ES" sz="1100">
+            <a:endParaRPr lang="es-ES" sz="1100" dirty="0">
               <a:latin typeface="Segoe UI Light" panose="020B0502040204020203" pitchFamily="34" charset="0"/>
               <a:cs typeface="Segoe UI Light" panose="020B0502040204020203" pitchFamily="34" charset="0"/>
             </a:endParaRPr>
@@ -15097,7 +14466,7 @@
           <a:p>
             <a:pPr algn="ctr"/>
             <a:r>
-              <a:rPr lang="es-ES" sz="1100">
+              <a:rPr lang="es-ES" sz="1100" dirty="0">
                 <a:latin typeface="Segoe UI Light" panose="020B0502040204020203" pitchFamily="34" charset="0"/>
                 <a:cs typeface="Segoe UI Light" panose="020B0502040204020203" pitchFamily="34" charset="0"/>
               </a:rPr>
@@ -15106,14 +14475,14 @@
           </a:p>
           <a:p>
             <a:pPr algn="ctr"/>
-            <a:endParaRPr lang="es-ES" sz="1100">
+            <a:endParaRPr lang="es-ES" sz="1100" dirty="0">
               <a:latin typeface="Segoe UI Light" panose="020B0502040204020203" pitchFamily="34" charset="0"/>
               <a:cs typeface="Segoe UI Light" panose="020B0502040204020203" pitchFamily="34" charset="0"/>
             </a:endParaRPr>
           </a:p>
           <a:p>
             <a:r>
-              <a:rPr lang="es-CO" sz="1200">
+              <a:rPr lang="es-CO" sz="1200" dirty="0">
                 <a:latin typeface="Segoe UI Light" panose="020B0502040204020203" pitchFamily="34" charset="0"/>
                 <a:cs typeface="Segoe UI Light" panose="020B0502040204020203" pitchFamily="34" charset="0"/>
               </a:rPr>
@@ -15121,23 +14490,19 @@
             </a:r>
           </a:p>
           <a:p>
-            <a:endParaRPr lang="es-CO" sz="1200">
-              <a:latin typeface="Segoe UI Light" panose="020B0502040204020203" pitchFamily="34" charset="0"/>
-              <a:cs typeface="Segoe UI Light" panose="020B0502040204020203" pitchFamily="34" charset="0"/>
-            </a:endParaRPr>
-          </a:p>
-          <a:p>
-            <a:r>
-              <a:rPr lang="es-CO" sz="1200">
-                <a:latin typeface="Segoe UI Light" panose="020B0502040204020203" pitchFamily="34" charset="0"/>
-                <a:cs typeface="Segoe UI Light" panose="020B0502040204020203" pitchFamily="34" charset="0"/>
-              </a:rPr>
-              <a:t>Se permite la reproducción digital parcial o total de este documento siempre que se haga referencia como: “Modelación hidráulica en HEC-RAS, Rodriguez Juan David, Escuela Colombiana de Ingeniería Julio Garavito, Bogotá – Colombia – 2022”.</a:t>
-            </a:r>
             <a:endParaRPr lang="es-CO" sz="1200" dirty="0">
               <a:latin typeface="Segoe UI Light" panose="020B0502040204020203" pitchFamily="34" charset="0"/>
               <a:cs typeface="Segoe UI Light" panose="020B0502040204020203" pitchFamily="34" charset="0"/>
             </a:endParaRPr>
+          </a:p>
+          <a:p>
+            <a:r>
+              <a:rPr lang="es-CO" sz="1200" dirty="0">
+                <a:latin typeface="Segoe UI Light" panose="020B0502040204020203" pitchFamily="34" charset="0"/>
+                <a:cs typeface="Segoe UI Light" panose="020B0502040204020203" pitchFamily="34" charset="0"/>
+              </a:rPr>
+              <a:t>Se permite la reproducción digital parcial o total de este documento siempre que se haga referencia como: “Modelación hidráulica de canales en HEC-RAS, Rodriguez Juan David, Escuela Colombiana de Ingeniería Julio Garavito, Bogotá – Colombia – 2022”.</a:t>
+            </a:r>
           </a:p>
         </p:txBody>
       </p:sp>
@@ -15157,13 +14522,6 @@
         </p:nvPicPr>
         <p:blipFill>
           <a:blip r:embed="rId4">
-            <a:duotone>
-              <a:schemeClr val="accent4">
-                <a:shade val="45000"/>
-                <a:satMod val="135000"/>
-              </a:schemeClr>
-              <a:prstClr val="white"/>
-            </a:duotone>
             <a:extLst>
               <a:ext uri="{BEBA8EAE-BF5A-486C-A8C5-ECC9F3942E4B}">
                 <a14:imgProps xmlns:a14="http://schemas.microsoft.com/office/drawing/2010/main">
@@ -15298,8 +14656,8 @@
         </p:nvSpPr>
         <p:spPr>
           <a:xfrm>
-            <a:off x="2470872" y="2431357"/>
-            <a:ext cx="7391400" cy="2308324"/>
+            <a:off x="2470871" y="2787424"/>
+            <a:ext cx="7391400" cy="1938992"/>
           </a:xfrm>
           <a:prstGeom prst="rect">
             <a:avLst/>
@@ -15317,7 +14675,7 @@
               <a:buChar char="ü"/>
             </a:pPr>
             <a:r>
-              <a:rPr lang="es-ES" sz="2400" dirty="0">
+              <a:rPr lang="es-ES" sz="2000" dirty="0">
                 <a:latin typeface="Adobe Devanagari" panose="02040503050201020203" pitchFamily="18" charset="0"/>
                 <a:cs typeface="Adobe Devanagari" panose="02040503050201020203" pitchFamily="18" charset="0"/>
               </a:rPr>
@@ -15330,7 +14688,7 @@
               <a:buChar char="ü"/>
             </a:pPr>
             <a:r>
-              <a:rPr lang="es-ES" sz="2400" dirty="0">
+              <a:rPr lang="es-ES" sz="2000" dirty="0">
                 <a:latin typeface="Adobe Devanagari" panose="02040503050201020203" pitchFamily="18" charset="0"/>
                 <a:cs typeface="Adobe Devanagari" panose="02040503050201020203" pitchFamily="18" charset="0"/>
               </a:rPr>
@@ -15343,7 +14701,7 @@
               <a:buChar char="ü"/>
             </a:pPr>
             <a:r>
-              <a:rPr lang="es-ES" sz="2400" dirty="0">
+              <a:rPr lang="es-ES" sz="2000" dirty="0">
                 <a:latin typeface="Adobe Devanagari" panose="02040503050201020203" pitchFamily="18" charset="0"/>
                 <a:cs typeface="Adobe Devanagari" panose="02040503050201020203" pitchFamily="18" charset="0"/>
               </a:rPr>
@@ -15356,7 +14714,7 @@
               <a:buChar char="ü"/>
             </a:pPr>
             <a:r>
-              <a:rPr lang="es-ES" sz="2400" dirty="0">
+              <a:rPr lang="es-ES" sz="2000" dirty="0">
                 <a:latin typeface="Adobe Devanagari" panose="02040503050201020203" pitchFamily="18" charset="0"/>
                 <a:cs typeface="Adobe Devanagari" panose="02040503050201020203" pitchFamily="18" charset="0"/>
               </a:rPr>
@@ -15369,7 +14727,7 @@
               <a:buChar char="ü"/>
             </a:pPr>
             <a:r>
-              <a:rPr lang="es-ES" sz="2400" dirty="0">
+              <a:rPr lang="es-ES" sz="2000" dirty="0">
                 <a:latin typeface="Adobe Devanagari" panose="02040503050201020203" pitchFamily="18" charset="0"/>
                 <a:cs typeface="Adobe Devanagari" panose="02040503050201020203" pitchFamily="18" charset="0"/>
               </a:rPr>
@@ -15382,7 +14740,7 @@
               <a:buChar char="ü"/>
             </a:pPr>
             <a:r>
-              <a:rPr lang="es-ES" sz="2400" dirty="0">
+              <a:rPr lang="es-ES" sz="2000" dirty="0">
                 <a:latin typeface="Adobe Devanagari" panose="02040503050201020203" pitchFamily="18" charset="0"/>
                 <a:cs typeface="Adobe Devanagari" panose="02040503050201020203" pitchFamily="18" charset="0"/>
               </a:rPr>
@@ -15434,12 +14792,48 @@
           </a:p>
         </p:txBody>
       </p:sp>
+      <p:pic>
+        <p:nvPicPr>
+          <p:cNvPr id="15" name="Gráfico 14" descr="Diana con relleno sólido">
+            <a:extLst>
+              <a:ext uri="{FF2B5EF4-FFF2-40B4-BE49-F238E27FC236}">
+                <a16:creationId xmlns:a16="http://schemas.microsoft.com/office/drawing/2014/main" id="{08E8FB98-BBE9-8A0A-81C4-FF16FCD799D8}"/>
+              </a:ext>
+            </a:extLst>
+          </p:cNvPr>
+          <p:cNvPicPr>
+            <a:picLocks noChangeAspect="1"/>
+          </p:cNvPicPr>
+          <p:nvPr/>
+        </p:nvPicPr>
+        <p:blipFill>
+          <a:blip r:embed="rId3">
+            <a:extLst>
+              <a:ext uri="{96DAC541-7B7A-43D3-8B79-37D633B846F1}">
+                <asvg:svgBlip xmlns:asvg="http://schemas.microsoft.com/office/drawing/2016/SVG/main" r:embed="rId4"/>
+              </a:ext>
+            </a:extLst>
+          </a:blip>
+          <a:stretch>
+            <a:fillRect/>
+          </a:stretch>
+        </p:blipFill>
+        <p:spPr>
+          <a:xfrm>
+            <a:off x="1699346" y="2083808"/>
+            <a:ext cx="771525" cy="771525"/>
+          </a:xfrm>
+          <a:prstGeom prst="rect">
+            <a:avLst/>
+          </a:prstGeom>
+        </p:spPr>
+      </p:pic>
       <p:grpSp>
         <p:nvGrpSpPr>
-          <p:cNvPr id="4" name="Grupo 3">
+          <p:cNvPr id="8" name="Grupo 7">
             <a:extLst>
               <a:ext uri="{FF2B5EF4-FFF2-40B4-BE49-F238E27FC236}">
-                <a16:creationId xmlns:a16="http://schemas.microsoft.com/office/drawing/2014/main" id="{7C28BA06-AAE6-D767-8A05-BA8020A1774D}"/>
+                <a16:creationId xmlns:a16="http://schemas.microsoft.com/office/drawing/2014/main" id="{2CC7CEAB-183B-55FE-CA2F-6A18AAD3509B}"/>
               </a:ext>
             </a:extLst>
           </p:cNvPr>
@@ -15448,160 +14842,18 @@
         </p:nvGrpSpPr>
         <p:grpSpPr>
           <a:xfrm>
-            <a:off x="0" y="7914"/>
-            <a:ext cx="12515105" cy="7107353"/>
-            <a:chOff x="0" y="7914"/>
-            <a:chExt cx="12515105" cy="7107353"/>
+            <a:off x="1" y="0"/>
+            <a:ext cx="12191999" cy="6858001"/>
+            <a:chOff x="1" y="0"/>
+            <a:chExt cx="12191999" cy="6858001"/>
           </a:xfrm>
         </p:grpSpPr>
-        <p:sp>
-          <p:nvSpPr>
-            <p:cNvPr id="29" name="Rectángulo: esquinas diagonales redondeadas 28">
+        <p:grpSp>
+          <p:nvGrpSpPr>
+            <p:cNvPr id="4" name="Grupo 3">
               <a:extLst>
                 <a:ext uri="{FF2B5EF4-FFF2-40B4-BE49-F238E27FC236}">
-                  <a16:creationId xmlns:a16="http://schemas.microsoft.com/office/drawing/2014/main" id="{334138AE-EA0B-4EA0-8E34-A77C79CC7568}"/>
-                </a:ext>
-              </a:extLst>
-            </p:cNvPr>
-            <p:cNvSpPr/>
-            <p:nvPr/>
-          </p:nvSpPr>
-          <p:spPr>
-            <a:xfrm>
-              <a:off x="0" y="6643269"/>
-              <a:ext cx="1699346" cy="214731"/>
-            </a:xfrm>
-            <a:prstGeom prst="round2DiagRect">
-              <a:avLst>
-                <a:gd name="adj1" fmla="val 50000"/>
-                <a:gd name="adj2" fmla="val 0"/>
-              </a:avLst>
-            </a:prstGeom>
-            <a:noFill/>
-            <a:ln>
-              <a:noFill/>
-            </a:ln>
-          </p:spPr>
-          <p:style>
-            <a:lnRef idx="2">
-              <a:schemeClr val="accent1">
-                <a:shade val="50000"/>
-              </a:schemeClr>
-            </a:lnRef>
-            <a:fillRef idx="1">
-              <a:schemeClr val="accent1"/>
-            </a:fillRef>
-            <a:effectRef idx="0">
-              <a:schemeClr val="accent1"/>
-            </a:effectRef>
-            <a:fontRef idx="minor">
-              <a:schemeClr val="lt1"/>
-            </a:fontRef>
-          </p:style>
-          <p:txBody>
-            <a:bodyPr rtlCol="0" anchor="ctr"/>
-            <a:lstStyle/>
-            <a:p>
-              <a:r>
-                <a:rPr lang="es-ES" sz="1200" dirty="0">
-                  <a:solidFill>
-                    <a:schemeClr val="tx1">
-                      <a:lumMod val="65000"/>
-                      <a:lumOff val="35000"/>
-                    </a:schemeClr>
-                  </a:solidFill>
-                  <a:latin typeface="Adobe Devanagari" panose="02040503050201020203" pitchFamily="18" charset="0"/>
-                  <a:cs typeface="Adobe Devanagari" panose="02040503050201020203" pitchFamily="18" charset="0"/>
-                </a:rPr>
-                <a:t>Introducción</a:t>
-              </a:r>
-              <a:endParaRPr lang="es-CO" sz="1200" dirty="0">
-                <a:solidFill>
-                  <a:schemeClr val="tx1">
-                    <a:lumMod val="65000"/>
-                    <a:lumOff val="35000"/>
-                  </a:schemeClr>
-                </a:solidFill>
-                <a:latin typeface="Adobe Devanagari" panose="02040503050201020203" pitchFamily="18" charset="0"/>
-                <a:cs typeface="Adobe Devanagari" panose="02040503050201020203" pitchFamily="18" charset="0"/>
-              </a:endParaRPr>
-            </a:p>
-          </p:txBody>
-        </p:sp>
-        <p:pic>
-          <p:nvPicPr>
-            <p:cNvPr id="14" name="Picture 12" descr="See the source image">
-              <a:extLst>
-                <a:ext uri="{FF2B5EF4-FFF2-40B4-BE49-F238E27FC236}">
-                  <a16:creationId xmlns:a16="http://schemas.microsoft.com/office/drawing/2014/main" id="{572CB045-321C-8E49-542A-7B8765BAC870}"/>
-                </a:ext>
-              </a:extLst>
-            </p:cNvPr>
-            <p:cNvPicPr>
-              <a:picLocks noChangeAspect="1" noChangeArrowheads="1"/>
-            </p:cNvPicPr>
-            <p:nvPr/>
-          </p:nvPicPr>
-          <p:blipFill>
-            <a:blip r:embed="rId3">
-              <a:duotone>
-                <a:schemeClr val="accent4">
-                  <a:shade val="45000"/>
-                  <a:satMod val="135000"/>
-                </a:schemeClr>
-                <a:prstClr val="white"/>
-              </a:duotone>
-              <a:extLst>
-                <a:ext uri="{BEBA8EAE-BF5A-486C-A8C5-ECC9F3942E4B}">
-                  <a14:imgProps xmlns:a14="http://schemas.microsoft.com/office/drawing/2010/main">
-                    <a14:imgLayer r:embed="rId4">
-                      <a14:imgEffect>
-                        <a14:backgroundRemoval t="9920" b="95291" l="10000" r="90000">
-                          <a14:foregroundMark x1="64000" y1="91082" x2="55250" y2="93687"/>
-                          <a14:foregroundMark x1="55250" y1="93687" x2="46125" y2="91483"/>
-                          <a14:foregroundMark x1="46125" y1="91483" x2="45125" y2="91483"/>
-                          <a14:foregroundMark x1="57625" y1="94990" x2="52125" y2="95291"/>
-                        </a14:backgroundRemoval>
-                      </a14:imgEffect>
-                    </a14:imgLayer>
-                  </a14:imgProps>
-                </a:ext>
-                <a:ext uri="{28A0092B-C50C-407E-A947-70E740481C1C}">
-                  <a14:useLocalDpi xmlns:a14="http://schemas.microsoft.com/office/drawing/2010/main" val="0"/>
-                </a:ext>
-              </a:extLst>
-            </a:blip>
-            <a:srcRect/>
-            <a:stretch>
-              <a:fillRect/>
-            </a:stretch>
-          </p:blipFill>
-          <p:spPr bwMode="auto">
-            <a:xfrm flipV="1">
-              <a:off x="10374409" y="4444806"/>
-              <a:ext cx="2140696" cy="2670461"/>
-            </a:xfrm>
-            <a:prstGeom prst="rect">
-              <a:avLst/>
-            </a:prstGeom>
-            <a:noFill/>
-            <a:extLst>
-              <a:ext uri="{909E8E84-426E-40DD-AFC4-6F175D3DCCD1}">
-                <a14:hiddenFill xmlns:a14="http://schemas.microsoft.com/office/drawing/2010/main">
-                  <a:solidFill>
-                    <a:srgbClr val="FFFFFF"/>
-                  </a:solidFill>
-                </a14:hiddenFill>
-              </a:ext>
-            </a:extLst>
-          </p:spPr>
-        </p:pic>
-        <p:grpSp>
-          <p:nvGrpSpPr>
-            <p:cNvPr id="16" name="Grupo 15">
-              <a:extLst>
-                <a:ext uri="{FF2B5EF4-FFF2-40B4-BE49-F238E27FC236}">
-                  <a16:creationId xmlns:a16="http://schemas.microsoft.com/office/drawing/2014/main" id="{3733B50A-13DF-E650-BE25-3A9EBED48B50}"/>
+                  <a16:creationId xmlns:a16="http://schemas.microsoft.com/office/drawing/2014/main" id="{7C28BA06-AAE6-D767-8A05-BA8020A1774D}"/>
                 </a:ext>
               </a:extLst>
             </p:cNvPr>
@@ -15610,18 +14862,18 @@
           </p:nvGrpSpPr>
           <p:grpSpPr>
             <a:xfrm>
-              <a:off x="11356240" y="7914"/>
-              <a:ext cx="835760" cy="349755"/>
-              <a:chOff x="0" y="6350"/>
-              <a:chExt cx="671158" cy="280621"/>
+              <a:off x="9789459" y="0"/>
+              <a:ext cx="2402541" cy="6858000"/>
+              <a:chOff x="9789459" y="7914"/>
+              <a:chExt cx="2402541" cy="6858000"/>
             </a:xfrm>
           </p:grpSpPr>
           <p:sp>
             <p:nvSpPr>
-              <p:cNvPr id="17" name="Rectángulo: una sola esquina redondeada 16">
+              <p:cNvPr id="29" name="Rectángulo: esquinas diagonales redondeadas 28">
                 <a:extLst>
                   <a:ext uri="{FF2B5EF4-FFF2-40B4-BE49-F238E27FC236}">
-                    <a16:creationId xmlns:a16="http://schemas.microsoft.com/office/drawing/2014/main" id="{601E0294-C923-2559-FEB2-7D5555095840}"/>
+                    <a16:creationId xmlns:a16="http://schemas.microsoft.com/office/drawing/2014/main" id="{334138AE-EA0B-4EA0-8E34-A77C79CC7568}"/>
                   </a:ext>
                 </a:extLst>
               </p:cNvPr>
@@ -15629,28 +14881,19 @@
               <p:nvPr/>
             </p:nvSpPr>
             <p:spPr>
-              <a:xfrm flipH="1" flipV="1">
-                <a:off x="0" y="6350"/>
-                <a:ext cx="671158" cy="274848"/>
+              <a:xfrm>
+                <a:off x="9789459" y="6641796"/>
+                <a:ext cx="2402541" cy="224118"/>
               </a:xfrm>
-              <a:prstGeom prst="round1Rect">
+              <a:prstGeom prst="round2DiagRect">
                 <a:avLst>
-                  <a:gd name="adj" fmla="val 50000"/>
+                  <a:gd name="adj1" fmla="val 50000"/>
+                  <a:gd name="adj2" fmla="val 0"/>
                 </a:avLst>
               </a:prstGeom>
-              <a:solidFill>
-                <a:schemeClr val="tx1">
-                  <a:lumMod val="75000"/>
-                  <a:lumOff val="25000"/>
-                </a:schemeClr>
-              </a:solidFill>
+              <a:noFill/>
               <a:ln>
-                <a:solidFill>
-                  <a:schemeClr val="tx1">
-                    <a:lumMod val="75000"/>
-                    <a:lumOff val="25000"/>
-                  </a:schemeClr>
-                </a:solidFill>
+                <a:noFill/>
               </a:ln>
             </p:spPr>
             <p:style>
@@ -15670,100 +14913,344 @@
               </a:fontRef>
             </p:style>
             <p:txBody>
-              <a:bodyPr rot="0" spcFirstLastPara="0" vert="horz" wrap="square" lIns="91440" tIns="45720" rIns="91440" bIns="45720" numCol="1" spcCol="0" rtlCol="0" fromWordArt="0" anchor="ctr" anchorCtr="0" forceAA="0" compatLnSpc="1">
-                <a:prstTxWarp prst="textNoShape">
-                  <a:avLst/>
-                </a:prstTxWarp>
-                <a:noAutofit/>
-              </a:bodyPr>
+              <a:bodyPr rtlCol="0" anchor="ctr"/>
               <a:lstStyle/>
               <a:p>
-                <a:pPr marL="0" marR="0" algn="ctr">
-                  <a:spcBef>
-                    <a:spcPts val="0"/>
-                  </a:spcBef>
-                  <a:spcAft>
-                    <a:spcPts val="0"/>
-                  </a:spcAft>
-                </a:pPr>
+                <a:pPr algn="r"/>
                 <a:r>
-                  <a:rPr lang="es-CO" sz="1500">
+                  <a:rPr lang="es-ES" sz="1200" dirty="0">
+                    <a:solidFill>
+                      <a:srgbClr val="990000"/>
+                    </a:solidFill>
+                    <a:latin typeface="Adobe Devanagari" panose="02040503050201020203" pitchFamily="18" charset="0"/>
+                    <a:cs typeface="Adobe Devanagari" panose="02040503050201020203" pitchFamily="18" charset="0"/>
+                  </a:rPr>
+                  <a:t>Introducción</a:t>
+                </a:r>
+                <a:endParaRPr lang="es-CO" sz="1200" dirty="0">
+                  <a:solidFill>
+                    <a:srgbClr val="990000"/>
+                  </a:solidFill>
+                  <a:latin typeface="Adobe Devanagari" panose="02040503050201020203" pitchFamily="18" charset="0"/>
+                  <a:cs typeface="Adobe Devanagari" panose="02040503050201020203" pitchFamily="18" charset="0"/>
+                </a:endParaRPr>
+              </a:p>
+            </p:txBody>
+          </p:sp>
+          <p:grpSp>
+            <p:nvGrpSpPr>
+              <p:cNvPr id="16" name="Grupo 15">
+                <a:extLst>
+                  <a:ext uri="{FF2B5EF4-FFF2-40B4-BE49-F238E27FC236}">
+                    <a16:creationId xmlns:a16="http://schemas.microsoft.com/office/drawing/2014/main" id="{3733B50A-13DF-E650-BE25-3A9EBED48B50}"/>
+                  </a:ext>
+                </a:extLst>
+              </p:cNvPr>
+              <p:cNvGrpSpPr/>
+              <p:nvPr/>
+            </p:nvGrpSpPr>
+            <p:grpSpPr>
+              <a:xfrm>
+                <a:off x="11356240" y="7914"/>
+                <a:ext cx="835760" cy="349755"/>
+                <a:chOff x="0" y="6350"/>
+                <a:chExt cx="671158" cy="280621"/>
+              </a:xfrm>
+            </p:grpSpPr>
+            <p:sp>
+              <p:nvSpPr>
+                <p:cNvPr id="17" name="Rectángulo: una sola esquina redondeada 16">
+                  <a:extLst>
+                    <a:ext uri="{FF2B5EF4-FFF2-40B4-BE49-F238E27FC236}">
+                      <a16:creationId xmlns:a16="http://schemas.microsoft.com/office/drawing/2014/main" id="{601E0294-C923-2559-FEB2-7D5555095840}"/>
+                    </a:ext>
+                  </a:extLst>
+                </p:cNvPr>
+                <p:cNvSpPr/>
+                <p:nvPr/>
+              </p:nvSpPr>
+              <p:spPr>
+                <a:xfrm flipH="1" flipV="1">
+                  <a:off x="0" y="6350"/>
+                  <a:ext cx="671158" cy="274848"/>
+                </a:xfrm>
+                <a:prstGeom prst="round1Rect">
+                  <a:avLst>
+                    <a:gd name="adj" fmla="val 50000"/>
+                  </a:avLst>
+                </a:prstGeom>
+                <a:solidFill>
+                  <a:schemeClr val="tx1">
+                    <a:lumMod val="75000"/>
+                    <a:lumOff val="25000"/>
+                  </a:schemeClr>
+                </a:solidFill>
+                <a:ln>
+                  <a:solidFill>
+                    <a:schemeClr val="tx1">
+                      <a:lumMod val="75000"/>
+                      <a:lumOff val="25000"/>
+                    </a:schemeClr>
+                  </a:solidFill>
+                </a:ln>
+              </p:spPr>
+              <p:style>
+                <a:lnRef idx="2">
+                  <a:schemeClr val="accent1">
+                    <a:shade val="50000"/>
+                  </a:schemeClr>
+                </a:lnRef>
+                <a:fillRef idx="1">
+                  <a:schemeClr val="accent1"/>
+                </a:fillRef>
+                <a:effectRef idx="0">
+                  <a:schemeClr val="accent1"/>
+                </a:effectRef>
+                <a:fontRef idx="minor">
+                  <a:schemeClr val="lt1"/>
+                </a:fontRef>
+              </p:style>
+              <p:txBody>
+                <a:bodyPr rot="0" spcFirstLastPara="0" vert="horz" wrap="square" lIns="91440" tIns="45720" rIns="91440" bIns="45720" numCol="1" spcCol="0" rtlCol="0" fromWordArt="0" anchor="ctr" anchorCtr="0" forceAA="0" compatLnSpc="1">
+                  <a:prstTxWarp prst="textNoShape">
+                    <a:avLst/>
+                  </a:prstTxWarp>
+                  <a:noAutofit/>
+                </a:bodyPr>
+                <a:lstStyle/>
+                <a:p>
+                  <a:pPr marL="0" marR="0" algn="ctr">
+                    <a:spcBef>
+                      <a:spcPts val="0"/>
+                    </a:spcBef>
+                    <a:spcAft>
+                      <a:spcPts val="0"/>
+                    </a:spcAft>
+                  </a:pPr>
+                  <a:r>
+                    <a:rPr lang="es-CO" sz="1500">
+                      <a:effectLst/>
+                      <a:latin typeface="Segoe UI Light" panose="020B0502040204020203" pitchFamily="34" charset="0"/>
+                      <a:ea typeface="Times New Roman" panose="02020603050405020304" pitchFamily="18" charset="0"/>
+                      <a:cs typeface="Times New Roman" panose="02020603050405020304" pitchFamily="18" charset="0"/>
+                    </a:rPr>
+                    <a:t> </a:t>
+                  </a:r>
+                  <a:endParaRPr lang="en-US" sz="1500">
                     <a:effectLst/>
                     <a:latin typeface="Segoe UI Light" panose="020B0502040204020203" pitchFamily="34" charset="0"/>
                     <a:ea typeface="Times New Roman" panose="02020603050405020304" pitchFamily="18" charset="0"/>
                     <a:cs typeface="Times New Roman" panose="02020603050405020304" pitchFamily="18" charset="0"/>
-                  </a:rPr>
-                  <a:t> </a:t>
-                </a:r>
-                <a:endParaRPr lang="en-US" sz="1500">
-                  <a:effectLst/>
-                  <a:latin typeface="Segoe UI Light" panose="020B0502040204020203" pitchFamily="34" charset="0"/>
-                  <a:ea typeface="Times New Roman" panose="02020603050405020304" pitchFamily="18" charset="0"/>
-                  <a:cs typeface="Times New Roman" panose="02020603050405020304" pitchFamily="18" charset="0"/>
-                </a:endParaRPr>
+                  </a:endParaRPr>
+                </a:p>
+              </p:txBody>
+            </p:sp>
+            <p:sp>
+              <p:nvSpPr>
+                <p:cNvPr id="18" name="Cuadro de texto 2">
+                  <a:extLst>
+                    <a:ext uri="{FF2B5EF4-FFF2-40B4-BE49-F238E27FC236}">
+                      <a16:creationId xmlns:a16="http://schemas.microsoft.com/office/drawing/2014/main" id="{42FCC331-2BC3-EFFB-9798-7C5D49346BED}"/>
+                    </a:ext>
+                  </a:extLst>
+                </p:cNvPr>
+                <p:cNvSpPr txBox="1">
+                  <a:spLocks noChangeArrowheads="1"/>
+                </p:cNvSpPr>
+                <p:nvPr/>
+              </p:nvSpPr>
+              <p:spPr bwMode="auto">
+                <a:xfrm>
+                  <a:off x="43296" y="27684"/>
+                  <a:ext cx="577850" cy="259287"/>
+                </a:xfrm>
+                <a:prstGeom prst="rect">
+                  <a:avLst/>
+                </a:prstGeom>
+                <a:noFill/>
+                <a:ln w="9525">
+                  <a:noFill/>
+                  <a:miter lim="800000"/>
+                  <a:headEnd/>
+                  <a:tailEnd/>
+                </a:ln>
+              </p:spPr>
+              <p:txBody>
+                <a:bodyPr rot="0" vert="horz" wrap="square" lIns="91440" tIns="45720" rIns="91440" bIns="45720" anchor="t" anchorCtr="0">
+                  <a:spAutoFit/>
+                </a:bodyPr>
+                <a:lstStyle/>
+                <a:p>
+                  <a:pPr marL="0" marR="0" algn="ctr">
+                    <a:spcBef>
+                      <a:spcPts val="0"/>
+                    </a:spcBef>
+                    <a:spcAft>
+                      <a:spcPts val="0"/>
+                    </a:spcAft>
+                  </a:pPr>
+                  <a:r>
+                    <a:rPr lang="es-ES" sz="1500" dirty="0">
+                      <a:solidFill>
+                        <a:srgbClr val="FFFFFF"/>
+                      </a:solidFill>
+                      <a:effectLst/>
+                      <a:latin typeface="Adobe Devanagari" panose="02040503050201020203" pitchFamily="18" charset="0"/>
+                      <a:ea typeface="Times New Roman" panose="02020603050405020304" pitchFamily="18" charset="0"/>
+                      <a:cs typeface="Adobe Devanagari" panose="02040503050201020203" pitchFamily="18" charset="0"/>
+                    </a:rPr>
+                    <a:t>HRAS</a:t>
+                  </a:r>
+                  <a:endParaRPr lang="en-US" sz="1500" dirty="0">
+                    <a:effectLst/>
+                    <a:latin typeface="Adobe Devanagari" panose="02040503050201020203" pitchFamily="18" charset="0"/>
+                    <a:ea typeface="Times New Roman" panose="02020603050405020304" pitchFamily="18" charset="0"/>
+                    <a:cs typeface="Adobe Devanagari" panose="02040503050201020203" pitchFamily="18" charset="0"/>
+                  </a:endParaRPr>
+                </a:p>
+              </p:txBody>
+            </p:sp>
+          </p:grpSp>
+        </p:grpSp>
+        <p:grpSp>
+          <p:nvGrpSpPr>
+            <p:cNvPr id="7" name="Grupo 6">
+              <a:extLst>
+                <a:ext uri="{FF2B5EF4-FFF2-40B4-BE49-F238E27FC236}">
+                  <a16:creationId xmlns:a16="http://schemas.microsoft.com/office/drawing/2014/main" id="{EA716FB0-F35D-F27E-F071-11DA164C91C7}"/>
+                </a:ext>
+              </a:extLst>
+            </p:cNvPr>
+            <p:cNvGrpSpPr/>
+            <p:nvPr/>
+          </p:nvGrpSpPr>
+          <p:grpSpPr>
+            <a:xfrm>
+              <a:off x="1" y="0"/>
+              <a:ext cx="320040" cy="6858001"/>
+              <a:chOff x="1" y="0"/>
+              <a:chExt cx="320040" cy="6858001"/>
+            </a:xfrm>
+          </p:grpSpPr>
+          <p:sp>
+            <p:nvSpPr>
+              <p:cNvPr id="6" name="Rectángulo 5">
+                <a:extLst>
+                  <a:ext uri="{FF2B5EF4-FFF2-40B4-BE49-F238E27FC236}">
+                    <a16:creationId xmlns:a16="http://schemas.microsoft.com/office/drawing/2014/main" id="{B5FF2872-E55D-2ADC-B473-85F558FF04E8}"/>
+                  </a:ext>
+                </a:extLst>
+              </p:cNvPr>
+              <p:cNvSpPr/>
+              <p:nvPr/>
+            </p:nvSpPr>
+            <p:spPr>
+              <a:xfrm>
+                <a:off x="1" y="1"/>
+                <a:ext cx="320040" cy="6858000"/>
+              </a:xfrm>
+              <a:prstGeom prst="rect">
+                <a:avLst/>
+              </a:prstGeom>
+              <a:solidFill>
+                <a:srgbClr val="990000"/>
+              </a:solidFill>
+              <a:ln>
+                <a:solidFill>
+                  <a:srgbClr val="990000"/>
+                </a:solidFill>
+              </a:ln>
+              <a:effectLst/>
+            </p:spPr>
+            <p:style>
+              <a:lnRef idx="2">
+                <a:schemeClr val="accent1">
+                  <a:shade val="50000"/>
+                </a:schemeClr>
+              </a:lnRef>
+              <a:fillRef idx="1">
+                <a:schemeClr val="accent1"/>
+              </a:fillRef>
+              <a:effectRef idx="0">
+                <a:schemeClr val="accent1"/>
+              </a:effectRef>
+              <a:fontRef idx="minor">
+                <a:schemeClr val="lt1"/>
+              </a:fontRef>
+            </p:style>
+            <p:txBody>
+              <a:bodyPr rtlCol="0" anchor="ctr"/>
+              <a:lstStyle/>
+              <a:p>
+                <a:pPr algn="ctr"/>
+                <a:endParaRPr lang="en-US" dirty="0"/>
               </a:p>
             </p:txBody>
           </p:sp>
           <p:sp>
             <p:nvSpPr>
-              <p:cNvPr id="18" name="Cuadro de texto 2">
+              <p:cNvPr id="19" name="Rectángulo: esquinas diagonales redondeadas 18">
                 <a:extLst>
                   <a:ext uri="{FF2B5EF4-FFF2-40B4-BE49-F238E27FC236}">
-                    <a16:creationId xmlns:a16="http://schemas.microsoft.com/office/drawing/2014/main" id="{42FCC331-2BC3-EFFB-9798-7C5D49346BED}"/>
+                    <a16:creationId xmlns:a16="http://schemas.microsoft.com/office/drawing/2014/main" id="{90593559-2FDA-0274-9DE3-B6EB9B326538}"/>
                   </a:ext>
                 </a:extLst>
               </p:cNvPr>
-              <p:cNvSpPr txBox="1">
-                <a:spLocks noChangeArrowheads="1"/>
-              </p:cNvSpPr>
+              <p:cNvSpPr/>
               <p:nvPr/>
             </p:nvSpPr>
-            <p:spPr bwMode="auto">
-              <a:xfrm>
-                <a:off x="43296" y="27684"/>
-                <a:ext cx="577850" cy="259287"/>
+            <p:spPr>
+              <a:xfrm rot="16200000">
+                <a:off x="-3185312" y="3251862"/>
+                <a:ext cx="6724044" cy="220320"/>
               </a:xfrm>
-              <a:prstGeom prst="rect">
-                <a:avLst/>
+              <a:prstGeom prst="round2DiagRect">
+                <a:avLst>
+                  <a:gd name="adj1" fmla="val 50000"/>
+                  <a:gd name="adj2" fmla="val 0"/>
+                </a:avLst>
               </a:prstGeom>
               <a:noFill/>
-              <a:ln w="9525">
+              <a:ln>
                 <a:noFill/>
-                <a:miter lim="800000"/>
-                <a:headEnd/>
-                <a:tailEnd/>
               </a:ln>
             </p:spPr>
+            <p:style>
+              <a:lnRef idx="2">
+                <a:schemeClr val="accent1">
+                  <a:shade val="50000"/>
+                </a:schemeClr>
+              </a:lnRef>
+              <a:fillRef idx="1">
+                <a:schemeClr val="accent1"/>
+              </a:fillRef>
+              <a:effectRef idx="0">
+                <a:schemeClr val="accent1"/>
+              </a:effectRef>
+              <a:fontRef idx="minor">
+                <a:schemeClr val="lt1"/>
+              </a:fontRef>
+            </p:style>
             <p:txBody>
-              <a:bodyPr rot="0" vert="horz" wrap="square" lIns="91440" tIns="45720" rIns="91440" bIns="45720" anchor="t" anchorCtr="0">
-                <a:spAutoFit/>
-              </a:bodyPr>
+              <a:bodyPr rtlCol="0" anchor="ctr"/>
               <a:lstStyle/>
               <a:p>
-                <a:pPr marL="0" marR="0" algn="ctr">
-                  <a:spcBef>
-                    <a:spcPts val="0"/>
-                  </a:spcBef>
-                  <a:spcAft>
-                    <a:spcPts val="0"/>
-                  </a:spcAft>
-                </a:pPr>
+                <a:pPr algn="ctr"/>
                 <a:r>
-                  <a:rPr lang="es-ES" sz="1500" dirty="0">
+                  <a:rPr lang="es-ES" sz="1200" dirty="0">
                     <a:solidFill>
-                      <a:srgbClr val="FFFFFF"/>
+                      <a:schemeClr val="bg1"/>
                     </a:solidFill>
-                    <a:effectLst/>
                     <a:latin typeface="Adobe Devanagari" panose="02040503050201020203" pitchFamily="18" charset="0"/>
-                    <a:ea typeface="Times New Roman" panose="02020603050405020304" pitchFamily="18" charset="0"/>
                     <a:cs typeface="Adobe Devanagari" panose="02040503050201020203" pitchFamily="18" charset="0"/>
                   </a:rPr>
-                  <a:t>HRAS</a:t>
+                  <a:t>Ingeniería Civil – Centro de Estudios Hidráulicos – Modelación Hidráulica de Canales en HEC-RAS </a:t>
                 </a:r>
-                <a:endParaRPr lang="en-US" sz="1500" dirty="0">
-                  <a:effectLst/>
+                <a:endParaRPr lang="es-CO" sz="1200" dirty="0">
+                  <a:solidFill>
+                    <a:schemeClr val="bg1"/>
+                  </a:solidFill>
                   <a:latin typeface="Adobe Devanagari" panose="02040503050201020203" pitchFamily="18" charset="0"/>
-                  <a:ea typeface="Times New Roman" panose="02020603050405020304" pitchFamily="18" charset="0"/>
                   <a:cs typeface="Adobe Devanagari" panose="02040503050201020203" pitchFamily="18" charset="0"/>
                 </a:endParaRPr>
               </a:p>
@@ -15771,42 +15258,6 @@
           </p:sp>
         </p:grpSp>
       </p:grpSp>
-      <p:pic>
-        <p:nvPicPr>
-          <p:cNvPr id="15" name="Gráfico 14" descr="Diana con relleno sólido">
-            <a:extLst>
-              <a:ext uri="{FF2B5EF4-FFF2-40B4-BE49-F238E27FC236}">
-                <a16:creationId xmlns:a16="http://schemas.microsoft.com/office/drawing/2014/main" id="{08E8FB98-BBE9-8A0A-81C4-FF16FCD799D8}"/>
-              </a:ext>
-            </a:extLst>
-          </p:cNvPr>
-          <p:cNvPicPr>
-            <a:picLocks noChangeAspect="1"/>
-          </p:cNvPicPr>
-          <p:nvPr/>
-        </p:nvPicPr>
-        <p:blipFill>
-          <a:blip r:embed="rId5">
-            <a:extLst>
-              <a:ext uri="{96DAC541-7B7A-43D3-8B79-37D633B846F1}">
-                <asvg:svgBlip xmlns:asvg="http://schemas.microsoft.com/office/drawing/2016/SVG/main" r:embed="rId6"/>
-              </a:ext>
-            </a:extLst>
-          </a:blip>
-          <a:stretch>
-            <a:fillRect/>
-          </a:stretch>
-        </p:blipFill>
-        <p:spPr>
-          <a:xfrm>
-            <a:off x="1699346" y="2083808"/>
-            <a:ext cx="771525" cy="771525"/>
-          </a:xfrm>
-          <a:prstGeom prst="rect">
-            <a:avLst/>
-          </a:prstGeom>
-        </p:spPr>
-      </p:pic>
     </p:spTree>
     <p:extLst>
       <p:ext uri="{BB962C8B-B14F-4D97-AF65-F5344CB8AC3E}">
@@ -16181,12 +15632,47 @@
           </a:p>
         </p:txBody>
       </p:sp>
+      <p:pic>
+        <p:nvPicPr>
+          <p:cNvPr id="15" name="Gráfico 14" descr="Círculos con flechas con relleno sólido">
+            <a:extLst>
+              <a:ext uri="{FF2B5EF4-FFF2-40B4-BE49-F238E27FC236}">
+                <a16:creationId xmlns:a16="http://schemas.microsoft.com/office/drawing/2014/main" id="{08E8FB98-BBE9-8A0A-81C4-FF16FCD799D8}"/>
+              </a:ext>
+            </a:extLst>
+          </p:cNvPr>
+          <p:cNvPicPr>
+            <a:picLocks noChangeAspect="1"/>
+          </p:cNvPicPr>
+          <p:nvPr/>
+        </p:nvPicPr>
+        <p:blipFill>
+          <a:blip r:embed="rId3">
+            <a:extLst>
+              <a:ext uri="{96DAC541-7B7A-43D3-8B79-37D633B846F1}">
+                <asvg:svgBlip xmlns:asvg="http://schemas.microsoft.com/office/drawing/2016/SVG/main" r:embed="rId4"/>
+              </a:ext>
+            </a:extLst>
+          </a:blip>
+          <a:srcRect/>
+          <a:stretch/>
+        </p:blipFill>
+        <p:spPr>
+          <a:xfrm>
+            <a:off x="1186870" y="1684436"/>
+            <a:ext cx="771525" cy="771525"/>
+          </a:xfrm>
+          <a:prstGeom prst="rect">
+            <a:avLst/>
+          </a:prstGeom>
+        </p:spPr>
+      </p:pic>
       <p:grpSp>
         <p:nvGrpSpPr>
-          <p:cNvPr id="4" name="Grupo 3">
+          <p:cNvPr id="12" name="Grupo 11">
             <a:extLst>
               <a:ext uri="{FF2B5EF4-FFF2-40B4-BE49-F238E27FC236}">
-                <a16:creationId xmlns:a16="http://schemas.microsoft.com/office/drawing/2014/main" id="{7C28BA06-AAE6-D767-8A05-BA8020A1774D}"/>
+                <a16:creationId xmlns:a16="http://schemas.microsoft.com/office/drawing/2014/main" id="{4E620EA2-BE8F-2C83-8B98-A5D64B6AFE15}"/>
               </a:ext>
             </a:extLst>
           </p:cNvPr>
@@ -16195,160 +15681,18 @@
         </p:nvGrpSpPr>
         <p:grpSpPr>
           <a:xfrm>
-            <a:off x="0" y="7914"/>
-            <a:ext cx="12515105" cy="7107353"/>
-            <a:chOff x="0" y="7914"/>
-            <a:chExt cx="12515105" cy="7107353"/>
+            <a:off x="1" y="0"/>
+            <a:ext cx="12191999" cy="6858001"/>
+            <a:chOff x="1" y="0"/>
+            <a:chExt cx="12191999" cy="6858001"/>
           </a:xfrm>
         </p:grpSpPr>
-        <p:sp>
-          <p:nvSpPr>
-            <p:cNvPr id="29" name="Rectángulo: esquinas diagonales redondeadas 28">
+        <p:grpSp>
+          <p:nvGrpSpPr>
+            <p:cNvPr id="19" name="Grupo 18">
               <a:extLst>
                 <a:ext uri="{FF2B5EF4-FFF2-40B4-BE49-F238E27FC236}">
-                  <a16:creationId xmlns:a16="http://schemas.microsoft.com/office/drawing/2014/main" id="{334138AE-EA0B-4EA0-8E34-A77C79CC7568}"/>
-                </a:ext>
-              </a:extLst>
-            </p:cNvPr>
-            <p:cNvSpPr/>
-            <p:nvPr/>
-          </p:nvSpPr>
-          <p:spPr>
-            <a:xfrm>
-              <a:off x="0" y="6643269"/>
-              <a:ext cx="1699346" cy="214731"/>
-            </a:xfrm>
-            <a:prstGeom prst="round2DiagRect">
-              <a:avLst>
-                <a:gd name="adj1" fmla="val 50000"/>
-                <a:gd name="adj2" fmla="val 0"/>
-              </a:avLst>
-            </a:prstGeom>
-            <a:noFill/>
-            <a:ln>
-              <a:noFill/>
-            </a:ln>
-          </p:spPr>
-          <p:style>
-            <a:lnRef idx="2">
-              <a:schemeClr val="accent1">
-                <a:shade val="50000"/>
-              </a:schemeClr>
-            </a:lnRef>
-            <a:fillRef idx="1">
-              <a:schemeClr val="accent1"/>
-            </a:fillRef>
-            <a:effectRef idx="0">
-              <a:schemeClr val="accent1"/>
-            </a:effectRef>
-            <a:fontRef idx="minor">
-              <a:schemeClr val="lt1"/>
-            </a:fontRef>
-          </p:style>
-          <p:txBody>
-            <a:bodyPr rtlCol="0" anchor="ctr"/>
-            <a:lstStyle/>
-            <a:p>
-              <a:r>
-                <a:rPr lang="es-ES" sz="1200" dirty="0">
-                  <a:solidFill>
-                    <a:schemeClr val="tx1">
-                      <a:lumMod val="65000"/>
-                      <a:lumOff val="35000"/>
-                    </a:schemeClr>
-                  </a:solidFill>
-                  <a:latin typeface="Adobe Devanagari" panose="02040503050201020203" pitchFamily="18" charset="0"/>
-                  <a:cs typeface="Adobe Devanagari" panose="02040503050201020203" pitchFamily="18" charset="0"/>
-                </a:rPr>
-                <a:t>Introducción</a:t>
-              </a:r>
-              <a:endParaRPr lang="es-CO" sz="1200" dirty="0">
-                <a:solidFill>
-                  <a:schemeClr val="tx1">
-                    <a:lumMod val="65000"/>
-                    <a:lumOff val="35000"/>
-                  </a:schemeClr>
-                </a:solidFill>
-                <a:latin typeface="Adobe Devanagari" panose="02040503050201020203" pitchFamily="18" charset="0"/>
-                <a:cs typeface="Adobe Devanagari" panose="02040503050201020203" pitchFamily="18" charset="0"/>
-              </a:endParaRPr>
-            </a:p>
-          </p:txBody>
-        </p:sp>
-        <p:pic>
-          <p:nvPicPr>
-            <p:cNvPr id="14" name="Picture 12" descr="See the source image">
-              <a:extLst>
-                <a:ext uri="{FF2B5EF4-FFF2-40B4-BE49-F238E27FC236}">
-                  <a16:creationId xmlns:a16="http://schemas.microsoft.com/office/drawing/2014/main" id="{572CB045-321C-8E49-542A-7B8765BAC870}"/>
-                </a:ext>
-              </a:extLst>
-            </p:cNvPr>
-            <p:cNvPicPr>
-              <a:picLocks noChangeAspect="1" noChangeArrowheads="1"/>
-            </p:cNvPicPr>
-            <p:nvPr/>
-          </p:nvPicPr>
-          <p:blipFill>
-            <a:blip r:embed="rId3">
-              <a:duotone>
-                <a:schemeClr val="accent4">
-                  <a:shade val="45000"/>
-                  <a:satMod val="135000"/>
-                </a:schemeClr>
-                <a:prstClr val="white"/>
-              </a:duotone>
-              <a:extLst>
-                <a:ext uri="{BEBA8EAE-BF5A-486C-A8C5-ECC9F3942E4B}">
-                  <a14:imgProps xmlns:a14="http://schemas.microsoft.com/office/drawing/2010/main">
-                    <a14:imgLayer r:embed="rId4">
-                      <a14:imgEffect>
-                        <a14:backgroundRemoval t="9920" b="95291" l="10000" r="90000">
-                          <a14:foregroundMark x1="64000" y1="91082" x2="55250" y2="93687"/>
-                          <a14:foregroundMark x1="55250" y1="93687" x2="46125" y2="91483"/>
-                          <a14:foregroundMark x1="46125" y1="91483" x2="45125" y2="91483"/>
-                          <a14:foregroundMark x1="57625" y1="94990" x2="52125" y2="95291"/>
-                        </a14:backgroundRemoval>
-                      </a14:imgEffect>
-                    </a14:imgLayer>
-                  </a14:imgProps>
-                </a:ext>
-                <a:ext uri="{28A0092B-C50C-407E-A947-70E740481C1C}">
-                  <a14:useLocalDpi xmlns:a14="http://schemas.microsoft.com/office/drawing/2010/main" val="0"/>
-                </a:ext>
-              </a:extLst>
-            </a:blip>
-            <a:srcRect/>
-            <a:stretch>
-              <a:fillRect/>
-            </a:stretch>
-          </p:blipFill>
-          <p:spPr bwMode="auto">
-            <a:xfrm flipV="1">
-              <a:off x="10374409" y="4444806"/>
-              <a:ext cx="2140696" cy="2670461"/>
-            </a:xfrm>
-            <a:prstGeom prst="rect">
-              <a:avLst/>
-            </a:prstGeom>
-            <a:noFill/>
-            <a:extLst>
-              <a:ext uri="{909E8E84-426E-40DD-AFC4-6F175D3DCCD1}">
-                <a14:hiddenFill xmlns:a14="http://schemas.microsoft.com/office/drawing/2010/main">
-                  <a:solidFill>
-                    <a:srgbClr val="FFFFFF"/>
-                  </a:solidFill>
-                </a14:hiddenFill>
-              </a:ext>
-            </a:extLst>
-          </p:spPr>
-        </p:pic>
-        <p:grpSp>
-          <p:nvGrpSpPr>
-            <p:cNvPr id="16" name="Grupo 15">
-              <a:extLst>
-                <a:ext uri="{FF2B5EF4-FFF2-40B4-BE49-F238E27FC236}">
-                  <a16:creationId xmlns:a16="http://schemas.microsoft.com/office/drawing/2014/main" id="{3733B50A-13DF-E650-BE25-3A9EBED48B50}"/>
+                  <a16:creationId xmlns:a16="http://schemas.microsoft.com/office/drawing/2014/main" id="{F6DFAC2C-0F52-4D2B-5095-9D3E3289A4E1}"/>
                 </a:ext>
               </a:extLst>
             </p:cNvPr>
@@ -16357,18 +15701,18 @@
           </p:nvGrpSpPr>
           <p:grpSpPr>
             <a:xfrm>
-              <a:off x="11356240" y="7914"/>
-              <a:ext cx="835760" cy="349755"/>
-              <a:chOff x="0" y="6350"/>
-              <a:chExt cx="671158" cy="280621"/>
+              <a:off x="9789459" y="0"/>
+              <a:ext cx="2402541" cy="6858000"/>
+              <a:chOff x="9789459" y="7914"/>
+              <a:chExt cx="2402541" cy="6858000"/>
             </a:xfrm>
           </p:grpSpPr>
           <p:sp>
             <p:nvSpPr>
-              <p:cNvPr id="17" name="Rectángulo: una sola esquina redondeada 16">
+              <p:cNvPr id="24" name="Rectángulo: esquinas diagonales redondeadas 23">
                 <a:extLst>
                   <a:ext uri="{FF2B5EF4-FFF2-40B4-BE49-F238E27FC236}">
-                    <a16:creationId xmlns:a16="http://schemas.microsoft.com/office/drawing/2014/main" id="{601E0294-C923-2559-FEB2-7D5555095840}"/>
+                    <a16:creationId xmlns:a16="http://schemas.microsoft.com/office/drawing/2014/main" id="{CFE95439-1B73-D122-D41F-B07F76FC7E83}"/>
                   </a:ext>
                 </a:extLst>
               </p:cNvPr>
@@ -16376,28 +15720,19 @@
               <p:nvPr/>
             </p:nvSpPr>
             <p:spPr>
-              <a:xfrm flipH="1" flipV="1">
-                <a:off x="0" y="6350"/>
-                <a:ext cx="671158" cy="274848"/>
+              <a:xfrm>
+                <a:off x="9789459" y="6641796"/>
+                <a:ext cx="2402541" cy="224118"/>
               </a:xfrm>
-              <a:prstGeom prst="round1Rect">
+              <a:prstGeom prst="round2DiagRect">
                 <a:avLst>
-                  <a:gd name="adj" fmla="val 50000"/>
+                  <a:gd name="adj1" fmla="val 50000"/>
+                  <a:gd name="adj2" fmla="val 0"/>
                 </a:avLst>
               </a:prstGeom>
-              <a:solidFill>
-                <a:schemeClr val="tx1">
-                  <a:lumMod val="75000"/>
-                  <a:lumOff val="25000"/>
-                </a:schemeClr>
-              </a:solidFill>
+              <a:noFill/>
               <a:ln>
-                <a:solidFill>
-                  <a:schemeClr val="tx1">
-                    <a:lumMod val="75000"/>
-                    <a:lumOff val="25000"/>
-                  </a:schemeClr>
-                </a:solidFill>
+                <a:noFill/>
               </a:ln>
             </p:spPr>
             <p:style>
@@ -16417,100 +15752,344 @@
               </a:fontRef>
             </p:style>
             <p:txBody>
-              <a:bodyPr rot="0" spcFirstLastPara="0" vert="horz" wrap="square" lIns="91440" tIns="45720" rIns="91440" bIns="45720" numCol="1" spcCol="0" rtlCol="0" fromWordArt="0" anchor="ctr" anchorCtr="0" forceAA="0" compatLnSpc="1">
-                <a:prstTxWarp prst="textNoShape">
-                  <a:avLst/>
-                </a:prstTxWarp>
-                <a:noAutofit/>
-              </a:bodyPr>
+              <a:bodyPr rtlCol="0" anchor="ctr"/>
               <a:lstStyle/>
               <a:p>
-                <a:pPr marL="0" marR="0" algn="ctr">
-                  <a:spcBef>
-                    <a:spcPts val="0"/>
-                  </a:spcBef>
-                  <a:spcAft>
-                    <a:spcPts val="0"/>
-                  </a:spcAft>
-                </a:pPr>
+                <a:pPr algn="r"/>
                 <a:r>
-                  <a:rPr lang="es-CO" sz="1500">
+                  <a:rPr lang="es-ES" sz="1200" dirty="0">
+                    <a:solidFill>
+                      <a:srgbClr val="990000"/>
+                    </a:solidFill>
+                    <a:latin typeface="Adobe Devanagari" panose="02040503050201020203" pitchFamily="18" charset="0"/>
+                    <a:cs typeface="Adobe Devanagari" panose="02040503050201020203" pitchFamily="18" charset="0"/>
+                  </a:rPr>
+                  <a:t>Introducción</a:t>
+                </a:r>
+                <a:endParaRPr lang="es-CO" sz="1200" dirty="0">
+                  <a:solidFill>
+                    <a:srgbClr val="990000"/>
+                  </a:solidFill>
+                  <a:latin typeface="Adobe Devanagari" panose="02040503050201020203" pitchFamily="18" charset="0"/>
+                  <a:cs typeface="Adobe Devanagari" panose="02040503050201020203" pitchFamily="18" charset="0"/>
+                </a:endParaRPr>
+              </a:p>
+            </p:txBody>
+          </p:sp>
+          <p:grpSp>
+            <p:nvGrpSpPr>
+              <p:cNvPr id="25" name="Grupo 24">
+                <a:extLst>
+                  <a:ext uri="{FF2B5EF4-FFF2-40B4-BE49-F238E27FC236}">
+                    <a16:creationId xmlns:a16="http://schemas.microsoft.com/office/drawing/2014/main" id="{48A8B208-2D41-5643-00F1-88510BC800FF}"/>
+                  </a:ext>
+                </a:extLst>
+              </p:cNvPr>
+              <p:cNvGrpSpPr/>
+              <p:nvPr/>
+            </p:nvGrpSpPr>
+            <p:grpSpPr>
+              <a:xfrm>
+                <a:off x="11356240" y="7914"/>
+                <a:ext cx="835760" cy="349755"/>
+                <a:chOff x="0" y="6350"/>
+                <a:chExt cx="671158" cy="280621"/>
+              </a:xfrm>
+            </p:grpSpPr>
+            <p:sp>
+              <p:nvSpPr>
+                <p:cNvPr id="26" name="Rectángulo: una sola esquina redondeada 25">
+                  <a:extLst>
+                    <a:ext uri="{FF2B5EF4-FFF2-40B4-BE49-F238E27FC236}">
+                      <a16:creationId xmlns:a16="http://schemas.microsoft.com/office/drawing/2014/main" id="{BDDB73D4-1D47-D855-7F66-980EE01D08D4}"/>
+                    </a:ext>
+                  </a:extLst>
+                </p:cNvPr>
+                <p:cNvSpPr/>
+                <p:nvPr/>
+              </p:nvSpPr>
+              <p:spPr>
+                <a:xfrm flipH="1" flipV="1">
+                  <a:off x="0" y="6350"/>
+                  <a:ext cx="671158" cy="274848"/>
+                </a:xfrm>
+                <a:prstGeom prst="round1Rect">
+                  <a:avLst>
+                    <a:gd name="adj" fmla="val 50000"/>
+                  </a:avLst>
+                </a:prstGeom>
+                <a:solidFill>
+                  <a:schemeClr val="tx1">
+                    <a:lumMod val="75000"/>
+                    <a:lumOff val="25000"/>
+                  </a:schemeClr>
+                </a:solidFill>
+                <a:ln>
+                  <a:solidFill>
+                    <a:schemeClr val="tx1">
+                      <a:lumMod val="75000"/>
+                      <a:lumOff val="25000"/>
+                    </a:schemeClr>
+                  </a:solidFill>
+                </a:ln>
+              </p:spPr>
+              <p:style>
+                <a:lnRef idx="2">
+                  <a:schemeClr val="accent1">
+                    <a:shade val="50000"/>
+                  </a:schemeClr>
+                </a:lnRef>
+                <a:fillRef idx="1">
+                  <a:schemeClr val="accent1"/>
+                </a:fillRef>
+                <a:effectRef idx="0">
+                  <a:schemeClr val="accent1"/>
+                </a:effectRef>
+                <a:fontRef idx="minor">
+                  <a:schemeClr val="lt1"/>
+                </a:fontRef>
+              </p:style>
+              <p:txBody>
+                <a:bodyPr rot="0" spcFirstLastPara="0" vert="horz" wrap="square" lIns="91440" tIns="45720" rIns="91440" bIns="45720" numCol="1" spcCol="0" rtlCol="0" fromWordArt="0" anchor="ctr" anchorCtr="0" forceAA="0" compatLnSpc="1">
+                  <a:prstTxWarp prst="textNoShape">
+                    <a:avLst/>
+                  </a:prstTxWarp>
+                  <a:noAutofit/>
+                </a:bodyPr>
+                <a:lstStyle/>
+                <a:p>
+                  <a:pPr marL="0" marR="0" algn="ctr">
+                    <a:spcBef>
+                      <a:spcPts val="0"/>
+                    </a:spcBef>
+                    <a:spcAft>
+                      <a:spcPts val="0"/>
+                    </a:spcAft>
+                  </a:pPr>
+                  <a:r>
+                    <a:rPr lang="es-CO" sz="1500">
+                      <a:effectLst/>
+                      <a:latin typeface="Segoe UI Light" panose="020B0502040204020203" pitchFamily="34" charset="0"/>
+                      <a:ea typeface="Times New Roman" panose="02020603050405020304" pitchFamily="18" charset="0"/>
+                      <a:cs typeface="Times New Roman" panose="02020603050405020304" pitchFamily="18" charset="0"/>
+                    </a:rPr>
+                    <a:t> </a:t>
+                  </a:r>
+                  <a:endParaRPr lang="en-US" sz="1500">
                     <a:effectLst/>
                     <a:latin typeface="Segoe UI Light" panose="020B0502040204020203" pitchFamily="34" charset="0"/>
                     <a:ea typeface="Times New Roman" panose="02020603050405020304" pitchFamily="18" charset="0"/>
                     <a:cs typeface="Times New Roman" panose="02020603050405020304" pitchFamily="18" charset="0"/>
-                  </a:rPr>
-                  <a:t> </a:t>
-                </a:r>
-                <a:endParaRPr lang="en-US" sz="1500">
-                  <a:effectLst/>
-                  <a:latin typeface="Segoe UI Light" panose="020B0502040204020203" pitchFamily="34" charset="0"/>
-                  <a:ea typeface="Times New Roman" panose="02020603050405020304" pitchFamily="18" charset="0"/>
-                  <a:cs typeface="Times New Roman" panose="02020603050405020304" pitchFamily="18" charset="0"/>
-                </a:endParaRPr>
+                  </a:endParaRPr>
+                </a:p>
+              </p:txBody>
+            </p:sp>
+            <p:sp>
+              <p:nvSpPr>
+                <p:cNvPr id="27" name="Cuadro de texto 2">
+                  <a:extLst>
+                    <a:ext uri="{FF2B5EF4-FFF2-40B4-BE49-F238E27FC236}">
+                      <a16:creationId xmlns:a16="http://schemas.microsoft.com/office/drawing/2014/main" id="{8D2187C8-6110-1E2E-E3E6-4B393A5DFB21}"/>
+                    </a:ext>
+                  </a:extLst>
+                </p:cNvPr>
+                <p:cNvSpPr txBox="1">
+                  <a:spLocks noChangeArrowheads="1"/>
+                </p:cNvSpPr>
+                <p:nvPr/>
+              </p:nvSpPr>
+              <p:spPr bwMode="auto">
+                <a:xfrm>
+                  <a:off x="43296" y="27684"/>
+                  <a:ext cx="577850" cy="259287"/>
+                </a:xfrm>
+                <a:prstGeom prst="rect">
+                  <a:avLst/>
+                </a:prstGeom>
+                <a:noFill/>
+                <a:ln w="9525">
+                  <a:noFill/>
+                  <a:miter lim="800000"/>
+                  <a:headEnd/>
+                  <a:tailEnd/>
+                </a:ln>
+              </p:spPr>
+              <p:txBody>
+                <a:bodyPr rot="0" vert="horz" wrap="square" lIns="91440" tIns="45720" rIns="91440" bIns="45720" anchor="t" anchorCtr="0">
+                  <a:spAutoFit/>
+                </a:bodyPr>
+                <a:lstStyle/>
+                <a:p>
+                  <a:pPr marL="0" marR="0" algn="ctr">
+                    <a:spcBef>
+                      <a:spcPts val="0"/>
+                    </a:spcBef>
+                    <a:spcAft>
+                      <a:spcPts val="0"/>
+                    </a:spcAft>
+                  </a:pPr>
+                  <a:r>
+                    <a:rPr lang="es-ES" sz="1500" dirty="0">
+                      <a:solidFill>
+                        <a:srgbClr val="FFFFFF"/>
+                      </a:solidFill>
+                      <a:effectLst/>
+                      <a:latin typeface="Adobe Devanagari" panose="02040503050201020203" pitchFamily="18" charset="0"/>
+                      <a:ea typeface="Times New Roman" panose="02020603050405020304" pitchFamily="18" charset="0"/>
+                      <a:cs typeface="Adobe Devanagari" panose="02040503050201020203" pitchFamily="18" charset="0"/>
+                    </a:rPr>
+                    <a:t>HRAS</a:t>
+                  </a:r>
+                  <a:endParaRPr lang="en-US" sz="1500" dirty="0">
+                    <a:effectLst/>
+                    <a:latin typeface="Adobe Devanagari" panose="02040503050201020203" pitchFamily="18" charset="0"/>
+                    <a:ea typeface="Times New Roman" panose="02020603050405020304" pitchFamily="18" charset="0"/>
+                    <a:cs typeface="Adobe Devanagari" panose="02040503050201020203" pitchFamily="18" charset="0"/>
+                  </a:endParaRPr>
+                </a:p>
+              </p:txBody>
+            </p:sp>
+          </p:grpSp>
+        </p:grpSp>
+        <p:grpSp>
+          <p:nvGrpSpPr>
+            <p:cNvPr id="21" name="Grupo 20">
+              <a:extLst>
+                <a:ext uri="{FF2B5EF4-FFF2-40B4-BE49-F238E27FC236}">
+                  <a16:creationId xmlns:a16="http://schemas.microsoft.com/office/drawing/2014/main" id="{4A0083C2-2226-C3EB-245C-FD9C164C4B87}"/>
+                </a:ext>
+              </a:extLst>
+            </p:cNvPr>
+            <p:cNvGrpSpPr/>
+            <p:nvPr/>
+          </p:nvGrpSpPr>
+          <p:grpSpPr>
+            <a:xfrm>
+              <a:off x="1" y="0"/>
+              <a:ext cx="320040" cy="6858001"/>
+              <a:chOff x="1" y="0"/>
+              <a:chExt cx="320040" cy="6858001"/>
+            </a:xfrm>
+          </p:grpSpPr>
+          <p:sp>
+            <p:nvSpPr>
+              <p:cNvPr id="22" name="Rectángulo 21">
+                <a:extLst>
+                  <a:ext uri="{FF2B5EF4-FFF2-40B4-BE49-F238E27FC236}">
+                    <a16:creationId xmlns:a16="http://schemas.microsoft.com/office/drawing/2014/main" id="{76CE3B5B-8633-2CA2-3D6C-55AAB8C485B9}"/>
+                  </a:ext>
+                </a:extLst>
+              </p:cNvPr>
+              <p:cNvSpPr/>
+              <p:nvPr/>
+            </p:nvSpPr>
+            <p:spPr>
+              <a:xfrm>
+                <a:off x="1" y="1"/>
+                <a:ext cx="320040" cy="6858000"/>
+              </a:xfrm>
+              <a:prstGeom prst="rect">
+                <a:avLst/>
+              </a:prstGeom>
+              <a:solidFill>
+                <a:srgbClr val="990000"/>
+              </a:solidFill>
+              <a:ln>
+                <a:solidFill>
+                  <a:srgbClr val="990000"/>
+                </a:solidFill>
+              </a:ln>
+              <a:effectLst/>
+            </p:spPr>
+            <p:style>
+              <a:lnRef idx="2">
+                <a:schemeClr val="accent1">
+                  <a:shade val="50000"/>
+                </a:schemeClr>
+              </a:lnRef>
+              <a:fillRef idx="1">
+                <a:schemeClr val="accent1"/>
+              </a:fillRef>
+              <a:effectRef idx="0">
+                <a:schemeClr val="accent1"/>
+              </a:effectRef>
+              <a:fontRef idx="minor">
+                <a:schemeClr val="lt1"/>
+              </a:fontRef>
+            </p:style>
+            <p:txBody>
+              <a:bodyPr rtlCol="0" anchor="ctr"/>
+              <a:lstStyle/>
+              <a:p>
+                <a:pPr algn="ctr"/>
+                <a:endParaRPr lang="en-US" dirty="0"/>
               </a:p>
             </p:txBody>
           </p:sp>
           <p:sp>
             <p:nvSpPr>
-              <p:cNvPr id="18" name="Cuadro de texto 2">
+              <p:cNvPr id="23" name="Rectángulo: esquinas diagonales redondeadas 22">
                 <a:extLst>
                   <a:ext uri="{FF2B5EF4-FFF2-40B4-BE49-F238E27FC236}">
-                    <a16:creationId xmlns:a16="http://schemas.microsoft.com/office/drawing/2014/main" id="{42FCC331-2BC3-EFFB-9798-7C5D49346BED}"/>
+                    <a16:creationId xmlns:a16="http://schemas.microsoft.com/office/drawing/2014/main" id="{5F72FE3A-8A77-F8FB-ED87-B8FA8AD71839}"/>
                   </a:ext>
                 </a:extLst>
               </p:cNvPr>
-              <p:cNvSpPr txBox="1">
-                <a:spLocks noChangeArrowheads="1"/>
-              </p:cNvSpPr>
+              <p:cNvSpPr/>
               <p:nvPr/>
             </p:nvSpPr>
-            <p:spPr bwMode="auto">
-              <a:xfrm>
-                <a:off x="43296" y="27684"/>
-                <a:ext cx="577850" cy="259287"/>
+            <p:spPr>
+              <a:xfrm rot="16200000">
+                <a:off x="-3185312" y="3251862"/>
+                <a:ext cx="6724044" cy="220320"/>
               </a:xfrm>
-              <a:prstGeom prst="rect">
-                <a:avLst/>
+              <a:prstGeom prst="round2DiagRect">
+                <a:avLst>
+                  <a:gd name="adj1" fmla="val 50000"/>
+                  <a:gd name="adj2" fmla="val 0"/>
+                </a:avLst>
               </a:prstGeom>
               <a:noFill/>
-              <a:ln w="9525">
+              <a:ln>
                 <a:noFill/>
-                <a:miter lim="800000"/>
-                <a:headEnd/>
-                <a:tailEnd/>
               </a:ln>
             </p:spPr>
+            <p:style>
+              <a:lnRef idx="2">
+                <a:schemeClr val="accent1">
+                  <a:shade val="50000"/>
+                </a:schemeClr>
+              </a:lnRef>
+              <a:fillRef idx="1">
+                <a:schemeClr val="accent1"/>
+              </a:fillRef>
+              <a:effectRef idx="0">
+                <a:schemeClr val="accent1"/>
+              </a:effectRef>
+              <a:fontRef idx="minor">
+                <a:schemeClr val="lt1"/>
+              </a:fontRef>
+            </p:style>
             <p:txBody>
-              <a:bodyPr rot="0" vert="horz" wrap="square" lIns="91440" tIns="45720" rIns="91440" bIns="45720" anchor="t" anchorCtr="0">
-                <a:spAutoFit/>
-              </a:bodyPr>
+              <a:bodyPr rtlCol="0" anchor="ctr"/>
               <a:lstStyle/>
               <a:p>
-                <a:pPr marL="0" marR="0" algn="ctr">
-                  <a:spcBef>
-                    <a:spcPts val="0"/>
-                  </a:spcBef>
-                  <a:spcAft>
-                    <a:spcPts val="0"/>
-                  </a:spcAft>
-                </a:pPr>
+                <a:pPr algn="ctr"/>
                 <a:r>
-                  <a:rPr lang="es-ES" sz="1500" dirty="0">
+                  <a:rPr lang="es-ES" sz="1200" dirty="0">
                     <a:solidFill>
-                      <a:srgbClr val="FFFFFF"/>
+                      <a:schemeClr val="bg1"/>
                     </a:solidFill>
-                    <a:effectLst/>
                     <a:latin typeface="Adobe Devanagari" panose="02040503050201020203" pitchFamily="18" charset="0"/>
-                    <a:ea typeface="Times New Roman" panose="02020603050405020304" pitchFamily="18" charset="0"/>
                     <a:cs typeface="Adobe Devanagari" panose="02040503050201020203" pitchFamily="18" charset="0"/>
                   </a:rPr>
-                  <a:t>HRAS</a:t>
+                  <a:t>Ingeniería Civil – Centro de Estudios Hidráulicos – Modelación Hidráulica de Canales en HEC-RAS </a:t>
                 </a:r>
-                <a:endParaRPr lang="en-US" sz="1500" dirty="0">
-                  <a:effectLst/>
+                <a:endParaRPr lang="es-CO" sz="1200" dirty="0">
+                  <a:solidFill>
+                    <a:schemeClr val="bg1"/>
+                  </a:solidFill>
                   <a:latin typeface="Adobe Devanagari" panose="02040503050201020203" pitchFamily="18" charset="0"/>
-                  <a:ea typeface="Times New Roman" panose="02020603050405020304" pitchFamily="18" charset="0"/>
                   <a:cs typeface="Adobe Devanagari" panose="02040503050201020203" pitchFamily="18" charset="0"/>
                 </a:endParaRPr>
               </a:p>
@@ -16518,41 +16097,6 @@
           </p:sp>
         </p:grpSp>
       </p:grpSp>
-      <p:pic>
-        <p:nvPicPr>
-          <p:cNvPr id="15" name="Gráfico 14" descr="Círculos con flechas con relleno sólido">
-            <a:extLst>
-              <a:ext uri="{FF2B5EF4-FFF2-40B4-BE49-F238E27FC236}">
-                <a16:creationId xmlns:a16="http://schemas.microsoft.com/office/drawing/2014/main" id="{08E8FB98-BBE9-8A0A-81C4-FF16FCD799D8}"/>
-              </a:ext>
-            </a:extLst>
-          </p:cNvPr>
-          <p:cNvPicPr>
-            <a:picLocks noChangeAspect="1"/>
-          </p:cNvPicPr>
-          <p:nvPr/>
-        </p:nvPicPr>
-        <p:blipFill>
-          <a:blip r:embed="rId5">
-            <a:extLst>
-              <a:ext uri="{96DAC541-7B7A-43D3-8B79-37D633B846F1}">
-                <asvg:svgBlip xmlns:asvg="http://schemas.microsoft.com/office/drawing/2016/SVG/main" r:embed="rId6"/>
-              </a:ext>
-            </a:extLst>
-          </a:blip>
-          <a:srcRect/>
-          <a:stretch/>
-        </p:blipFill>
-        <p:spPr>
-          <a:xfrm>
-            <a:off x="1186870" y="1684436"/>
-            <a:ext cx="771525" cy="771525"/>
-          </a:xfrm>
-          <a:prstGeom prst="rect">
-            <a:avLst/>
-          </a:prstGeom>
-        </p:spPr>
-      </p:pic>
     </p:spTree>
     <p:extLst>
       <p:ext uri="{BB962C8B-B14F-4D97-AF65-F5344CB8AC3E}">
@@ -16563,13 +16107,13 @@
   <p:clrMapOvr>
     <a:masterClrMapping/>
   </p:clrMapOvr>
-  <mc:AlternateContent xmlns:mc="http://schemas.openxmlformats.org/markup-compatibility/2006">
-    <mc:Choice xmlns:p14="http://schemas.microsoft.com/office/powerpoint/2010/main" Requires="p14">
+  <mc:AlternateContent xmlns:mc="http://schemas.openxmlformats.org/markup-compatibility/2006" xmlns:p14="http://schemas.microsoft.com/office/powerpoint/2010/main">
+    <mc:Choice Requires="p14">
       <p:transition spd="med" p14:dur="700">
         <p:fade/>
       </p:transition>
     </mc:Choice>
-    <mc:Fallback>
+    <mc:Fallback xmlns="">
       <p:transition spd="med">
         <p:fade/>
       </p:transition>
@@ -16814,12 +16358,47 @@
           </a:p>
         </p:txBody>
       </p:sp>
+      <p:pic>
+        <p:nvPicPr>
+          <p:cNvPr id="15" name="Gráfico 14" descr="Portapapeles parcialmente comprobado con relleno sólido">
+            <a:extLst>
+              <a:ext uri="{FF2B5EF4-FFF2-40B4-BE49-F238E27FC236}">
+                <a16:creationId xmlns:a16="http://schemas.microsoft.com/office/drawing/2014/main" id="{08E8FB98-BBE9-8A0A-81C4-FF16FCD799D8}"/>
+              </a:ext>
+            </a:extLst>
+          </p:cNvPr>
+          <p:cNvPicPr>
+            <a:picLocks noChangeAspect="1"/>
+          </p:cNvPicPr>
+          <p:nvPr/>
+        </p:nvPicPr>
+        <p:blipFill>
+          <a:blip r:embed="rId3">
+            <a:extLst>
+              <a:ext uri="{96DAC541-7B7A-43D3-8B79-37D633B846F1}">
+                <asvg:svgBlip xmlns:asvg="http://schemas.microsoft.com/office/drawing/2016/SVG/main" r:embed="rId4"/>
+              </a:ext>
+            </a:extLst>
+          </a:blip>
+          <a:srcRect/>
+          <a:stretch/>
+        </p:blipFill>
+        <p:spPr>
+          <a:xfrm>
+            <a:off x="1313584" y="1865411"/>
+            <a:ext cx="771525" cy="771525"/>
+          </a:xfrm>
+          <a:prstGeom prst="rect">
+            <a:avLst/>
+          </a:prstGeom>
+        </p:spPr>
+      </p:pic>
       <p:grpSp>
         <p:nvGrpSpPr>
-          <p:cNvPr id="4" name="Grupo 3">
+          <p:cNvPr id="12" name="Grupo 11">
             <a:extLst>
               <a:ext uri="{FF2B5EF4-FFF2-40B4-BE49-F238E27FC236}">
-                <a16:creationId xmlns:a16="http://schemas.microsoft.com/office/drawing/2014/main" id="{7C28BA06-AAE6-D767-8A05-BA8020A1774D}"/>
+                <a16:creationId xmlns:a16="http://schemas.microsoft.com/office/drawing/2014/main" id="{8BFA35B8-42F2-8D1B-15A8-107E714D5046}"/>
               </a:ext>
             </a:extLst>
           </p:cNvPr>
@@ -16828,160 +16407,18 @@
         </p:nvGrpSpPr>
         <p:grpSpPr>
           <a:xfrm>
-            <a:off x="0" y="7914"/>
-            <a:ext cx="12515105" cy="7107353"/>
-            <a:chOff x="0" y="7914"/>
-            <a:chExt cx="12515105" cy="7107353"/>
+            <a:off x="1" y="0"/>
+            <a:ext cx="12191999" cy="6858001"/>
+            <a:chOff x="1" y="0"/>
+            <a:chExt cx="12191999" cy="6858001"/>
           </a:xfrm>
         </p:grpSpPr>
-        <p:sp>
-          <p:nvSpPr>
-            <p:cNvPr id="29" name="Rectángulo: esquinas diagonales redondeadas 28">
+        <p:grpSp>
+          <p:nvGrpSpPr>
+            <p:cNvPr id="19" name="Grupo 18">
               <a:extLst>
                 <a:ext uri="{FF2B5EF4-FFF2-40B4-BE49-F238E27FC236}">
-                  <a16:creationId xmlns:a16="http://schemas.microsoft.com/office/drawing/2014/main" id="{334138AE-EA0B-4EA0-8E34-A77C79CC7568}"/>
-                </a:ext>
-              </a:extLst>
-            </p:cNvPr>
-            <p:cNvSpPr/>
-            <p:nvPr/>
-          </p:nvSpPr>
-          <p:spPr>
-            <a:xfrm>
-              <a:off x="0" y="6643269"/>
-              <a:ext cx="1699346" cy="214731"/>
-            </a:xfrm>
-            <a:prstGeom prst="round2DiagRect">
-              <a:avLst>
-                <a:gd name="adj1" fmla="val 50000"/>
-                <a:gd name="adj2" fmla="val 0"/>
-              </a:avLst>
-            </a:prstGeom>
-            <a:noFill/>
-            <a:ln>
-              <a:noFill/>
-            </a:ln>
-          </p:spPr>
-          <p:style>
-            <a:lnRef idx="2">
-              <a:schemeClr val="accent1">
-                <a:shade val="50000"/>
-              </a:schemeClr>
-            </a:lnRef>
-            <a:fillRef idx="1">
-              <a:schemeClr val="accent1"/>
-            </a:fillRef>
-            <a:effectRef idx="0">
-              <a:schemeClr val="accent1"/>
-            </a:effectRef>
-            <a:fontRef idx="minor">
-              <a:schemeClr val="lt1"/>
-            </a:fontRef>
-          </p:style>
-          <p:txBody>
-            <a:bodyPr rtlCol="0" anchor="ctr"/>
-            <a:lstStyle/>
-            <a:p>
-              <a:r>
-                <a:rPr lang="es-ES" sz="1200" dirty="0">
-                  <a:solidFill>
-                    <a:schemeClr val="tx1">
-                      <a:lumMod val="65000"/>
-                      <a:lumOff val="35000"/>
-                    </a:schemeClr>
-                  </a:solidFill>
-                  <a:latin typeface="Adobe Devanagari" panose="02040503050201020203" pitchFamily="18" charset="0"/>
-                  <a:cs typeface="Adobe Devanagari" panose="02040503050201020203" pitchFamily="18" charset="0"/>
-                </a:rPr>
-                <a:t>Introducción</a:t>
-              </a:r>
-              <a:endParaRPr lang="es-CO" sz="1200" dirty="0">
-                <a:solidFill>
-                  <a:schemeClr val="tx1">
-                    <a:lumMod val="65000"/>
-                    <a:lumOff val="35000"/>
-                  </a:schemeClr>
-                </a:solidFill>
-                <a:latin typeface="Adobe Devanagari" panose="02040503050201020203" pitchFamily="18" charset="0"/>
-                <a:cs typeface="Adobe Devanagari" panose="02040503050201020203" pitchFamily="18" charset="0"/>
-              </a:endParaRPr>
-            </a:p>
-          </p:txBody>
-        </p:sp>
-        <p:pic>
-          <p:nvPicPr>
-            <p:cNvPr id="14" name="Picture 12" descr="See the source image">
-              <a:extLst>
-                <a:ext uri="{FF2B5EF4-FFF2-40B4-BE49-F238E27FC236}">
-                  <a16:creationId xmlns:a16="http://schemas.microsoft.com/office/drawing/2014/main" id="{572CB045-321C-8E49-542A-7B8765BAC870}"/>
-                </a:ext>
-              </a:extLst>
-            </p:cNvPr>
-            <p:cNvPicPr>
-              <a:picLocks noChangeAspect="1" noChangeArrowheads="1"/>
-            </p:cNvPicPr>
-            <p:nvPr/>
-          </p:nvPicPr>
-          <p:blipFill>
-            <a:blip r:embed="rId3">
-              <a:duotone>
-                <a:schemeClr val="accent4">
-                  <a:shade val="45000"/>
-                  <a:satMod val="135000"/>
-                </a:schemeClr>
-                <a:prstClr val="white"/>
-              </a:duotone>
-              <a:extLst>
-                <a:ext uri="{BEBA8EAE-BF5A-486C-A8C5-ECC9F3942E4B}">
-                  <a14:imgProps xmlns:a14="http://schemas.microsoft.com/office/drawing/2010/main">
-                    <a14:imgLayer r:embed="rId4">
-                      <a14:imgEffect>
-                        <a14:backgroundRemoval t="9920" b="95291" l="10000" r="90000">
-                          <a14:foregroundMark x1="64000" y1="91082" x2="55250" y2="93687"/>
-                          <a14:foregroundMark x1="55250" y1="93687" x2="46125" y2="91483"/>
-                          <a14:foregroundMark x1="46125" y1="91483" x2="45125" y2="91483"/>
-                          <a14:foregroundMark x1="57625" y1="94990" x2="52125" y2="95291"/>
-                        </a14:backgroundRemoval>
-                      </a14:imgEffect>
-                    </a14:imgLayer>
-                  </a14:imgProps>
-                </a:ext>
-                <a:ext uri="{28A0092B-C50C-407E-A947-70E740481C1C}">
-                  <a14:useLocalDpi xmlns:a14="http://schemas.microsoft.com/office/drawing/2010/main" val="0"/>
-                </a:ext>
-              </a:extLst>
-            </a:blip>
-            <a:srcRect/>
-            <a:stretch>
-              <a:fillRect/>
-            </a:stretch>
-          </p:blipFill>
-          <p:spPr bwMode="auto">
-            <a:xfrm flipV="1">
-              <a:off x="10374409" y="4444806"/>
-              <a:ext cx="2140696" cy="2670461"/>
-            </a:xfrm>
-            <a:prstGeom prst="rect">
-              <a:avLst/>
-            </a:prstGeom>
-            <a:noFill/>
-            <a:extLst>
-              <a:ext uri="{909E8E84-426E-40DD-AFC4-6F175D3DCCD1}">
-                <a14:hiddenFill xmlns:a14="http://schemas.microsoft.com/office/drawing/2010/main">
-                  <a:solidFill>
-                    <a:srgbClr val="FFFFFF"/>
-                  </a:solidFill>
-                </a14:hiddenFill>
-              </a:ext>
-            </a:extLst>
-          </p:spPr>
-        </p:pic>
-        <p:grpSp>
-          <p:nvGrpSpPr>
-            <p:cNvPr id="16" name="Grupo 15">
-              <a:extLst>
-                <a:ext uri="{FF2B5EF4-FFF2-40B4-BE49-F238E27FC236}">
-                  <a16:creationId xmlns:a16="http://schemas.microsoft.com/office/drawing/2014/main" id="{3733B50A-13DF-E650-BE25-3A9EBED48B50}"/>
+                  <a16:creationId xmlns:a16="http://schemas.microsoft.com/office/drawing/2014/main" id="{5858A141-8CDE-2323-9C83-D04A5C68811C}"/>
                 </a:ext>
               </a:extLst>
             </p:cNvPr>
@@ -16990,18 +16427,18 @@
           </p:nvGrpSpPr>
           <p:grpSpPr>
             <a:xfrm>
-              <a:off x="11356240" y="7914"/>
-              <a:ext cx="835760" cy="349755"/>
-              <a:chOff x="0" y="6350"/>
-              <a:chExt cx="671158" cy="280621"/>
+              <a:off x="9789459" y="0"/>
+              <a:ext cx="2402541" cy="6858000"/>
+              <a:chOff x="9789459" y="7914"/>
+              <a:chExt cx="2402541" cy="6858000"/>
             </a:xfrm>
           </p:grpSpPr>
           <p:sp>
             <p:nvSpPr>
-              <p:cNvPr id="17" name="Rectángulo: una sola esquina redondeada 16">
+              <p:cNvPr id="24" name="Rectángulo: esquinas diagonales redondeadas 23">
                 <a:extLst>
                   <a:ext uri="{FF2B5EF4-FFF2-40B4-BE49-F238E27FC236}">
-                    <a16:creationId xmlns:a16="http://schemas.microsoft.com/office/drawing/2014/main" id="{601E0294-C923-2559-FEB2-7D5555095840}"/>
+                    <a16:creationId xmlns:a16="http://schemas.microsoft.com/office/drawing/2014/main" id="{B6DF45B9-7533-3980-7311-76D50B0A7C0B}"/>
                   </a:ext>
                 </a:extLst>
               </p:cNvPr>
@@ -17009,28 +16446,19 @@
               <p:nvPr/>
             </p:nvSpPr>
             <p:spPr>
-              <a:xfrm flipH="1" flipV="1">
-                <a:off x="0" y="6350"/>
-                <a:ext cx="671158" cy="274848"/>
+              <a:xfrm>
+                <a:off x="9789459" y="6641796"/>
+                <a:ext cx="2402541" cy="224118"/>
               </a:xfrm>
-              <a:prstGeom prst="round1Rect">
+              <a:prstGeom prst="round2DiagRect">
                 <a:avLst>
-                  <a:gd name="adj" fmla="val 50000"/>
+                  <a:gd name="adj1" fmla="val 50000"/>
+                  <a:gd name="adj2" fmla="val 0"/>
                 </a:avLst>
               </a:prstGeom>
-              <a:solidFill>
-                <a:schemeClr val="tx1">
-                  <a:lumMod val="75000"/>
-                  <a:lumOff val="25000"/>
-                </a:schemeClr>
-              </a:solidFill>
+              <a:noFill/>
               <a:ln>
-                <a:solidFill>
-                  <a:schemeClr val="tx1">
-                    <a:lumMod val="75000"/>
-                    <a:lumOff val="25000"/>
-                  </a:schemeClr>
-                </a:solidFill>
+                <a:noFill/>
               </a:ln>
             </p:spPr>
             <p:style>
@@ -17050,100 +16478,344 @@
               </a:fontRef>
             </p:style>
             <p:txBody>
-              <a:bodyPr rot="0" spcFirstLastPara="0" vert="horz" wrap="square" lIns="91440" tIns="45720" rIns="91440" bIns="45720" numCol="1" spcCol="0" rtlCol="0" fromWordArt="0" anchor="ctr" anchorCtr="0" forceAA="0" compatLnSpc="1">
-                <a:prstTxWarp prst="textNoShape">
-                  <a:avLst/>
-                </a:prstTxWarp>
-                <a:noAutofit/>
-              </a:bodyPr>
+              <a:bodyPr rtlCol="0" anchor="ctr"/>
               <a:lstStyle/>
               <a:p>
-                <a:pPr marL="0" marR="0" algn="ctr">
-                  <a:spcBef>
-                    <a:spcPts val="0"/>
-                  </a:spcBef>
-                  <a:spcAft>
-                    <a:spcPts val="0"/>
-                  </a:spcAft>
-                </a:pPr>
+                <a:pPr algn="r"/>
                 <a:r>
-                  <a:rPr lang="es-CO" sz="1500">
+                  <a:rPr lang="es-ES" sz="1200" dirty="0">
+                    <a:solidFill>
+                      <a:srgbClr val="990000"/>
+                    </a:solidFill>
+                    <a:latin typeface="Adobe Devanagari" panose="02040503050201020203" pitchFamily="18" charset="0"/>
+                    <a:cs typeface="Adobe Devanagari" panose="02040503050201020203" pitchFamily="18" charset="0"/>
+                  </a:rPr>
+                  <a:t>Introducción</a:t>
+                </a:r>
+                <a:endParaRPr lang="es-CO" sz="1200" dirty="0">
+                  <a:solidFill>
+                    <a:srgbClr val="990000"/>
+                  </a:solidFill>
+                  <a:latin typeface="Adobe Devanagari" panose="02040503050201020203" pitchFamily="18" charset="0"/>
+                  <a:cs typeface="Adobe Devanagari" panose="02040503050201020203" pitchFamily="18" charset="0"/>
+                </a:endParaRPr>
+              </a:p>
+            </p:txBody>
+          </p:sp>
+          <p:grpSp>
+            <p:nvGrpSpPr>
+              <p:cNvPr id="25" name="Grupo 24">
+                <a:extLst>
+                  <a:ext uri="{FF2B5EF4-FFF2-40B4-BE49-F238E27FC236}">
+                    <a16:creationId xmlns:a16="http://schemas.microsoft.com/office/drawing/2014/main" id="{CB18588F-F800-8758-8BBE-826F5E17FDA1}"/>
+                  </a:ext>
+                </a:extLst>
+              </p:cNvPr>
+              <p:cNvGrpSpPr/>
+              <p:nvPr/>
+            </p:nvGrpSpPr>
+            <p:grpSpPr>
+              <a:xfrm>
+                <a:off x="11356240" y="7914"/>
+                <a:ext cx="835760" cy="349755"/>
+                <a:chOff x="0" y="6350"/>
+                <a:chExt cx="671158" cy="280621"/>
+              </a:xfrm>
+            </p:grpSpPr>
+            <p:sp>
+              <p:nvSpPr>
+                <p:cNvPr id="26" name="Rectángulo: una sola esquina redondeada 25">
+                  <a:extLst>
+                    <a:ext uri="{FF2B5EF4-FFF2-40B4-BE49-F238E27FC236}">
+                      <a16:creationId xmlns:a16="http://schemas.microsoft.com/office/drawing/2014/main" id="{EE79F0CF-69C5-359C-1548-D8D75DB374C8}"/>
+                    </a:ext>
+                  </a:extLst>
+                </p:cNvPr>
+                <p:cNvSpPr/>
+                <p:nvPr/>
+              </p:nvSpPr>
+              <p:spPr>
+                <a:xfrm flipH="1" flipV="1">
+                  <a:off x="0" y="6350"/>
+                  <a:ext cx="671158" cy="274848"/>
+                </a:xfrm>
+                <a:prstGeom prst="round1Rect">
+                  <a:avLst>
+                    <a:gd name="adj" fmla="val 50000"/>
+                  </a:avLst>
+                </a:prstGeom>
+                <a:solidFill>
+                  <a:schemeClr val="tx1">
+                    <a:lumMod val="75000"/>
+                    <a:lumOff val="25000"/>
+                  </a:schemeClr>
+                </a:solidFill>
+                <a:ln>
+                  <a:solidFill>
+                    <a:schemeClr val="tx1">
+                      <a:lumMod val="75000"/>
+                      <a:lumOff val="25000"/>
+                    </a:schemeClr>
+                  </a:solidFill>
+                </a:ln>
+              </p:spPr>
+              <p:style>
+                <a:lnRef idx="2">
+                  <a:schemeClr val="accent1">
+                    <a:shade val="50000"/>
+                  </a:schemeClr>
+                </a:lnRef>
+                <a:fillRef idx="1">
+                  <a:schemeClr val="accent1"/>
+                </a:fillRef>
+                <a:effectRef idx="0">
+                  <a:schemeClr val="accent1"/>
+                </a:effectRef>
+                <a:fontRef idx="minor">
+                  <a:schemeClr val="lt1"/>
+                </a:fontRef>
+              </p:style>
+              <p:txBody>
+                <a:bodyPr rot="0" spcFirstLastPara="0" vert="horz" wrap="square" lIns="91440" tIns="45720" rIns="91440" bIns="45720" numCol="1" spcCol="0" rtlCol="0" fromWordArt="0" anchor="ctr" anchorCtr="0" forceAA="0" compatLnSpc="1">
+                  <a:prstTxWarp prst="textNoShape">
+                    <a:avLst/>
+                  </a:prstTxWarp>
+                  <a:noAutofit/>
+                </a:bodyPr>
+                <a:lstStyle/>
+                <a:p>
+                  <a:pPr marL="0" marR="0" algn="ctr">
+                    <a:spcBef>
+                      <a:spcPts val="0"/>
+                    </a:spcBef>
+                    <a:spcAft>
+                      <a:spcPts val="0"/>
+                    </a:spcAft>
+                  </a:pPr>
+                  <a:r>
+                    <a:rPr lang="es-CO" sz="1500">
+                      <a:effectLst/>
+                      <a:latin typeface="Segoe UI Light" panose="020B0502040204020203" pitchFamily="34" charset="0"/>
+                      <a:ea typeface="Times New Roman" panose="02020603050405020304" pitchFamily="18" charset="0"/>
+                      <a:cs typeface="Times New Roman" panose="02020603050405020304" pitchFamily="18" charset="0"/>
+                    </a:rPr>
+                    <a:t> </a:t>
+                  </a:r>
+                  <a:endParaRPr lang="en-US" sz="1500">
                     <a:effectLst/>
                     <a:latin typeface="Segoe UI Light" panose="020B0502040204020203" pitchFamily="34" charset="0"/>
                     <a:ea typeface="Times New Roman" panose="02020603050405020304" pitchFamily="18" charset="0"/>
                     <a:cs typeface="Times New Roman" panose="02020603050405020304" pitchFamily="18" charset="0"/>
-                  </a:rPr>
-                  <a:t> </a:t>
-                </a:r>
-                <a:endParaRPr lang="en-US" sz="1500">
-                  <a:effectLst/>
-                  <a:latin typeface="Segoe UI Light" panose="020B0502040204020203" pitchFamily="34" charset="0"/>
-                  <a:ea typeface="Times New Roman" panose="02020603050405020304" pitchFamily="18" charset="0"/>
-                  <a:cs typeface="Times New Roman" panose="02020603050405020304" pitchFamily="18" charset="0"/>
-                </a:endParaRPr>
+                  </a:endParaRPr>
+                </a:p>
+              </p:txBody>
+            </p:sp>
+            <p:sp>
+              <p:nvSpPr>
+                <p:cNvPr id="27" name="Cuadro de texto 2">
+                  <a:extLst>
+                    <a:ext uri="{FF2B5EF4-FFF2-40B4-BE49-F238E27FC236}">
+                      <a16:creationId xmlns:a16="http://schemas.microsoft.com/office/drawing/2014/main" id="{636B7E4E-9197-E851-90A7-014EEA5F6EFE}"/>
+                    </a:ext>
+                  </a:extLst>
+                </p:cNvPr>
+                <p:cNvSpPr txBox="1">
+                  <a:spLocks noChangeArrowheads="1"/>
+                </p:cNvSpPr>
+                <p:nvPr/>
+              </p:nvSpPr>
+              <p:spPr bwMode="auto">
+                <a:xfrm>
+                  <a:off x="43296" y="27684"/>
+                  <a:ext cx="577850" cy="259287"/>
+                </a:xfrm>
+                <a:prstGeom prst="rect">
+                  <a:avLst/>
+                </a:prstGeom>
+                <a:noFill/>
+                <a:ln w="9525">
+                  <a:noFill/>
+                  <a:miter lim="800000"/>
+                  <a:headEnd/>
+                  <a:tailEnd/>
+                </a:ln>
+              </p:spPr>
+              <p:txBody>
+                <a:bodyPr rot="0" vert="horz" wrap="square" lIns="91440" tIns="45720" rIns="91440" bIns="45720" anchor="t" anchorCtr="0">
+                  <a:spAutoFit/>
+                </a:bodyPr>
+                <a:lstStyle/>
+                <a:p>
+                  <a:pPr marL="0" marR="0" algn="ctr">
+                    <a:spcBef>
+                      <a:spcPts val="0"/>
+                    </a:spcBef>
+                    <a:spcAft>
+                      <a:spcPts val="0"/>
+                    </a:spcAft>
+                  </a:pPr>
+                  <a:r>
+                    <a:rPr lang="es-ES" sz="1500" dirty="0">
+                      <a:solidFill>
+                        <a:srgbClr val="FFFFFF"/>
+                      </a:solidFill>
+                      <a:effectLst/>
+                      <a:latin typeface="Adobe Devanagari" panose="02040503050201020203" pitchFamily="18" charset="0"/>
+                      <a:ea typeface="Times New Roman" panose="02020603050405020304" pitchFamily="18" charset="0"/>
+                      <a:cs typeface="Adobe Devanagari" panose="02040503050201020203" pitchFamily="18" charset="0"/>
+                    </a:rPr>
+                    <a:t>HRAS</a:t>
+                  </a:r>
+                  <a:endParaRPr lang="en-US" sz="1500" dirty="0">
+                    <a:effectLst/>
+                    <a:latin typeface="Adobe Devanagari" panose="02040503050201020203" pitchFamily="18" charset="0"/>
+                    <a:ea typeface="Times New Roman" panose="02020603050405020304" pitchFamily="18" charset="0"/>
+                    <a:cs typeface="Adobe Devanagari" panose="02040503050201020203" pitchFamily="18" charset="0"/>
+                  </a:endParaRPr>
+                </a:p>
+              </p:txBody>
+            </p:sp>
+          </p:grpSp>
+        </p:grpSp>
+        <p:grpSp>
+          <p:nvGrpSpPr>
+            <p:cNvPr id="21" name="Grupo 20">
+              <a:extLst>
+                <a:ext uri="{FF2B5EF4-FFF2-40B4-BE49-F238E27FC236}">
+                  <a16:creationId xmlns:a16="http://schemas.microsoft.com/office/drawing/2014/main" id="{C85BA107-DF38-66F2-104B-9D5AA02E7E80}"/>
+                </a:ext>
+              </a:extLst>
+            </p:cNvPr>
+            <p:cNvGrpSpPr/>
+            <p:nvPr/>
+          </p:nvGrpSpPr>
+          <p:grpSpPr>
+            <a:xfrm>
+              <a:off x="1" y="0"/>
+              <a:ext cx="320040" cy="6858001"/>
+              <a:chOff x="1" y="0"/>
+              <a:chExt cx="320040" cy="6858001"/>
+            </a:xfrm>
+          </p:grpSpPr>
+          <p:sp>
+            <p:nvSpPr>
+              <p:cNvPr id="22" name="Rectángulo 21">
+                <a:extLst>
+                  <a:ext uri="{FF2B5EF4-FFF2-40B4-BE49-F238E27FC236}">
+                    <a16:creationId xmlns:a16="http://schemas.microsoft.com/office/drawing/2014/main" id="{3A53F28B-EDC1-31C8-F1F2-77FAF44322E5}"/>
+                  </a:ext>
+                </a:extLst>
+              </p:cNvPr>
+              <p:cNvSpPr/>
+              <p:nvPr/>
+            </p:nvSpPr>
+            <p:spPr>
+              <a:xfrm>
+                <a:off x="1" y="1"/>
+                <a:ext cx="320040" cy="6858000"/>
+              </a:xfrm>
+              <a:prstGeom prst="rect">
+                <a:avLst/>
+              </a:prstGeom>
+              <a:solidFill>
+                <a:srgbClr val="990000"/>
+              </a:solidFill>
+              <a:ln>
+                <a:solidFill>
+                  <a:srgbClr val="990000"/>
+                </a:solidFill>
+              </a:ln>
+              <a:effectLst/>
+            </p:spPr>
+            <p:style>
+              <a:lnRef idx="2">
+                <a:schemeClr val="accent1">
+                  <a:shade val="50000"/>
+                </a:schemeClr>
+              </a:lnRef>
+              <a:fillRef idx="1">
+                <a:schemeClr val="accent1"/>
+              </a:fillRef>
+              <a:effectRef idx="0">
+                <a:schemeClr val="accent1"/>
+              </a:effectRef>
+              <a:fontRef idx="minor">
+                <a:schemeClr val="lt1"/>
+              </a:fontRef>
+            </p:style>
+            <p:txBody>
+              <a:bodyPr rtlCol="0" anchor="ctr"/>
+              <a:lstStyle/>
+              <a:p>
+                <a:pPr algn="ctr"/>
+                <a:endParaRPr lang="en-US" dirty="0"/>
               </a:p>
             </p:txBody>
           </p:sp>
           <p:sp>
             <p:nvSpPr>
-              <p:cNvPr id="18" name="Cuadro de texto 2">
+              <p:cNvPr id="23" name="Rectángulo: esquinas diagonales redondeadas 22">
                 <a:extLst>
                   <a:ext uri="{FF2B5EF4-FFF2-40B4-BE49-F238E27FC236}">
-                    <a16:creationId xmlns:a16="http://schemas.microsoft.com/office/drawing/2014/main" id="{42FCC331-2BC3-EFFB-9798-7C5D49346BED}"/>
+                    <a16:creationId xmlns:a16="http://schemas.microsoft.com/office/drawing/2014/main" id="{8095CD02-B5F5-792F-7A39-77938A51D90D}"/>
                   </a:ext>
                 </a:extLst>
               </p:cNvPr>
-              <p:cNvSpPr txBox="1">
-                <a:spLocks noChangeArrowheads="1"/>
-              </p:cNvSpPr>
+              <p:cNvSpPr/>
               <p:nvPr/>
             </p:nvSpPr>
-            <p:spPr bwMode="auto">
-              <a:xfrm>
-                <a:off x="43296" y="27684"/>
-                <a:ext cx="577850" cy="259287"/>
+            <p:spPr>
+              <a:xfrm rot="16200000">
+                <a:off x="-3185312" y="3251862"/>
+                <a:ext cx="6724044" cy="220320"/>
               </a:xfrm>
-              <a:prstGeom prst="rect">
-                <a:avLst/>
+              <a:prstGeom prst="round2DiagRect">
+                <a:avLst>
+                  <a:gd name="adj1" fmla="val 50000"/>
+                  <a:gd name="adj2" fmla="val 0"/>
+                </a:avLst>
               </a:prstGeom>
               <a:noFill/>
-              <a:ln w="9525">
+              <a:ln>
                 <a:noFill/>
-                <a:miter lim="800000"/>
-                <a:headEnd/>
-                <a:tailEnd/>
               </a:ln>
             </p:spPr>
+            <p:style>
+              <a:lnRef idx="2">
+                <a:schemeClr val="accent1">
+                  <a:shade val="50000"/>
+                </a:schemeClr>
+              </a:lnRef>
+              <a:fillRef idx="1">
+                <a:schemeClr val="accent1"/>
+              </a:fillRef>
+              <a:effectRef idx="0">
+                <a:schemeClr val="accent1"/>
+              </a:effectRef>
+              <a:fontRef idx="minor">
+                <a:schemeClr val="lt1"/>
+              </a:fontRef>
+            </p:style>
             <p:txBody>
-              <a:bodyPr rot="0" vert="horz" wrap="square" lIns="91440" tIns="45720" rIns="91440" bIns="45720" anchor="t" anchorCtr="0">
-                <a:spAutoFit/>
-              </a:bodyPr>
+              <a:bodyPr rtlCol="0" anchor="ctr"/>
               <a:lstStyle/>
               <a:p>
-                <a:pPr marL="0" marR="0" algn="ctr">
-                  <a:spcBef>
-                    <a:spcPts val="0"/>
-                  </a:spcBef>
-                  <a:spcAft>
-                    <a:spcPts val="0"/>
-                  </a:spcAft>
-                </a:pPr>
+                <a:pPr algn="ctr"/>
                 <a:r>
-                  <a:rPr lang="es-ES" sz="1500" dirty="0">
+                  <a:rPr lang="es-ES" sz="1200" dirty="0">
                     <a:solidFill>
-                      <a:srgbClr val="FFFFFF"/>
+                      <a:schemeClr val="bg1"/>
                     </a:solidFill>
-                    <a:effectLst/>
                     <a:latin typeface="Adobe Devanagari" panose="02040503050201020203" pitchFamily="18" charset="0"/>
-                    <a:ea typeface="Times New Roman" panose="02020603050405020304" pitchFamily="18" charset="0"/>
                     <a:cs typeface="Adobe Devanagari" panose="02040503050201020203" pitchFamily="18" charset="0"/>
                   </a:rPr>
-                  <a:t>HRAS</a:t>
+                  <a:t>Ingeniería Civil – Centro de Estudios Hidráulicos – Modelación Hidráulica de Canales en HEC-RAS </a:t>
                 </a:r>
-                <a:endParaRPr lang="en-US" sz="1500" dirty="0">
-                  <a:effectLst/>
+                <a:endParaRPr lang="es-CO" sz="1200" dirty="0">
+                  <a:solidFill>
+                    <a:schemeClr val="bg1"/>
+                  </a:solidFill>
                   <a:latin typeface="Adobe Devanagari" panose="02040503050201020203" pitchFamily="18" charset="0"/>
-                  <a:ea typeface="Times New Roman" panose="02020603050405020304" pitchFamily="18" charset="0"/>
                   <a:cs typeface="Adobe Devanagari" panose="02040503050201020203" pitchFamily="18" charset="0"/>
                 </a:endParaRPr>
               </a:p>
@@ -17151,41 +16823,6 @@
           </p:sp>
         </p:grpSp>
       </p:grpSp>
-      <p:pic>
-        <p:nvPicPr>
-          <p:cNvPr id="15" name="Gráfico 14" descr="Portapapeles parcialmente comprobado con relleno sólido">
-            <a:extLst>
-              <a:ext uri="{FF2B5EF4-FFF2-40B4-BE49-F238E27FC236}">
-                <a16:creationId xmlns:a16="http://schemas.microsoft.com/office/drawing/2014/main" id="{08E8FB98-BBE9-8A0A-81C4-FF16FCD799D8}"/>
-              </a:ext>
-            </a:extLst>
-          </p:cNvPr>
-          <p:cNvPicPr>
-            <a:picLocks noChangeAspect="1"/>
-          </p:cNvPicPr>
-          <p:nvPr/>
-        </p:nvPicPr>
-        <p:blipFill>
-          <a:blip r:embed="rId5">
-            <a:extLst>
-              <a:ext uri="{96DAC541-7B7A-43D3-8B79-37D633B846F1}">
-                <asvg:svgBlip xmlns:asvg="http://schemas.microsoft.com/office/drawing/2016/SVG/main" r:embed="rId6"/>
-              </a:ext>
-            </a:extLst>
-          </a:blip>
-          <a:srcRect/>
-          <a:stretch/>
-        </p:blipFill>
-        <p:spPr>
-          <a:xfrm>
-            <a:off x="1313584" y="1865411"/>
-            <a:ext cx="771525" cy="771525"/>
-          </a:xfrm>
-          <a:prstGeom prst="rect">
-            <a:avLst/>
-          </a:prstGeom>
-        </p:spPr>
-      </p:pic>
     </p:spTree>
     <p:extLst>
       <p:ext uri="{BB962C8B-B14F-4D97-AF65-F5344CB8AC3E}">
@@ -17196,13 +16833,13 @@
   <p:clrMapOvr>
     <a:masterClrMapping/>
   </p:clrMapOvr>
-  <mc:AlternateContent xmlns:mc="http://schemas.openxmlformats.org/markup-compatibility/2006">
-    <mc:Choice xmlns:p14="http://schemas.microsoft.com/office/powerpoint/2010/main" Requires="p14">
+  <mc:AlternateContent xmlns:mc="http://schemas.openxmlformats.org/markup-compatibility/2006" xmlns:p14="http://schemas.microsoft.com/office/powerpoint/2010/main">
+    <mc:Choice Requires="p14">
       <p:transition spd="med" p14:dur="700">
         <p:fade/>
       </p:transition>
     </mc:Choice>
-    <mc:Fallback>
+    <mc:Fallback xmlns="">
       <p:transition spd="med">
         <p:fade/>
       </p:transition>
@@ -17261,343 +16898,6 @@
           </a:p>
         </p:txBody>
       </p:sp>
-      <p:grpSp>
-        <p:nvGrpSpPr>
-          <p:cNvPr id="4" name="Grupo 3">
-            <a:extLst>
-              <a:ext uri="{FF2B5EF4-FFF2-40B4-BE49-F238E27FC236}">
-                <a16:creationId xmlns:a16="http://schemas.microsoft.com/office/drawing/2014/main" id="{7C28BA06-AAE6-D767-8A05-BA8020A1774D}"/>
-              </a:ext>
-            </a:extLst>
-          </p:cNvPr>
-          <p:cNvGrpSpPr/>
-          <p:nvPr/>
-        </p:nvGrpSpPr>
-        <p:grpSpPr>
-          <a:xfrm>
-            <a:off x="0" y="7914"/>
-            <a:ext cx="12515105" cy="7107353"/>
-            <a:chOff x="0" y="7914"/>
-            <a:chExt cx="12515105" cy="7107353"/>
-          </a:xfrm>
-        </p:grpSpPr>
-        <p:sp>
-          <p:nvSpPr>
-            <p:cNvPr id="29" name="Rectángulo: esquinas diagonales redondeadas 28">
-              <a:extLst>
-                <a:ext uri="{FF2B5EF4-FFF2-40B4-BE49-F238E27FC236}">
-                  <a16:creationId xmlns:a16="http://schemas.microsoft.com/office/drawing/2014/main" id="{334138AE-EA0B-4EA0-8E34-A77C79CC7568}"/>
-                </a:ext>
-              </a:extLst>
-            </p:cNvPr>
-            <p:cNvSpPr/>
-            <p:nvPr/>
-          </p:nvSpPr>
-          <p:spPr>
-            <a:xfrm>
-              <a:off x="0" y="6643269"/>
-              <a:ext cx="1699346" cy="214731"/>
-            </a:xfrm>
-            <a:prstGeom prst="round2DiagRect">
-              <a:avLst>
-                <a:gd name="adj1" fmla="val 50000"/>
-                <a:gd name="adj2" fmla="val 0"/>
-              </a:avLst>
-            </a:prstGeom>
-            <a:noFill/>
-            <a:ln>
-              <a:noFill/>
-            </a:ln>
-          </p:spPr>
-          <p:style>
-            <a:lnRef idx="2">
-              <a:schemeClr val="accent1">
-                <a:shade val="50000"/>
-              </a:schemeClr>
-            </a:lnRef>
-            <a:fillRef idx="1">
-              <a:schemeClr val="accent1"/>
-            </a:fillRef>
-            <a:effectRef idx="0">
-              <a:schemeClr val="accent1"/>
-            </a:effectRef>
-            <a:fontRef idx="minor">
-              <a:schemeClr val="lt1"/>
-            </a:fontRef>
-          </p:style>
-          <p:txBody>
-            <a:bodyPr rtlCol="0" anchor="ctr"/>
-            <a:lstStyle/>
-            <a:p>
-              <a:r>
-                <a:rPr lang="es-ES" sz="1200" dirty="0">
-                  <a:solidFill>
-                    <a:schemeClr val="tx1">
-                      <a:lumMod val="65000"/>
-                      <a:lumOff val="35000"/>
-                    </a:schemeClr>
-                  </a:solidFill>
-                  <a:latin typeface="Adobe Devanagari" panose="02040503050201020203" pitchFamily="18" charset="0"/>
-                  <a:cs typeface="Adobe Devanagari" panose="02040503050201020203" pitchFamily="18" charset="0"/>
-                </a:rPr>
-                <a:t>Introducción</a:t>
-              </a:r>
-              <a:endParaRPr lang="es-CO" sz="1200" dirty="0">
-                <a:solidFill>
-                  <a:schemeClr val="tx1">
-                    <a:lumMod val="65000"/>
-                    <a:lumOff val="35000"/>
-                  </a:schemeClr>
-                </a:solidFill>
-                <a:latin typeface="Adobe Devanagari" panose="02040503050201020203" pitchFamily="18" charset="0"/>
-                <a:cs typeface="Adobe Devanagari" panose="02040503050201020203" pitchFamily="18" charset="0"/>
-              </a:endParaRPr>
-            </a:p>
-          </p:txBody>
-        </p:sp>
-        <p:pic>
-          <p:nvPicPr>
-            <p:cNvPr id="14" name="Picture 12" descr="See the source image">
-              <a:extLst>
-                <a:ext uri="{FF2B5EF4-FFF2-40B4-BE49-F238E27FC236}">
-                  <a16:creationId xmlns:a16="http://schemas.microsoft.com/office/drawing/2014/main" id="{572CB045-321C-8E49-542A-7B8765BAC870}"/>
-                </a:ext>
-              </a:extLst>
-            </p:cNvPr>
-            <p:cNvPicPr>
-              <a:picLocks noChangeAspect="1" noChangeArrowheads="1"/>
-            </p:cNvPicPr>
-            <p:nvPr/>
-          </p:nvPicPr>
-          <p:blipFill>
-            <a:blip r:embed="rId3">
-              <a:duotone>
-                <a:schemeClr val="accent4">
-                  <a:shade val="45000"/>
-                  <a:satMod val="135000"/>
-                </a:schemeClr>
-                <a:prstClr val="white"/>
-              </a:duotone>
-              <a:extLst>
-                <a:ext uri="{BEBA8EAE-BF5A-486C-A8C5-ECC9F3942E4B}">
-                  <a14:imgProps xmlns:a14="http://schemas.microsoft.com/office/drawing/2010/main">
-                    <a14:imgLayer r:embed="rId4">
-                      <a14:imgEffect>
-                        <a14:backgroundRemoval t="9920" b="95291" l="10000" r="90000">
-                          <a14:foregroundMark x1="64000" y1="91082" x2="55250" y2="93687"/>
-                          <a14:foregroundMark x1="55250" y1="93687" x2="46125" y2="91483"/>
-                          <a14:foregroundMark x1="46125" y1="91483" x2="45125" y2="91483"/>
-                          <a14:foregroundMark x1="57625" y1="94990" x2="52125" y2="95291"/>
-                        </a14:backgroundRemoval>
-                      </a14:imgEffect>
-                    </a14:imgLayer>
-                  </a14:imgProps>
-                </a:ext>
-                <a:ext uri="{28A0092B-C50C-407E-A947-70E740481C1C}">
-                  <a14:useLocalDpi xmlns:a14="http://schemas.microsoft.com/office/drawing/2010/main" val="0"/>
-                </a:ext>
-              </a:extLst>
-            </a:blip>
-            <a:srcRect/>
-            <a:stretch>
-              <a:fillRect/>
-            </a:stretch>
-          </p:blipFill>
-          <p:spPr bwMode="auto">
-            <a:xfrm flipV="1">
-              <a:off x="10374409" y="4444806"/>
-              <a:ext cx="2140696" cy="2670461"/>
-            </a:xfrm>
-            <a:prstGeom prst="rect">
-              <a:avLst/>
-            </a:prstGeom>
-            <a:noFill/>
-            <a:extLst>
-              <a:ext uri="{909E8E84-426E-40DD-AFC4-6F175D3DCCD1}">
-                <a14:hiddenFill xmlns:a14="http://schemas.microsoft.com/office/drawing/2010/main">
-                  <a:solidFill>
-                    <a:srgbClr val="FFFFFF"/>
-                  </a:solidFill>
-                </a14:hiddenFill>
-              </a:ext>
-            </a:extLst>
-          </p:spPr>
-        </p:pic>
-        <p:grpSp>
-          <p:nvGrpSpPr>
-            <p:cNvPr id="16" name="Grupo 15">
-              <a:extLst>
-                <a:ext uri="{FF2B5EF4-FFF2-40B4-BE49-F238E27FC236}">
-                  <a16:creationId xmlns:a16="http://schemas.microsoft.com/office/drawing/2014/main" id="{3733B50A-13DF-E650-BE25-3A9EBED48B50}"/>
-                </a:ext>
-              </a:extLst>
-            </p:cNvPr>
-            <p:cNvGrpSpPr/>
-            <p:nvPr/>
-          </p:nvGrpSpPr>
-          <p:grpSpPr>
-            <a:xfrm>
-              <a:off x="11356240" y="7914"/>
-              <a:ext cx="835760" cy="349755"/>
-              <a:chOff x="0" y="6350"/>
-              <a:chExt cx="671158" cy="280621"/>
-            </a:xfrm>
-          </p:grpSpPr>
-          <p:sp>
-            <p:nvSpPr>
-              <p:cNvPr id="17" name="Rectángulo: una sola esquina redondeada 16">
-                <a:extLst>
-                  <a:ext uri="{FF2B5EF4-FFF2-40B4-BE49-F238E27FC236}">
-                    <a16:creationId xmlns:a16="http://schemas.microsoft.com/office/drawing/2014/main" id="{601E0294-C923-2559-FEB2-7D5555095840}"/>
-                  </a:ext>
-                </a:extLst>
-              </p:cNvPr>
-              <p:cNvSpPr/>
-              <p:nvPr/>
-            </p:nvSpPr>
-            <p:spPr>
-              <a:xfrm flipH="1" flipV="1">
-                <a:off x="0" y="6350"/>
-                <a:ext cx="671158" cy="274848"/>
-              </a:xfrm>
-              <a:prstGeom prst="round1Rect">
-                <a:avLst>
-                  <a:gd name="adj" fmla="val 50000"/>
-                </a:avLst>
-              </a:prstGeom>
-              <a:solidFill>
-                <a:schemeClr val="tx1">
-                  <a:lumMod val="75000"/>
-                  <a:lumOff val="25000"/>
-                </a:schemeClr>
-              </a:solidFill>
-              <a:ln>
-                <a:solidFill>
-                  <a:schemeClr val="tx1">
-                    <a:lumMod val="75000"/>
-                    <a:lumOff val="25000"/>
-                  </a:schemeClr>
-                </a:solidFill>
-              </a:ln>
-            </p:spPr>
-            <p:style>
-              <a:lnRef idx="2">
-                <a:schemeClr val="accent1">
-                  <a:shade val="50000"/>
-                </a:schemeClr>
-              </a:lnRef>
-              <a:fillRef idx="1">
-                <a:schemeClr val="accent1"/>
-              </a:fillRef>
-              <a:effectRef idx="0">
-                <a:schemeClr val="accent1"/>
-              </a:effectRef>
-              <a:fontRef idx="minor">
-                <a:schemeClr val="lt1"/>
-              </a:fontRef>
-            </p:style>
-            <p:txBody>
-              <a:bodyPr rot="0" spcFirstLastPara="0" vert="horz" wrap="square" lIns="91440" tIns="45720" rIns="91440" bIns="45720" numCol="1" spcCol="0" rtlCol="0" fromWordArt="0" anchor="ctr" anchorCtr="0" forceAA="0" compatLnSpc="1">
-                <a:prstTxWarp prst="textNoShape">
-                  <a:avLst/>
-                </a:prstTxWarp>
-                <a:noAutofit/>
-              </a:bodyPr>
-              <a:lstStyle/>
-              <a:p>
-                <a:pPr marL="0" marR="0" algn="ctr">
-                  <a:spcBef>
-                    <a:spcPts val="0"/>
-                  </a:spcBef>
-                  <a:spcAft>
-                    <a:spcPts val="0"/>
-                  </a:spcAft>
-                </a:pPr>
-                <a:r>
-                  <a:rPr lang="es-CO" sz="1500">
-                    <a:effectLst/>
-                    <a:latin typeface="Segoe UI Light" panose="020B0502040204020203" pitchFamily="34" charset="0"/>
-                    <a:ea typeface="Times New Roman" panose="02020603050405020304" pitchFamily="18" charset="0"/>
-                    <a:cs typeface="Times New Roman" panose="02020603050405020304" pitchFamily="18" charset="0"/>
-                  </a:rPr>
-                  <a:t> </a:t>
-                </a:r>
-                <a:endParaRPr lang="en-US" sz="1500">
-                  <a:effectLst/>
-                  <a:latin typeface="Segoe UI Light" panose="020B0502040204020203" pitchFamily="34" charset="0"/>
-                  <a:ea typeface="Times New Roman" panose="02020603050405020304" pitchFamily="18" charset="0"/>
-                  <a:cs typeface="Times New Roman" panose="02020603050405020304" pitchFamily="18" charset="0"/>
-                </a:endParaRPr>
-              </a:p>
-            </p:txBody>
-          </p:sp>
-          <p:sp>
-            <p:nvSpPr>
-              <p:cNvPr id="18" name="Cuadro de texto 2">
-                <a:extLst>
-                  <a:ext uri="{FF2B5EF4-FFF2-40B4-BE49-F238E27FC236}">
-                    <a16:creationId xmlns:a16="http://schemas.microsoft.com/office/drawing/2014/main" id="{42FCC331-2BC3-EFFB-9798-7C5D49346BED}"/>
-                  </a:ext>
-                </a:extLst>
-              </p:cNvPr>
-              <p:cNvSpPr txBox="1">
-                <a:spLocks noChangeArrowheads="1"/>
-              </p:cNvSpPr>
-              <p:nvPr/>
-            </p:nvSpPr>
-            <p:spPr bwMode="auto">
-              <a:xfrm>
-                <a:off x="43296" y="27684"/>
-                <a:ext cx="577850" cy="259287"/>
-              </a:xfrm>
-              <a:prstGeom prst="rect">
-                <a:avLst/>
-              </a:prstGeom>
-              <a:noFill/>
-              <a:ln w="9525">
-                <a:noFill/>
-                <a:miter lim="800000"/>
-                <a:headEnd/>
-                <a:tailEnd/>
-              </a:ln>
-            </p:spPr>
-            <p:txBody>
-              <a:bodyPr rot="0" vert="horz" wrap="square" lIns="91440" tIns="45720" rIns="91440" bIns="45720" anchor="t" anchorCtr="0">
-                <a:spAutoFit/>
-              </a:bodyPr>
-              <a:lstStyle/>
-              <a:p>
-                <a:pPr marL="0" marR="0" algn="ctr">
-                  <a:spcBef>
-                    <a:spcPts val="0"/>
-                  </a:spcBef>
-                  <a:spcAft>
-                    <a:spcPts val="0"/>
-                  </a:spcAft>
-                </a:pPr>
-                <a:r>
-                  <a:rPr lang="es-ES" sz="1500" dirty="0">
-                    <a:solidFill>
-                      <a:srgbClr val="FFFFFF"/>
-                    </a:solidFill>
-                    <a:effectLst/>
-                    <a:latin typeface="Adobe Devanagari" panose="02040503050201020203" pitchFamily="18" charset="0"/>
-                    <a:ea typeface="Times New Roman" panose="02020603050405020304" pitchFamily="18" charset="0"/>
-                    <a:cs typeface="Adobe Devanagari" panose="02040503050201020203" pitchFamily="18" charset="0"/>
-                  </a:rPr>
-                  <a:t>HRAS</a:t>
-                </a:r>
-                <a:endParaRPr lang="en-US" sz="1500" dirty="0">
-                  <a:effectLst/>
-                  <a:latin typeface="Adobe Devanagari" panose="02040503050201020203" pitchFamily="18" charset="0"/>
-                  <a:ea typeface="Times New Roman" panose="02020603050405020304" pitchFamily="18" charset="0"/>
-                  <a:cs typeface="Adobe Devanagari" panose="02040503050201020203" pitchFamily="18" charset="0"/>
-                </a:endParaRPr>
-              </a:p>
-            </p:txBody>
-          </p:sp>
-        </p:grpSp>
-      </p:grpSp>
       <p:graphicFrame>
         <p:nvGraphicFramePr>
           <p:cNvPr id="12" name="Diagrama 11">
@@ -17622,7 +16922,7 @@
         </p:xfrm>
         <a:graphic>
           <a:graphicData uri="http://schemas.openxmlformats.org/drawingml/2006/diagram">
-            <dgm:relIds xmlns:dgm="http://schemas.openxmlformats.org/drawingml/2006/diagram" xmlns:r="http://schemas.openxmlformats.org/officeDocument/2006/relationships" r:dm="rId5" r:lo="rId6" r:qs="rId7" r:cs="rId8"/>
+            <dgm:relIds xmlns:dgm="http://schemas.openxmlformats.org/drawingml/2006/diagram" xmlns:r="http://schemas.openxmlformats.org/officeDocument/2006/relationships" r:dm="rId3" r:lo="rId4" r:qs="rId5" r:cs="rId6"/>
           </a:graphicData>
         </a:graphic>
       </p:graphicFrame>
@@ -17641,10 +16941,10 @@
           <p:nvPr/>
         </p:nvPicPr>
         <p:blipFill>
-          <a:blip r:embed="rId10">
+          <a:blip r:embed="rId8">
             <a:extLst>
               <a:ext uri="{96DAC541-7B7A-43D3-8B79-37D633B846F1}">
-                <asvg:svgBlip xmlns:asvg="http://schemas.microsoft.com/office/drawing/2016/SVG/main" r:embed="rId11"/>
+                <asvg:svgBlip xmlns:asvg="http://schemas.microsoft.com/office/drawing/2016/SVG/main" r:embed="rId9"/>
               </a:ext>
             </a:extLst>
           </a:blip>
@@ -17677,10 +16977,10 @@
           <p:nvPr/>
         </p:nvPicPr>
         <p:blipFill>
-          <a:blip r:embed="rId12">
+          <a:blip r:embed="rId10">
             <a:extLst>
               <a:ext uri="{96DAC541-7B7A-43D3-8B79-37D633B846F1}">
-                <asvg:svgBlip xmlns:asvg="http://schemas.microsoft.com/office/drawing/2016/SVG/main" r:embed="rId13"/>
+                <asvg:svgBlip xmlns:asvg="http://schemas.microsoft.com/office/drawing/2016/SVG/main" r:embed="rId11"/>
               </a:ext>
             </a:extLst>
           </a:blip>
@@ -17713,10 +17013,10 @@
           <p:nvPr/>
         </p:nvPicPr>
         <p:blipFill>
-          <a:blip r:embed="rId14">
+          <a:blip r:embed="rId12">
             <a:extLst>
               <a:ext uri="{96DAC541-7B7A-43D3-8B79-37D633B846F1}">
-                <asvg:svgBlip xmlns:asvg="http://schemas.microsoft.com/office/drawing/2016/SVG/main" r:embed="rId15"/>
+                <asvg:svgBlip xmlns:asvg="http://schemas.microsoft.com/office/drawing/2016/SVG/main" r:embed="rId13"/>
               </a:ext>
             </a:extLst>
           </a:blip>
@@ -17749,10 +17049,10 @@
           <p:nvPr/>
         </p:nvPicPr>
         <p:blipFill>
-          <a:blip r:embed="rId16">
+          <a:blip r:embed="rId14">
             <a:extLst>
               <a:ext uri="{96DAC541-7B7A-43D3-8B79-37D633B846F1}">
-                <asvg:svgBlip xmlns:asvg="http://schemas.microsoft.com/office/drawing/2016/SVG/main" r:embed="rId17"/>
+                <asvg:svgBlip xmlns:asvg="http://schemas.microsoft.com/office/drawing/2016/SVG/main" r:embed="rId15"/>
               </a:ext>
             </a:extLst>
           </a:blip>
@@ -17785,10 +17085,10 @@
           <p:nvPr/>
         </p:nvPicPr>
         <p:blipFill>
-          <a:blip r:embed="rId18">
+          <a:blip r:embed="rId16">
             <a:extLst>
               <a:ext uri="{96DAC541-7B7A-43D3-8B79-37D633B846F1}">
-                <asvg:svgBlip xmlns:asvg="http://schemas.microsoft.com/office/drawing/2016/SVG/main" r:embed="rId19"/>
+                <asvg:svgBlip xmlns:asvg="http://schemas.microsoft.com/office/drawing/2016/SVG/main" r:embed="rId17"/>
               </a:ext>
             </a:extLst>
           </a:blip>
@@ -17821,10 +17121,10 @@
           <p:nvPr/>
         </p:nvPicPr>
         <p:blipFill>
-          <a:blip r:embed="rId20">
+          <a:blip r:embed="rId18">
             <a:extLst>
               <a:ext uri="{96DAC541-7B7A-43D3-8B79-37D633B846F1}">
-                <asvg:svgBlip xmlns:asvg="http://schemas.microsoft.com/office/drawing/2016/SVG/main" r:embed="rId21"/>
+                <asvg:svgBlip xmlns:asvg="http://schemas.microsoft.com/office/drawing/2016/SVG/main" r:embed="rId19"/>
               </a:ext>
             </a:extLst>
           </a:blip>
@@ -17842,6 +17142,436 @@
           </a:prstGeom>
         </p:spPr>
       </p:pic>
+      <p:grpSp>
+        <p:nvGrpSpPr>
+          <p:cNvPr id="19" name="Grupo 18">
+            <a:extLst>
+              <a:ext uri="{FF2B5EF4-FFF2-40B4-BE49-F238E27FC236}">
+                <a16:creationId xmlns:a16="http://schemas.microsoft.com/office/drawing/2014/main" id="{5CAB662E-BAE5-178B-5F7E-280685672BBA}"/>
+              </a:ext>
+            </a:extLst>
+          </p:cNvPr>
+          <p:cNvGrpSpPr/>
+          <p:nvPr/>
+        </p:nvGrpSpPr>
+        <p:grpSpPr>
+          <a:xfrm>
+            <a:off x="1" y="0"/>
+            <a:ext cx="12191999" cy="6858001"/>
+            <a:chOff x="1" y="0"/>
+            <a:chExt cx="12191999" cy="6858001"/>
+          </a:xfrm>
+        </p:grpSpPr>
+        <p:grpSp>
+          <p:nvGrpSpPr>
+            <p:cNvPr id="20" name="Grupo 19">
+              <a:extLst>
+                <a:ext uri="{FF2B5EF4-FFF2-40B4-BE49-F238E27FC236}">
+                  <a16:creationId xmlns:a16="http://schemas.microsoft.com/office/drawing/2014/main" id="{BB24C9FF-3E70-85D3-7E4D-6B0E41B696CF}"/>
+                </a:ext>
+              </a:extLst>
+            </p:cNvPr>
+            <p:cNvGrpSpPr/>
+            <p:nvPr/>
+          </p:nvGrpSpPr>
+          <p:grpSpPr>
+            <a:xfrm>
+              <a:off x="9789459" y="0"/>
+              <a:ext cx="2402541" cy="6858000"/>
+              <a:chOff x="9789459" y="7914"/>
+              <a:chExt cx="2402541" cy="6858000"/>
+            </a:xfrm>
+          </p:grpSpPr>
+          <p:sp>
+            <p:nvSpPr>
+              <p:cNvPr id="26" name="Rectángulo: esquinas diagonales redondeadas 25">
+                <a:extLst>
+                  <a:ext uri="{FF2B5EF4-FFF2-40B4-BE49-F238E27FC236}">
+                    <a16:creationId xmlns:a16="http://schemas.microsoft.com/office/drawing/2014/main" id="{379E5FA7-D28A-EA94-1CDE-FF35544E00E8}"/>
+                  </a:ext>
+                </a:extLst>
+              </p:cNvPr>
+              <p:cNvSpPr/>
+              <p:nvPr/>
+            </p:nvSpPr>
+            <p:spPr>
+              <a:xfrm>
+                <a:off x="9789459" y="6641796"/>
+                <a:ext cx="2402541" cy="224118"/>
+              </a:xfrm>
+              <a:prstGeom prst="round2DiagRect">
+                <a:avLst>
+                  <a:gd name="adj1" fmla="val 50000"/>
+                  <a:gd name="adj2" fmla="val 0"/>
+                </a:avLst>
+              </a:prstGeom>
+              <a:noFill/>
+              <a:ln>
+                <a:noFill/>
+              </a:ln>
+            </p:spPr>
+            <p:style>
+              <a:lnRef idx="2">
+                <a:schemeClr val="accent1">
+                  <a:shade val="50000"/>
+                </a:schemeClr>
+              </a:lnRef>
+              <a:fillRef idx="1">
+                <a:schemeClr val="accent1"/>
+              </a:fillRef>
+              <a:effectRef idx="0">
+                <a:schemeClr val="accent1"/>
+              </a:effectRef>
+              <a:fontRef idx="minor">
+                <a:schemeClr val="lt1"/>
+              </a:fontRef>
+            </p:style>
+            <p:txBody>
+              <a:bodyPr rtlCol="0" anchor="ctr"/>
+              <a:lstStyle/>
+              <a:p>
+                <a:pPr algn="r"/>
+                <a:r>
+                  <a:rPr lang="es-ES" sz="1200" dirty="0">
+                    <a:solidFill>
+                      <a:srgbClr val="990000"/>
+                    </a:solidFill>
+                    <a:latin typeface="Adobe Devanagari" panose="02040503050201020203" pitchFamily="18" charset="0"/>
+                    <a:cs typeface="Adobe Devanagari" panose="02040503050201020203" pitchFamily="18" charset="0"/>
+                  </a:rPr>
+                  <a:t>Introducción</a:t>
+                </a:r>
+                <a:endParaRPr lang="es-CO" sz="1200" dirty="0">
+                  <a:solidFill>
+                    <a:srgbClr val="990000"/>
+                  </a:solidFill>
+                  <a:latin typeface="Adobe Devanagari" panose="02040503050201020203" pitchFamily="18" charset="0"/>
+                  <a:cs typeface="Adobe Devanagari" panose="02040503050201020203" pitchFamily="18" charset="0"/>
+                </a:endParaRPr>
+              </a:p>
+            </p:txBody>
+          </p:sp>
+          <p:grpSp>
+            <p:nvGrpSpPr>
+              <p:cNvPr id="27" name="Grupo 26">
+                <a:extLst>
+                  <a:ext uri="{FF2B5EF4-FFF2-40B4-BE49-F238E27FC236}">
+                    <a16:creationId xmlns:a16="http://schemas.microsoft.com/office/drawing/2014/main" id="{FD6779E5-8E67-DABF-53A8-24712AC18E12}"/>
+                  </a:ext>
+                </a:extLst>
+              </p:cNvPr>
+              <p:cNvGrpSpPr/>
+              <p:nvPr/>
+            </p:nvGrpSpPr>
+            <p:grpSpPr>
+              <a:xfrm>
+                <a:off x="11356240" y="7914"/>
+                <a:ext cx="835760" cy="349755"/>
+                <a:chOff x="0" y="6350"/>
+                <a:chExt cx="671158" cy="280621"/>
+              </a:xfrm>
+            </p:grpSpPr>
+            <p:sp>
+              <p:nvSpPr>
+                <p:cNvPr id="28" name="Rectángulo: una sola esquina redondeada 27">
+                  <a:extLst>
+                    <a:ext uri="{FF2B5EF4-FFF2-40B4-BE49-F238E27FC236}">
+                      <a16:creationId xmlns:a16="http://schemas.microsoft.com/office/drawing/2014/main" id="{9ACAF319-2263-EDB6-C3C0-A89305D96CC7}"/>
+                    </a:ext>
+                  </a:extLst>
+                </p:cNvPr>
+                <p:cNvSpPr/>
+                <p:nvPr/>
+              </p:nvSpPr>
+              <p:spPr>
+                <a:xfrm flipH="1" flipV="1">
+                  <a:off x="0" y="6350"/>
+                  <a:ext cx="671158" cy="274848"/>
+                </a:xfrm>
+                <a:prstGeom prst="round1Rect">
+                  <a:avLst>
+                    <a:gd name="adj" fmla="val 50000"/>
+                  </a:avLst>
+                </a:prstGeom>
+                <a:solidFill>
+                  <a:schemeClr val="tx1">
+                    <a:lumMod val="75000"/>
+                    <a:lumOff val="25000"/>
+                  </a:schemeClr>
+                </a:solidFill>
+                <a:ln>
+                  <a:solidFill>
+                    <a:schemeClr val="tx1">
+                      <a:lumMod val="75000"/>
+                      <a:lumOff val="25000"/>
+                    </a:schemeClr>
+                  </a:solidFill>
+                </a:ln>
+              </p:spPr>
+              <p:style>
+                <a:lnRef idx="2">
+                  <a:schemeClr val="accent1">
+                    <a:shade val="50000"/>
+                  </a:schemeClr>
+                </a:lnRef>
+                <a:fillRef idx="1">
+                  <a:schemeClr val="accent1"/>
+                </a:fillRef>
+                <a:effectRef idx="0">
+                  <a:schemeClr val="accent1"/>
+                </a:effectRef>
+                <a:fontRef idx="minor">
+                  <a:schemeClr val="lt1"/>
+                </a:fontRef>
+              </p:style>
+              <p:txBody>
+                <a:bodyPr rot="0" spcFirstLastPara="0" vert="horz" wrap="square" lIns="91440" tIns="45720" rIns="91440" bIns="45720" numCol="1" spcCol="0" rtlCol="0" fromWordArt="0" anchor="ctr" anchorCtr="0" forceAA="0" compatLnSpc="1">
+                  <a:prstTxWarp prst="textNoShape">
+                    <a:avLst/>
+                  </a:prstTxWarp>
+                  <a:noAutofit/>
+                </a:bodyPr>
+                <a:lstStyle/>
+                <a:p>
+                  <a:pPr marL="0" marR="0" algn="ctr">
+                    <a:spcBef>
+                      <a:spcPts val="0"/>
+                    </a:spcBef>
+                    <a:spcAft>
+                      <a:spcPts val="0"/>
+                    </a:spcAft>
+                  </a:pPr>
+                  <a:r>
+                    <a:rPr lang="es-CO" sz="1500">
+                      <a:effectLst/>
+                      <a:latin typeface="Segoe UI Light" panose="020B0502040204020203" pitchFamily="34" charset="0"/>
+                      <a:ea typeface="Times New Roman" panose="02020603050405020304" pitchFamily="18" charset="0"/>
+                      <a:cs typeface="Times New Roman" panose="02020603050405020304" pitchFamily="18" charset="0"/>
+                    </a:rPr>
+                    <a:t> </a:t>
+                  </a:r>
+                  <a:endParaRPr lang="en-US" sz="1500">
+                    <a:effectLst/>
+                    <a:latin typeface="Segoe UI Light" panose="020B0502040204020203" pitchFamily="34" charset="0"/>
+                    <a:ea typeface="Times New Roman" panose="02020603050405020304" pitchFamily="18" charset="0"/>
+                    <a:cs typeface="Times New Roman" panose="02020603050405020304" pitchFamily="18" charset="0"/>
+                  </a:endParaRPr>
+                </a:p>
+              </p:txBody>
+            </p:sp>
+            <p:sp>
+              <p:nvSpPr>
+                <p:cNvPr id="30" name="Cuadro de texto 2">
+                  <a:extLst>
+                    <a:ext uri="{FF2B5EF4-FFF2-40B4-BE49-F238E27FC236}">
+                      <a16:creationId xmlns:a16="http://schemas.microsoft.com/office/drawing/2014/main" id="{DAA7B186-C8D4-83B4-AB2E-F215A24D30FE}"/>
+                    </a:ext>
+                  </a:extLst>
+                </p:cNvPr>
+                <p:cNvSpPr txBox="1">
+                  <a:spLocks noChangeArrowheads="1"/>
+                </p:cNvSpPr>
+                <p:nvPr/>
+              </p:nvSpPr>
+              <p:spPr bwMode="auto">
+                <a:xfrm>
+                  <a:off x="43296" y="27684"/>
+                  <a:ext cx="577850" cy="259287"/>
+                </a:xfrm>
+                <a:prstGeom prst="rect">
+                  <a:avLst/>
+                </a:prstGeom>
+                <a:noFill/>
+                <a:ln w="9525">
+                  <a:noFill/>
+                  <a:miter lim="800000"/>
+                  <a:headEnd/>
+                  <a:tailEnd/>
+                </a:ln>
+              </p:spPr>
+              <p:txBody>
+                <a:bodyPr rot="0" vert="horz" wrap="square" lIns="91440" tIns="45720" rIns="91440" bIns="45720" anchor="t" anchorCtr="0">
+                  <a:spAutoFit/>
+                </a:bodyPr>
+                <a:lstStyle/>
+                <a:p>
+                  <a:pPr marL="0" marR="0" algn="ctr">
+                    <a:spcBef>
+                      <a:spcPts val="0"/>
+                    </a:spcBef>
+                    <a:spcAft>
+                      <a:spcPts val="0"/>
+                    </a:spcAft>
+                  </a:pPr>
+                  <a:r>
+                    <a:rPr lang="es-ES" sz="1500" dirty="0">
+                      <a:solidFill>
+                        <a:srgbClr val="FFFFFF"/>
+                      </a:solidFill>
+                      <a:effectLst/>
+                      <a:latin typeface="Adobe Devanagari" panose="02040503050201020203" pitchFamily="18" charset="0"/>
+                      <a:ea typeface="Times New Roman" panose="02020603050405020304" pitchFamily="18" charset="0"/>
+                      <a:cs typeface="Adobe Devanagari" panose="02040503050201020203" pitchFamily="18" charset="0"/>
+                    </a:rPr>
+                    <a:t>HRAS</a:t>
+                  </a:r>
+                  <a:endParaRPr lang="en-US" sz="1500" dirty="0">
+                    <a:effectLst/>
+                    <a:latin typeface="Adobe Devanagari" panose="02040503050201020203" pitchFamily="18" charset="0"/>
+                    <a:ea typeface="Times New Roman" panose="02020603050405020304" pitchFamily="18" charset="0"/>
+                    <a:cs typeface="Adobe Devanagari" panose="02040503050201020203" pitchFamily="18" charset="0"/>
+                  </a:endParaRPr>
+                </a:p>
+              </p:txBody>
+            </p:sp>
+          </p:grpSp>
+        </p:grpSp>
+        <p:grpSp>
+          <p:nvGrpSpPr>
+            <p:cNvPr id="22" name="Grupo 21">
+              <a:extLst>
+                <a:ext uri="{FF2B5EF4-FFF2-40B4-BE49-F238E27FC236}">
+                  <a16:creationId xmlns:a16="http://schemas.microsoft.com/office/drawing/2014/main" id="{8D6F0DB8-D167-11C1-B1DB-5F7FF779A0E9}"/>
+                </a:ext>
+              </a:extLst>
+            </p:cNvPr>
+            <p:cNvGrpSpPr/>
+            <p:nvPr/>
+          </p:nvGrpSpPr>
+          <p:grpSpPr>
+            <a:xfrm>
+              <a:off x="1" y="0"/>
+              <a:ext cx="320040" cy="6858001"/>
+              <a:chOff x="1" y="0"/>
+              <a:chExt cx="320040" cy="6858001"/>
+            </a:xfrm>
+          </p:grpSpPr>
+          <p:sp>
+            <p:nvSpPr>
+              <p:cNvPr id="24" name="Rectángulo 23">
+                <a:extLst>
+                  <a:ext uri="{FF2B5EF4-FFF2-40B4-BE49-F238E27FC236}">
+                    <a16:creationId xmlns:a16="http://schemas.microsoft.com/office/drawing/2014/main" id="{1C481E34-881B-E72A-C6FD-9FE8836E0F1F}"/>
+                  </a:ext>
+                </a:extLst>
+              </p:cNvPr>
+              <p:cNvSpPr/>
+              <p:nvPr/>
+            </p:nvSpPr>
+            <p:spPr>
+              <a:xfrm>
+                <a:off x="1" y="1"/>
+                <a:ext cx="320040" cy="6858000"/>
+              </a:xfrm>
+              <a:prstGeom prst="rect">
+                <a:avLst/>
+              </a:prstGeom>
+              <a:solidFill>
+                <a:srgbClr val="990000"/>
+              </a:solidFill>
+              <a:ln>
+                <a:solidFill>
+                  <a:srgbClr val="990000"/>
+                </a:solidFill>
+              </a:ln>
+              <a:effectLst/>
+            </p:spPr>
+            <p:style>
+              <a:lnRef idx="2">
+                <a:schemeClr val="accent1">
+                  <a:shade val="50000"/>
+                </a:schemeClr>
+              </a:lnRef>
+              <a:fillRef idx="1">
+                <a:schemeClr val="accent1"/>
+              </a:fillRef>
+              <a:effectRef idx="0">
+                <a:schemeClr val="accent1"/>
+              </a:effectRef>
+              <a:fontRef idx="minor">
+                <a:schemeClr val="lt1"/>
+              </a:fontRef>
+            </p:style>
+            <p:txBody>
+              <a:bodyPr rtlCol="0" anchor="ctr"/>
+              <a:lstStyle/>
+              <a:p>
+                <a:pPr algn="ctr"/>
+                <a:endParaRPr lang="en-US" dirty="0"/>
+              </a:p>
+            </p:txBody>
+          </p:sp>
+          <p:sp>
+            <p:nvSpPr>
+              <p:cNvPr id="25" name="Rectángulo: esquinas diagonales redondeadas 24">
+                <a:extLst>
+                  <a:ext uri="{FF2B5EF4-FFF2-40B4-BE49-F238E27FC236}">
+                    <a16:creationId xmlns:a16="http://schemas.microsoft.com/office/drawing/2014/main" id="{B83CFB76-8070-4904-9465-2EDFA4824E48}"/>
+                  </a:ext>
+                </a:extLst>
+              </p:cNvPr>
+              <p:cNvSpPr/>
+              <p:nvPr/>
+            </p:nvSpPr>
+            <p:spPr>
+              <a:xfrm rot="16200000">
+                <a:off x="-3185312" y="3251862"/>
+                <a:ext cx="6724044" cy="220320"/>
+              </a:xfrm>
+              <a:prstGeom prst="round2DiagRect">
+                <a:avLst>
+                  <a:gd name="adj1" fmla="val 50000"/>
+                  <a:gd name="adj2" fmla="val 0"/>
+                </a:avLst>
+              </a:prstGeom>
+              <a:noFill/>
+              <a:ln>
+                <a:noFill/>
+              </a:ln>
+            </p:spPr>
+            <p:style>
+              <a:lnRef idx="2">
+                <a:schemeClr val="accent1">
+                  <a:shade val="50000"/>
+                </a:schemeClr>
+              </a:lnRef>
+              <a:fillRef idx="1">
+                <a:schemeClr val="accent1"/>
+              </a:fillRef>
+              <a:effectRef idx="0">
+                <a:schemeClr val="accent1"/>
+              </a:effectRef>
+              <a:fontRef idx="minor">
+                <a:schemeClr val="lt1"/>
+              </a:fontRef>
+            </p:style>
+            <p:txBody>
+              <a:bodyPr rtlCol="0" anchor="ctr"/>
+              <a:lstStyle/>
+              <a:p>
+                <a:pPr algn="ctr"/>
+                <a:r>
+                  <a:rPr lang="es-ES" sz="1200" dirty="0">
+                    <a:solidFill>
+                      <a:schemeClr val="bg1"/>
+                    </a:solidFill>
+                    <a:latin typeface="Adobe Devanagari" panose="02040503050201020203" pitchFamily="18" charset="0"/>
+                    <a:cs typeface="Adobe Devanagari" panose="02040503050201020203" pitchFamily="18" charset="0"/>
+                  </a:rPr>
+                  <a:t>Ingeniería Civil – Centro de Estudios Hidráulicos – Modelación Hidráulica de Canales en HEC-RAS </a:t>
+                </a:r>
+                <a:endParaRPr lang="es-CO" sz="1200" dirty="0">
+                  <a:solidFill>
+                    <a:schemeClr val="bg1"/>
+                  </a:solidFill>
+                  <a:latin typeface="Adobe Devanagari" panose="02040503050201020203" pitchFamily="18" charset="0"/>
+                  <a:cs typeface="Adobe Devanagari" panose="02040503050201020203" pitchFamily="18" charset="0"/>
+                </a:endParaRPr>
+              </a:p>
+            </p:txBody>
+          </p:sp>
+        </p:grpSp>
+      </p:grpSp>
     </p:spTree>
     <p:extLst>
       <p:ext uri="{BB962C8B-B14F-4D97-AF65-F5344CB8AC3E}">
@@ -17852,13 +17582,13 @@
   <p:clrMapOvr>
     <a:masterClrMapping/>
   </p:clrMapOvr>
-  <mc:AlternateContent xmlns:mc="http://schemas.openxmlformats.org/markup-compatibility/2006">
-    <mc:Choice xmlns:p14="http://schemas.microsoft.com/office/powerpoint/2010/main" Requires="p14">
+  <mc:AlternateContent xmlns:mc="http://schemas.openxmlformats.org/markup-compatibility/2006" xmlns:p14="http://schemas.microsoft.com/office/powerpoint/2010/main">
+    <mc:Choice Requires="p14">
       <p:transition spd="med" p14:dur="700">
         <p:fade/>
       </p:transition>
     </mc:Choice>
-    <mc:Fallback>
+    <mc:Fallback xmlns="">
       <p:transition spd="med">
         <p:fade/>
       </p:transition>
@@ -17917,343 +17647,6 @@
           </a:p>
         </p:txBody>
       </p:sp>
-      <p:grpSp>
-        <p:nvGrpSpPr>
-          <p:cNvPr id="4" name="Grupo 3">
-            <a:extLst>
-              <a:ext uri="{FF2B5EF4-FFF2-40B4-BE49-F238E27FC236}">
-                <a16:creationId xmlns:a16="http://schemas.microsoft.com/office/drawing/2014/main" id="{7C28BA06-AAE6-D767-8A05-BA8020A1774D}"/>
-              </a:ext>
-            </a:extLst>
-          </p:cNvPr>
-          <p:cNvGrpSpPr/>
-          <p:nvPr/>
-        </p:nvGrpSpPr>
-        <p:grpSpPr>
-          <a:xfrm>
-            <a:off x="0" y="7914"/>
-            <a:ext cx="12515105" cy="7107353"/>
-            <a:chOff x="0" y="7914"/>
-            <a:chExt cx="12515105" cy="7107353"/>
-          </a:xfrm>
-        </p:grpSpPr>
-        <p:sp>
-          <p:nvSpPr>
-            <p:cNvPr id="29" name="Rectángulo: esquinas diagonales redondeadas 28">
-              <a:extLst>
-                <a:ext uri="{FF2B5EF4-FFF2-40B4-BE49-F238E27FC236}">
-                  <a16:creationId xmlns:a16="http://schemas.microsoft.com/office/drawing/2014/main" id="{334138AE-EA0B-4EA0-8E34-A77C79CC7568}"/>
-                </a:ext>
-              </a:extLst>
-            </p:cNvPr>
-            <p:cNvSpPr/>
-            <p:nvPr/>
-          </p:nvSpPr>
-          <p:spPr>
-            <a:xfrm>
-              <a:off x="0" y="6643269"/>
-              <a:ext cx="1699346" cy="214731"/>
-            </a:xfrm>
-            <a:prstGeom prst="round2DiagRect">
-              <a:avLst>
-                <a:gd name="adj1" fmla="val 50000"/>
-                <a:gd name="adj2" fmla="val 0"/>
-              </a:avLst>
-            </a:prstGeom>
-            <a:noFill/>
-            <a:ln>
-              <a:noFill/>
-            </a:ln>
-          </p:spPr>
-          <p:style>
-            <a:lnRef idx="2">
-              <a:schemeClr val="accent1">
-                <a:shade val="50000"/>
-              </a:schemeClr>
-            </a:lnRef>
-            <a:fillRef idx="1">
-              <a:schemeClr val="accent1"/>
-            </a:fillRef>
-            <a:effectRef idx="0">
-              <a:schemeClr val="accent1"/>
-            </a:effectRef>
-            <a:fontRef idx="minor">
-              <a:schemeClr val="lt1"/>
-            </a:fontRef>
-          </p:style>
-          <p:txBody>
-            <a:bodyPr rtlCol="0" anchor="ctr"/>
-            <a:lstStyle/>
-            <a:p>
-              <a:r>
-                <a:rPr lang="es-ES" sz="1200" dirty="0">
-                  <a:solidFill>
-                    <a:schemeClr val="tx1">
-                      <a:lumMod val="65000"/>
-                      <a:lumOff val="35000"/>
-                    </a:schemeClr>
-                  </a:solidFill>
-                  <a:latin typeface="Adobe Devanagari" panose="02040503050201020203" pitchFamily="18" charset="0"/>
-                  <a:cs typeface="Adobe Devanagari" panose="02040503050201020203" pitchFamily="18" charset="0"/>
-                </a:rPr>
-                <a:t>Introducción</a:t>
-              </a:r>
-              <a:endParaRPr lang="es-CO" sz="1200" dirty="0">
-                <a:solidFill>
-                  <a:schemeClr val="tx1">
-                    <a:lumMod val="65000"/>
-                    <a:lumOff val="35000"/>
-                  </a:schemeClr>
-                </a:solidFill>
-                <a:latin typeface="Adobe Devanagari" panose="02040503050201020203" pitchFamily="18" charset="0"/>
-                <a:cs typeface="Adobe Devanagari" panose="02040503050201020203" pitchFamily="18" charset="0"/>
-              </a:endParaRPr>
-            </a:p>
-          </p:txBody>
-        </p:sp>
-        <p:pic>
-          <p:nvPicPr>
-            <p:cNvPr id="14" name="Picture 12" descr="See the source image">
-              <a:extLst>
-                <a:ext uri="{FF2B5EF4-FFF2-40B4-BE49-F238E27FC236}">
-                  <a16:creationId xmlns:a16="http://schemas.microsoft.com/office/drawing/2014/main" id="{572CB045-321C-8E49-542A-7B8765BAC870}"/>
-                </a:ext>
-              </a:extLst>
-            </p:cNvPr>
-            <p:cNvPicPr>
-              <a:picLocks noChangeAspect="1" noChangeArrowheads="1"/>
-            </p:cNvPicPr>
-            <p:nvPr/>
-          </p:nvPicPr>
-          <p:blipFill>
-            <a:blip r:embed="rId3">
-              <a:duotone>
-                <a:schemeClr val="accent4">
-                  <a:shade val="45000"/>
-                  <a:satMod val="135000"/>
-                </a:schemeClr>
-                <a:prstClr val="white"/>
-              </a:duotone>
-              <a:extLst>
-                <a:ext uri="{BEBA8EAE-BF5A-486C-A8C5-ECC9F3942E4B}">
-                  <a14:imgProps xmlns:a14="http://schemas.microsoft.com/office/drawing/2010/main">
-                    <a14:imgLayer r:embed="rId4">
-                      <a14:imgEffect>
-                        <a14:backgroundRemoval t="9920" b="95291" l="10000" r="90000">
-                          <a14:foregroundMark x1="64000" y1="91082" x2="55250" y2="93687"/>
-                          <a14:foregroundMark x1="55250" y1="93687" x2="46125" y2="91483"/>
-                          <a14:foregroundMark x1="46125" y1="91483" x2="45125" y2="91483"/>
-                          <a14:foregroundMark x1="57625" y1="94990" x2="52125" y2="95291"/>
-                        </a14:backgroundRemoval>
-                      </a14:imgEffect>
-                    </a14:imgLayer>
-                  </a14:imgProps>
-                </a:ext>
-                <a:ext uri="{28A0092B-C50C-407E-A947-70E740481C1C}">
-                  <a14:useLocalDpi xmlns:a14="http://schemas.microsoft.com/office/drawing/2010/main" val="0"/>
-                </a:ext>
-              </a:extLst>
-            </a:blip>
-            <a:srcRect/>
-            <a:stretch>
-              <a:fillRect/>
-            </a:stretch>
-          </p:blipFill>
-          <p:spPr bwMode="auto">
-            <a:xfrm flipV="1">
-              <a:off x="10374409" y="4444806"/>
-              <a:ext cx="2140696" cy="2670461"/>
-            </a:xfrm>
-            <a:prstGeom prst="rect">
-              <a:avLst/>
-            </a:prstGeom>
-            <a:noFill/>
-            <a:extLst>
-              <a:ext uri="{909E8E84-426E-40DD-AFC4-6F175D3DCCD1}">
-                <a14:hiddenFill xmlns:a14="http://schemas.microsoft.com/office/drawing/2010/main">
-                  <a:solidFill>
-                    <a:srgbClr val="FFFFFF"/>
-                  </a:solidFill>
-                </a14:hiddenFill>
-              </a:ext>
-            </a:extLst>
-          </p:spPr>
-        </p:pic>
-        <p:grpSp>
-          <p:nvGrpSpPr>
-            <p:cNvPr id="16" name="Grupo 15">
-              <a:extLst>
-                <a:ext uri="{FF2B5EF4-FFF2-40B4-BE49-F238E27FC236}">
-                  <a16:creationId xmlns:a16="http://schemas.microsoft.com/office/drawing/2014/main" id="{3733B50A-13DF-E650-BE25-3A9EBED48B50}"/>
-                </a:ext>
-              </a:extLst>
-            </p:cNvPr>
-            <p:cNvGrpSpPr/>
-            <p:nvPr/>
-          </p:nvGrpSpPr>
-          <p:grpSpPr>
-            <a:xfrm>
-              <a:off x="11356240" y="7914"/>
-              <a:ext cx="835760" cy="349755"/>
-              <a:chOff x="0" y="6350"/>
-              <a:chExt cx="671158" cy="280621"/>
-            </a:xfrm>
-          </p:grpSpPr>
-          <p:sp>
-            <p:nvSpPr>
-              <p:cNvPr id="17" name="Rectángulo: una sola esquina redondeada 16">
-                <a:extLst>
-                  <a:ext uri="{FF2B5EF4-FFF2-40B4-BE49-F238E27FC236}">
-                    <a16:creationId xmlns:a16="http://schemas.microsoft.com/office/drawing/2014/main" id="{601E0294-C923-2559-FEB2-7D5555095840}"/>
-                  </a:ext>
-                </a:extLst>
-              </p:cNvPr>
-              <p:cNvSpPr/>
-              <p:nvPr/>
-            </p:nvSpPr>
-            <p:spPr>
-              <a:xfrm flipH="1" flipV="1">
-                <a:off x="0" y="6350"/>
-                <a:ext cx="671158" cy="274848"/>
-              </a:xfrm>
-              <a:prstGeom prst="round1Rect">
-                <a:avLst>
-                  <a:gd name="adj" fmla="val 50000"/>
-                </a:avLst>
-              </a:prstGeom>
-              <a:solidFill>
-                <a:schemeClr val="tx1">
-                  <a:lumMod val="75000"/>
-                  <a:lumOff val="25000"/>
-                </a:schemeClr>
-              </a:solidFill>
-              <a:ln>
-                <a:solidFill>
-                  <a:schemeClr val="tx1">
-                    <a:lumMod val="75000"/>
-                    <a:lumOff val="25000"/>
-                  </a:schemeClr>
-                </a:solidFill>
-              </a:ln>
-            </p:spPr>
-            <p:style>
-              <a:lnRef idx="2">
-                <a:schemeClr val="accent1">
-                  <a:shade val="50000"/>
-                </a:schemeClr>
-              </a:lnRef>
-              <a:fillRef idx="1">
-                <a:schemeClr val="accent1"/>
-              </a:fillRef>
-              <a:effectRef idx="0">
-                <a:schemeClr val="accent1"/>
-              </a:effectRef>
-              <a:fontRef idx="minor">
-                <a:schemeClr val="lt1"/>
-              </a:fontRef>
-            </p:style>
-            <p:txBody>
-              <a:bodyPr rot="0" spcFirstLastPara="0" vert="horz" wrap="square" lIns="91440" tIns="45720" rIns="91440" bIns="45720" numCol="1" spcCol="0" rtlCol="0" fromWordArt="0" anchor="ctr" anchorCtr="0" forceAA="0" compatLnSpc="1">
-                <a:prstTxWarp prst="textNoShape">
-                  <a:avLst/>
-                </a:prstTxWarp>
-                <a:noAutofit/>
-              </a:bodyPr>
-              <a:lstStyle/>
-              <a:p>
-                <a:pPr marL="0" marR="0" algn="ctr">
-                  <a:spcBef>
-                    <a:spcPts val="0"/>
-                  </a:spcBef>
-                  <a:spcAft>
-                    <a:spcPts val="0"/>
-                  </a:spcAft>
-                </a:pPr>
-                <a:r>
-                  <a:rPr lang="es-CO" sz="1500">
-                    <a:effectLst/>
-                    <a:latin typeface="Segoe UI Light" panose="020B0502040204020203" pitchFamily="34" charset="0"/>
-                    <a:ea typeface="Times New Roman" panose="02020603050405020304" pitchFamily="18" charset="0"/>
-                    <a:cs typeface="Times New Roman" panose="02020603050405020304" pitchFamily="18" charset="0"/>
-                  </a:rPr>
-                  <a:t> </a:t>
-                </a:r>
-                <a:endParaRPr lang="en-US" sz="1500">
-                  <a:effectLst/>
-                  <a:latin typeface="Segoe UI Light" panose="020B0502040204020203" pitchFamily="34" charset="0"/>
-                  <a:ea typeface="Times New Roman" panose="02020603050405020304" pitchFamily="18" charset="0"/>
-                  <a:cs typeface="Times New Roman" panose="02020603050405020304" pitchFamily="18" charset="0"/>
-                </a:endParaRPr>
-              </a:p>
-            </p:txBody>
-          </p:sp>
-          <p:sp>
-            <p:nvSpPr>
-              <p:cNvPr id="18" name="Cuadro de texto 2">
-                <a:extLst>
-                  <a:ext uri="{FF2B5EF4-FFF2-40B4-BE49-F238E27FC236}">
-                    <a16:creationId xmlns:a16="http://schemas.microsoft.com/office/drawing/2014/main" id="{42FCC331-2BC3-EFFB-9798-7C5D49346BED}"/>
-                  </a:ext>
-                </a:extLst>
-              </p:cNvPr>
-              <p:cNvSpPr txBox="1">
-                <a:spLocks noChangeArrowheads="1"/>
-              </p:cNvSpPr>
-              <p:nvPr/>
-            </p:nvSpPr>
-            <p:spPr bwMode="auto">
-              <a:xfrm>
-                <a:off x="43296" y="27684"/>
-                <a:ext cx="577850" cy="259287"/>
-              </a:xfrm>
-              <a:prstGeom prst="rect">
-                <a:avLst/>
-              </a:prstGeom>
-              <a:noFill/>
-              <a:ln w="9525">
-                <a:noFill/>
-                <a:miter lim="800000"/>
-                <a:headEnd/>
-                <a:tailEnd/>
-              </a:ln>
-            </p:spPr>
-            <p:txBody>
-              <a:bodyPr rot="0" vert="horz" wrap="square" lIns="91440" tIns="45720" rIns="91440" bIns="45720" anchor="t" anchorCtr="0">
-                <a:spAutoFit/>
-              </a:bodyPr>
-              <a:lstStyle/>
-              <a:p>
-                <a:pPr marL="0" marR="0" algn="ctr">
-                  <a:spcBef>
-                    <a:spcPts val="0"/>
-                  </a:spcBef>
-                  <a:spcAft>
-                    <a:spcPts val="0"/>
-                  </a:spcAft>
-                </a:pPr>
-                <a:r>
-                  <a:rPr lang="es-ES" sz="1500" dirty="0">
-                    <a:solidFill>
-                      <a:srgbClr val="FFFFFF"/>
-                    </a:solidFill>
-                    <a:effectLst/>
-                    <a:latin typeface="Adobe Devanagari" panose="02040503050201020203" pitchFamily="18" charset="0"/>
-                    <a:ea typeface="Times New Roman" panose="02020603050405020304" pitchFamily="18" charset="0"/>
-                    <a:cs typeface="Adobe Devanagari" panose="02040503050201020203" pitchFamily="18" charset="0"/>
-                  </a:rPr>
-                  <a:t>HRAS</a:t>
-                </a:r>
-                <a:endParaRPr lang="en-US" sz="1500" dirty="0">
-                  <a:effectLst/>
-                  <a:latin typeface="Adobe Devanagari" panose="02040503050201020203" pitchFamily="18" charset="0"/>
-                  <a:ea typeface="Times New Roman" panose="02020603050405020304" pitchFamily="18" charset="0"/>
-                  <a:cs typeface="Adobe Devanagari" panose="02040503050201020203" pitchFamily="18" charset="0"/>
-                </a:endParaRPr>
-              </a:p>
-            </p:txBody>
-          </p:sp>
-        </p:grpSp>
-      </p:grpSp>
       <p:sp>
         <p:nvSpPr>
           <p:cNvPr id="19" name="CuadroTexto 18">
@@ -18317,7 +17710,7 @@
                 <a:latin typeface="Adobe Devanagari" panose="02040503050201020203" pitchFamily="18" charset="0"/>
                 <a:cs typeface="Adobe Devanagari" panose="02040503050201020203" pitchFamily="18" charset="0"/>
               </a:rPr>
-              <a:t>Estudio hidráulico y modelación.</a:t>
+              <a:t>Estudio y modelación hidráulica.</a:t>
             </a:r>
           </a:p>
           <a:p>
@@ -18399,6 +17792,436 @@
           </a:p>
         </p:txBody>
       </p:sp>
+      <p:grpSp>
+        <p:nvGrpSpPr>
+          <p:cNvPr id="11" name="Grupo 10">
+            <a:extLst>
+              <a:ext uri="{FF2B5EF4-FFF2-40B4-BE49-F238E27FC236}">
+                <a16:creationId xmlns:a16="http://schemas.microsoft.com/office/drawing/2014/main" id="{BDCDFC99-A5FE-D2A5-10FF-0B967FEAB140}"/>
+              </a:ext>
+            </a:extLst>
+          </p:cNvPr>
+          <p:cNvGrpSpPr/>
+          <p:nvPr/>
+        </p:nvGrpSpPr>
+        <p:grpSpPr>
+          <a:xfrm>
+            <a:off x="1" y="0"/>
+            <a:ext cx="12191999" cy="6858001"/>
+            <a:chOff x="1" y="0"/>
+            <a:chExt cx="12191999" cy="6858001"/>
+          </a:xfrm>
+        </p:grpSpPr>
+        <p:grpSp>
+          <p:nvGrpSpPr>
+            <p:cNvPr id="12" name="Grupo 11">
+              <a:extLst>
+                <a:ext uri="{FF2B5EF4-FFF2-40B4-BE49-F238E27FC236}">
+                  <a16:creationId xmlns:a16="http://schemas.microsoft.com/office/drawing/2014/main" id="{4AC19416-4A9D-291F-1FB6-0003FBA8510C}"/>
+                </a:ext>
+              </a:extLst>
+            </p:cNvPr>
+            <p:cNvGrpSpPr/>
+            <p:nvPr/>
+          </p:nvGrpSpPr>
+          <p:grpSpPr>
+            <a:xfrm>
+              <a:off x="9789459" y="0"/>
+              <a:ext cx="2402541" cy="6858000"/>
+              <a:chOff x="9789459" y="7914"/>
+              <a:chExt cx="2402541" cy="6858000"/>
+            </a:xfrm>
+          </p:grpSpPr>
+          <p:sp>
+            <p:nvSpPr>
+              <p:cNvPr id="23" name="Rectángulo: esquinas diagonales redondeadas 22">
+                <a:extLst>
+                  <a:ext uri="{FF2B5EF4-FFF2-40B4-BE49-F238E27FC236}">
+                    <a16:creationId xmlns:a16="http://schemas.microsoft.com/office/drawing/2014/main" id="{963C12C5-CE14-B711-06A4-E29966FBD591}"/>
+                  </a:ext>
+                </a:extLst>
+              </p:cNvPr>
+              <p:cNvSpPr/>
+              <p:nvPr/>
+            </p:nvSpPr>
+            <p:spPr>
+              <a:xfrm>
+                <a:off x="9789459" y="6641796"/>
+                <a:ext cx="2402541" cy="224118"/>
+              </a:xfrm>
+              <a:prstGeom prst="round2DiagRect">
+                <a:avLst>
+                  <a:gd name="adj1" fmla="val 50000"/>
+                  <a:gd name="adj2" fmla="val 0"/>
+                </a:avLst>
+              </a:prstGeom>
+              <a:noFill/>
+              <a:ln>
+                <a:noFill/>
+              </a:ln>
+            </p:spPr>
+            <p:style>
+              <a:lnRef idx="2">
+                <a:schemeClr val="accent1">
+                  <a:shade val="50000"/>
+                </a:schemeClr>
+              </a:lnRef>
+              <a:fillRef idx="1">
+                <a:schemeClr val="accent1"/>
+              </a:fillRef>
+              <a:effectRef idx="0">
+                <a:schemeClr val="accent1"/>
+              </a:effectRef>
+              <a:fontRef idx="minor">
+                <a:schemeClr val="lt1"/>
+              </a:fontRef>
+            </p:style>
+            <p:txBody>
+              <a:bodyPr rtlCol="0" anchor="ctr"/>
+              <a:lstStyle/>
+              <a:p>
+                <a:pPr algn="r"/>
+                <a:r>
+                  <a:rPr lang="es-ES" sz="1200" dirty="0">
+                    <a:solidFill>
+                      <a:srgbClr val="990000"/>
+                    </a:solidFill>
+                    <a:latin typeface="Adobe Devanagari" panose="02040503050201020203" pitchFamily="18" charset="0"/>
+                    <a:cs typeface="Adobe Devanagari" panose="02040503050201020203" pitchFamily="18" charset="0"/>
+                  </a:rPr>
+                  <a:t>Introducción</a:t>
+                </a:r>
+                <a:endParaRPr lang="es-CO" sz="1200" dirty="0">
+                  <a:solidFill>
+                    <a:srgbClr val="990000"/>
+                  </a:solidFill>
+                  <a:latin typeface="Adobe Devanagari" panose="02040503050201020203" pitchFamily="18" charset="0"/>
+                  <a:cs typeface="Adobe Devanagari" panose="02040503050201020203" pitchFamily="18" charset="0"/>
+                </a:endParaRPr>
+              </a:p>
+            </p:txBody>
+          </p:sp>
+          <p:grpSp>
+            <p:nvGrpSpPr>
+              <p:cNvPr id="24" name="Grupo 23">
+                <a:extLst>
+                  <a:ext uri="{FF2B5EF4-FFF2-40B4-BE49-F238E27FC236}">
+                    <a16:creationId xmlns:a16="http://schemas.microsoft.com/office/drawing/2014/main" id="{7A104C45-C9DC-4BE5-14D6-CA1C21E180A5}"/>
+                  </a:ext>
+                </a:extLst>
+              </p:cNvPr>
+              <p:cNvGrpSpPr/>
+              <p:nvPr/>
+            </p:nvGrpSpPr>
+            <p:grpSpPr>
+              <a:xfrm>
+                <a:off x="11356240" y="7914"/>
+                <a:ext cx="835760" cy="349755"/>
+                <a:chOff x="0" y="6350"/>
+                <a:chExt cx="671158" cy="280621"/>
+              </a:xfrm>
+            </p:grpSpPr>
+            <p:sp>
+              <p:nvSpPr>
+                <p:cNvPr id="25" name="Rectángulo: una sola esquina redondeada 24">
+                  <a:extLst>
+                    <a:ext uri="{FF2B5EF4-FFF2-40B4-BE49-F238E27FC236}">
+                      <a16:creationId xmlns:a16="http://schemas.microsoft.com/office/drawing/2014/main" id="{D7715F12-2AFC-E19A-6FA4-5CEB048B7100}"/>
+                    </a:ext>
+                  </a:extLst>
+                </p:cNvPr>
+                <p:cNvSpPr/>
+                <p:nvPr/>
+              </p:nvSpPr>
+              <p:spPr>
+                <a:xfrm flipH="1" flipV="1">
+                  <a:off x="0" y="6350"/>
+                  <a:ext cx="671158" cy="274848"/>
+                </a:xfrm>
+                <a:prstGeom prst="round1Rect">
+                  <a:avLst>
+                    <a:gd name="adj" fmla="val 50000"/>
+                  </a:avLst>
+                </a:prstGeom>
+                <a:solidFill>
+                  <a:schemeClr val="tx1">
+                    <a:lumMod val="75000"/>
+                    <a:lumOff val="25000"/>
+                  </a:schemeClr>
+                </a:solidFill>
+                <a:ln>
+                  <a:solidFill>
+                    <a:schemeClr val="tx1">
+                      <a:lumMod val="75000"/>
+                      <a:lumOff val="25000"/>
+                    </a:schemeClr>
+                  </a:solidFill>
+                </a:ln>
+              </p:spPr>
+              <p:style>
+                <a:lnRef idx="2">
+                  <a:schemeClr val="accent1">
+                    <a:shade val="50000"/>
+                  </a:schemeClr>
+                </a:lnRef>
+                <a:fillRef idx="1">
+                  <a:schemeClr val="accent1"/>
+                </a:fillRef>
+                <a:effectRef idx="0">
+                  <a:schemeClr val="accent1"/>
+                </a:effectRef>
+                <a:fontRef idx="minor">
+                  <a:schemeClr val="lt1"/>
+                </a:fontRef>
+              </p:style>
+              <p:txBody>
+                <a:bodyPr rot="0" spcFirstLastPara="0" vert="horz" wrap="square" lIns="91440" tIns="45720" rIns="91440" bIns="45720" numCol="1" spcCol="0" rtlCol="0" fromWordArt="0" anchor="ctr" anchorCtr="0" forceAA="0" compatLnSpc="1">
+                  <a:prstTxWarp prst="textNoShape">
+                    <a:avLst/>
+                  </a:prstTxWarp>
+                  <a:noAutofit/>
+                </a:bodyPr>
+                <a:lstStyle/>
+                <a:p>
+                  <a:pPr marL="0" marR="0" algn="ctr">
+                    <a:spcBef>
+                      <a:spcPts val="0"/>
+                    </a:spcBef>
+                    <a:spcAft>
+                      <a:spcPts val="0"/>
+                    </a:spcAft>
+                  </a:pPr>
+                  <a:r>
+                    <a:rPr lang="es-CO" sz="1500">
+                      <a:effectLst/>
+                      <a:latin typeface="Segoe UI Light" panose="020B0502040204020203" pitchFamily="34" charset="0"/>
+                      <a:ea typeface="Times New Roman" panose="02020603050405020304" pitchFamily="18" charset="0"/>
+                      <a:cs typeface="Times New Roman" panose="02020603050405020304" pitchFamily="18" charset="0"/>
+                    </a:rPr>
+                    <a:t> </a:t>
+                  </a:r>
+                  <a:endParaRPr lang="en-US" sz="1500">
+                    <a:effectLst/>
+                    <a:latin typeface="Segoe UI Light" panose="020B0502040204020203" pitchFamily="34" charset="0"/>
+                    <a:ea typeface="Times New Roman" panose="02020603050405020304" pitchFamily="18" charset="0"/>
+                    <a:cs typeface="Times New Roman" panose="02020603050405020304" pitchFamily="18" charset="0"/>
+                  </a:endParaRPr>
+                </a:p>
+              </p:txBody>
+            </p:sp>
+            <p:sp>
+              <p:nvSpPr>
+                <p:cNvPr id="26" name="Cuadro de texto 2">
+                  <a:extLst>
+                    <a:ext uri="{FF2B5EF4-FFF2-40B4-BE49-F238E27FC236}">
+                      <a16:creationId xmlns:a16="http://schemas.microsoft.com/office/drawing/2014/main" id="{1D63E888-4A83-9DCB-5E0F-1684070E61C2}"/>
+                    </a:ext>
+                  </a:extLst>
+                </p:cNvPr>
+                <p:cNvSpPr txBox="1">
+                  <a:spLocks noChangeArrowheads="1"/>
+                </p:cNvSpPr>
+                <p:nvPr/>
+              </p:nvSpPr>
+              <p:spPr bwMode="auto">
+                <a:xfrm>
+                  <a:off x="43296" y="27684"/>
+                  <a:ext cx="577850" cy="259287"/>
+                </a:xfrm>
+                <a:prstGeom prst="rect">
+                  <a:avLst/>
+                </a:prstGeom>
+                <a:noFill/>
+                <a:ln w="9525">
+                  <a:noFill/>
+                  <a:miter lim="800000"/>
+                  <a:headEnd/>
+                  <a:tailEnd/>
+                </a:ln>
+              </p:spPr>
+              <p:txBody>
+                <a:bodyPr rot="0" vert="horz" wrap="square" lIns="91440" tIns="45720" rIns="91440" bIns="45720" anchor="t" anchorCtr="0">
+                  <a:spAutoFit/>
+                </a:bodyPr>
+                <a:lstStyle/>
+                <a:p>
+                  <a:pPr marL="0" marR="0" algn="ctr">
+                    <a:spcBef>
+                      <a:spcPts val="0"/>
+                    </a:spcBef>
+                    <a:spcAft>
+                      <a:spcPts val="0"/>
+                    </a:spcAft>
+                  </a:pPr>
+                  <a:r>
+                    <a:rPr lang="es-ES" sz="1500" dirty="0">
+                      <a:solidFill>
+                        <a:srgbClr val="FFFFFF"/>
+                      </a:solidFill>
+                      <a:effectLst/>
+                      <a:latin typeface="Adobe Devanagari" panose="02040503050201020203" pitchFamily="18" charset="0"/>
+                      <a:ea typeface="Times New Roman" panose="02020603050405020304" pitchFamily="18" charset="0"/>
+                      <a:cs typeface="Adobe Devanagari" panose="02040503050201020203" pitchFamily="18" charset="0"/>
+                    </a:rPr>
+                    <a:t>HRAS</a:t>
+                  </a:r>
+                  <a:endParaRPr lang="en-US" sz="1500" dirty="0">
+                    <a:effectLst/>
+                    <a:latin typeface="Adobe Devanagari" panose="02040503050201020203" pitchFamily="18" charset="0"/>
+                    <a:ea typeface="Times New Roman" panose="02020603050405020304" pitchFamily="18" charset="0"/>
+                    <a:cs typeface="Adobe Devanagari" panose="02040503050201020203" pitchFamily="18" charset="0"/>
+                  </a:endParaRPr>
+                </a:p>
+              </p:txBody>
+            </p:sp>
+          </p:grpSp>
+        </p:grpSp>
+        <p:grpSp>
+          <p:nvGrpSpPr>
+            <p:cNvPr id="15" name="Grupo 14">
+              <a:extLst>
+                <a:ext uri="{FF2B5EF4-FFF2-40B4-BE49-F238E27FC236}">
+                  <a16:creationId xmlns:a16="http://schemas.microsoft.com/office/drawing/2014/main" id="{63590E72-BF50-67E4-A91E-236A32A2F672}"/>
+                </a:ext>
+              </a:extLst>
+            </p:cNvPr>
+            <p:cNvGrpSpPr/>
+            <p:nvPr/>
+          </p:nvGrpSpPr>
+          <p:grpSpPr>
+            <a:xfrm>
+              <a:off x="1" y="0"/>
+              <a:ext cx="320040" cy="6858001"/>
+              <a:chOff x="1" y="0"/>
+              <a:chExt cx="320040" cy="6858001"/>
+            </a:xfrm>
+          </p:grpSpPr>
+          <p:sp>
+            <p:nvSpPr>
+              <p:cNvPr id="21" name="Rectángulo 20">
+                <a:extLst>
+                  <a:ext uri="{FF2B5EF4-FFF2-40B4-BE49-F238E27FC236}">
+                    <a16:creationId xmlns:a16="http://schemas.microsoft.com/office/drawing/2014/main" id="{96FB2DD8-CD91-2CAE-EC5F-433BD79E90F4}"/>
+                  </a:ext>
+                </a:extLst>
+              </p:cNvPr>
+              <p:cNvSpPr/>
+              <p:nvPr/>
+            </p:nvSpPr>
+            <p:spPr>
+              <a:xfrm>
+                <a:off x="1" y="1"/>
+                <a:ext cx="320040" cy="6858000"/>
+              </a:xfrm>
+              <a:prstGeom prst="rect">
+                <a:avLst/>
+              </a:prstGeom>
+              <a:solidFill>
+                <a:srgbClr val="990000"/>
+              </a:solidFill>
+              <a:ln>
+                <a:solidFill>
+                  <a:srgbClr val="990000"/>
+                </a:solidFill>
+              </a:ln>
+              <a:effectLst/>
+            </p:spPr>
+            <p:style>
+              <a:lnRef idx="2">
+                <a:schemeClr val="accent1">
+                  <a:shade val="50000"/>
+                </a:schemeClr>
+              </a:lnRef>
+              <a:fillRef idx="1">
+                <a:schemeClr val="accent1"/>
+              </a:fillRef>
+              <a:effectRef idx="0">
+                <a:schemeClr val="accent1"/>
+              </a:effectRef>
+              <a:fontRef idx="minor">
+                <a:schemeClr val="lt1"/>
+              </a:fontRef>
+            </p:style>
+            <p:txBody>
+              <a:bodyPr rtlCol="0" anchor="ctr"/>
+              <a:lstStyle/>
+              <a:p>
+                <a:pPr algn="ctr"/>
+                <a:endParaRPr lang="en-US" dirty="0"/>
+              </a:p>
+            </p:txBody>
+          </p:sp>
+          <p:sp>
+            <p:nvSpPr>
+              <p:cNvPr id="22" name="Rectángulo: esquinas diagonales redondeadas 21">
+                <a:extLst>
+                  <a:ext uri="{FF2B5EF4-FFF2-40B4-BE49-F238E27FC236}">
+                    <a16:creationId xmlns:a16="http://schemas.microsoft.com/office/drawing/2014/main" id="{4D4DD751-4BD7-5644-EAAD-2DC42B659DB3}"/>
+                  </a:ext>
+                </a:extLst>
+              </p:cNvPr>
+              <p:cNvSpPr/>
+              <p:nvPr/>
+            </p:nvSpPr>
+            <p:spPr>
+              <a:xfrm rot="16200000">
+                <a:off x="-3185312" y="3251862"/>
+                <a:ext cx="6724044" cy="220320"/>
+              </a:xfrm>
+              <a:prstGeom prst="round2DiagRect">
+                <a:avLst>
+                  <a:gd name="adj1" fmla="val 50000"/>
+                  <a:gd name="adj2" fmla="val 0"/>
+                </a:avLst>
+              </a:prstGeom>
+              <a:noFill/>
+              <a:ln>
+                <a:noFill/>
+              </a:ln>
+            </p:spPr>
+            <p:style>
+              <a:lnRef idx="2">
+                <a:schemeClr val="accent1">
+                  <a:shade val="50000"/>
+                </a:schemeClr>
+              </a:lnRef>
+              <a:fillRef idx="1">
+                <a:schemeClr val="accent1"/>
+              </a:fillRef>
+              <a:effectRef idx="0">
+                <a:schemeClr val="accent1"/>
+              </a:effectRef>
+              <a:fontRef idx="minor">
+                <a:schemeClr val="lt1"/>
+              </a:fontRef>
+            </p:style>
+            <p:txBody>
+              <a:bodyPr rtlCol="0" anchor="ctr"/>
+              <a:lstStyle/>
+              <a:p>
+                <a:pPr algn="ctr"/>
+                <a:r>
+                  <a:rPr lang="es-ES" sz="1200" dirty="0">
+                    <a:solidFill>
+                      <a:schemeClr val="bg1"/>
+                    </a:solidFill>
+                    <a:latin typeface="Adobe Devanagari" panose="02040503050201020203" pitchFamily="18" charset="0"/>
+                    <a:cs typeface="Adobe Devanagari" panose="02040503050201020203" pitchFamily="18" charset="0"/>
+                  </a:rPr>
+                  <a:t>Ingeniería Civil – Centro de Estudios Hidráulicos – Modelación Hidráulica de Canales en HEC-RAS </a:t>
+                </a:r>
+                <a:endParaRPr lang="es-CO" sz="1200" dirty="0">
+                  <a:solidFill>
+                    <a:schemeClr val="bg1"/>
+                  </a:solidFill>
+                  <a:latin typeface="Adobe Devanagari" panose="02040503050201020203" pitchFamily="18" charset="0"/>
+                  <a:cs typeface="Adobe Devanagari" panose="02040503050201020203" pitchFamily="18" charset="0"/>
+                </a:endParaRPr>
+              </a:p>
+            </p:txBody>
+          </p:sp>
+        </p:grpSp>
+      </p:grpSp>
     </p:spTree>
     <p:extLst>
       <p:ext uri="{BB962C8B-B14F-4D97-AF65-F5344CB8AC3E}">
@@ -18409,13 +18232,13 @@
   <p:clrMapOvr>
     <a:masterClrMapping/>
   </p:clrMapOvr>
-  <mc:AlternateContent xmlns:mc="http://schemas.openxmlformats.org/markup-compatibility/2006">
-    <mc:Choice xmlns:p14="http://schemas.microsoft.com/office/powerpoint/2010/main" Requires="p14">
+  <mc:AlternateContent xmlns:mc="http://schemas.openxmlformats.org/markup-compatibility/2006" xmlns:p14="http://schemas.microsoft.com/office/powerpoint/2010/main">
+    <mc:Choice Requires="p14">
       <p:transition spd="med" p14:dur="700">
         <p:fade/>
       </p:transition>
     </mc:Choice>
-    <mc:Fallback>
+    <mc:Fallback xmlns="">
       <p:transition spd="med">
         <p:fade/>
       </p:transition>
@@ -18474,343 +18297,6 @@
           </a:p>
         </p:txBody>
       </p:sp>
-      <p:grpSp>
-        <p:nvGrpSpPr>
-          <p:cNvPr id="4" name="Grupo 3">
-            <a:extLst>
-              <a:ext uri="{FF2B5EF4-FFF2-40B4-BE49-F238E27FC236}">
-                <a16:creationId xmlns:a16="http://schemas.microsoft.com/office/drawing/2014/main" id="{7C28BA06-AAE6-D767-8A05-BA8020A1774D}"/>
-              </a:ext>
-            </a:extLst>
-          </p:cNvPr>
-          <p:cNvGrpSpPr/>
-          <p:nvPr/>
-        </p:nvGrpSpPr>
-        <p:grpSpPr>
-          <a:xfrm>
-            <a:off x="0" y="7914"/>
-            <a:ext cx="12515105" cy="7107353"/>
-            <a:chOff x="0" y="7914"/>
-            <a:chExt cx="12515105" cy="7107353"/>
-          </a:xfrm>
-        </p:grpSpPr>
-        <p:sp>
-          <p:nvSpPr>
-            <p:cNvPr id="29" name="Rectángulo: esquinas diagonales redondeadas 28">
-              <a:extLst>
-                <a:ext uri="{FF2B5EF4-FFF2-40B4-BE49-F238E27FC236}">
-                  <a16:creationId xmlns:a16="http://schemas.microsoft.com/office/drawing/2014/main" id="{334138AE-EA0B-4EA0-8E34-A77C79CC7568}"/>
-                </a:ext>
-              </a:extLst>
-            </p:cNvPr>
-            <p:cNvSpPr/>
-            <p:nvPr/>
-          </p:nvSpPr>
-          <p:spPr>
-            <a:xfrm>
-              <a:off x="0" y="6643269"/>
-              <a:ext cx="1699346" cy="214731"/>
-            </a:xfrm>
-            <a:prstGeom prst="round2DiagRect">
-              <a:avLst>
-                <a:gd name="adj1" fmla="val 50000"/>
-                <a:gd name="adj2" fmla="val 0"/>
-              </a:avLst>
-            </a:prstGeom>
-            <a:noFill/>
-            <a:ln>
-              <a:noFill/>
-            </a:ln>
-          </p:spPr>
-          <p:style>
-            <a:lnRef idx="2">
-              <a:schemeClr val="accent1">
-                <a:shade val="50000"/>
-              </a:schemeClr>
-            </a:lnRef>
-            <a:fillRef idx="1">
-              <a:schemeClr val="accent1"/>
-            </a:fillRef>
-            <a:effectRef idx="0">
-              <a:schemeClr val="accent1"/>
-            </a:effectRef>
-            <a:fontRef idx="minor">
-              <a:schemeClr val="lt1"/>
-            </a:fontRef>
-          </p:style>
-          <p:txBody>
-            <a:bodyPr rtlCol="0" anchor="ctr"/>
-            <a:lstStyle/>
-            <a:p>
-              <a:r>
-                <a:rPr lang="es-ES" sz="1200" dirty="0">
-                  <a:solidFill>
-                    <a:schemeClr val="tx1">
-                      <a:lumMod val="65000"/>
-                      <a:lumOff val="35000"/>
-                    </a:schemeClr>
-                  </a:solidFill>
-                  <a:latin typeface="Adobe Devanagari" panose="02040503050201020203" pitchFamily="18" charset="0"/>
-                  <a:cs typeface="Adobe Devanagari" panose="02040503050201020203" pitchFamily="18" charset="0"/>
-                </a:rPr>
-                <a:t>Introducción</a:t>
-              </a:r>
-              <a:endParaRPr lang="es-CO" sz="1200" dirty="0">
-                <a:solidFill>
-                  <a:schemeClr val="tx1">
-                    <a:lumMod val="65000"/>
-                    <a:lumOff val="35000"/>
-                  </a:schemeClr>
-                </a:solidFill>
-                <a:latin typeface="Adobe Devanagari" panose="02040503050201020203" pitchFamily="18" charset="0"/>
-                <a:cs typeface="Adobe Devanagari" panose="02040503050201020203" pitchFamily="18" charset="0"/>
-              </a:endParaRPr>
-            </a:p>
-          </p:txBody>
-        </p:sp>
-        <p:pic>
-          <p:nvPicPr>
-            <p:cNvPr id="14" name="Picture 12" descr="See the source image">
-              <a:extLst>
-                <a:ext uri="{FF2B5EF4-FFF2-40B4-BE49-F238E27FC236}">
-                  <a16:creationId xmlns:a16="http://schemas.microsoft.com/office/drawing/2014/main" id="{572CB045-321C-8E49-542A-7B8765BAC870}"/>
-                </a:ext>
-              </a:extLst>
-            </p:cNvPr>
-            <p:cNvPicPr>
-              <a:picLocks noChangeAspect="1" noChangeArrowheads="1"/>
-            </p:cNvPicPr>
-            <p:nvPr/>
-          </p:nvPicPr>
-          <p:blipFill>
-            <a:blip r:embed="rId3">
-              <a:duotone>
-                <a:schemeClr val="accent4">
-                  <a:shade val="45000"/>
-                  <a:satMod val="135000"/>
-                </a:schemeClr>
-                <a:prstClr val="white"/>
-              </a:duotone>
-              <a:extLst>
-                <a:ext uri="{BEBA8EAE-BF5A-486C-A8C5-ECC9F3942E4B}">
-                  <a14:imgProps xmlns:a14="http://schemas.microsoft.com/office/drawing/2010/main">
-                    <a14:imgLayer r:embed="rId4">
-                      <a14:imgEffect>
-                        <a14:backgroundRemoval t="9920" b="95291" l="10000" r="90000">
-                          <a14:foregroundMark x1="64000" y1="91082" x2="55250" y2="93687"/>
-                          <a14:foregroundMark x1="55250" y1="93687" x2="46125" y2="91483"/>
-                          <a14:foregroundMark x1="46125" y1="91483" x2="45125" y2="91483"/>
-                          <a14:foregroundMark x1="57625" y1="94990" x2="52125" y2="95291"/>
-                        </a14:backgroundRemoval>
-                      </a14:imgEffect>
-                    </a14:imgLayer>
-                  </a14:imgProps>
-                </a:ext>
-                <a:ext uri="{28A0092B-C50C-407E-A947-70E740481C1C}">
-                  <a14:useLocalDpi xmlns:a14="http://schemas.microsoft.com/office/drawing/2010/main" val="0"/>
-                </a:ext>
-              </a:extLst>
-            </a:blip>
-            <a:srcRect/>
-            <a:stretch>
-              <a:fillRect/>
-            </a:stretch>
-          </p:blipFill>
-          <p:spPr bwMode="auto">
-            <a:xfrm flipV="1">
-              <a:off x="10374409" y="4444806"/>
-              <a:ext cx="2140696" cy="2670461"/>
-            </a:xfrm>
-            <a:prstGeom prst="rect">
-              <a:avLst/>
-            </a:prstGeom>
-            <a:noFill/>
-            <a:extLst>
-              <a:ext uri="{909E8E84-426E-40DD-AFC4-6F175D3DCCD1}">
-                <a14:hiddenFill xmlns:a14="http://schemas.microsoft.com/office/drawing/2010/main">
-                  <a:solidFill>
-                    <a:srgbClr val="FFFFFF"/>
-                  </a:solidFill>
-                </a14:hiddenFill>
-              </a:ext>
-            </a:extLst>
-          </p:spPr>
-        </p:pic>
-        <p:grpSp>
-          <p:nvGrpSpPr>
-            <p:cNvPr id="16" name="Grupo 15">
-              <a:extLst>
-                <a:ext uri="{FF2B5EF4-FFF2-40B4-BE49-F238E27FC236}">
-                  <a16:creationId xmlns:a16="http://schemas.microsoft.com/office/drawing/2014/main" id="{3733B50A-13DF-E650-BE25-3A9EBED48B50}"/>
-                </a:ext>
-              </a:extLst>
-            </p:cNvPr>
-            <p:cNvGrpSpPr/>
-            <p:nvPr/>
-          </p:nvGrpSpPr>
-          <p:grpSpPr>
-            <a:xfrm>
-              <a:off x="11356240" y="7914"/>
-              <a:ext cx="835760" cy="349755"/>
-              <a:chOff x="0" y="6350"/>
-              <a:chExt cx="671158" cy="280621"/>
-            </a:xfrm>
-          </p:grpSpPr>
-          <p:sp>
-            <p:nvSpPr>
-              <p:cNvPr id="17" name="Rectángulo: una sola esquina redondeada 16">
-                <a:extLst>
-                  <a:ext uri="{FF2B5EF4-FFF2-40B4-BE49-F238E27FC236}">
-                    <a16:creationId xmlns:a16="http://schemas.microsoft.com/office/drawing/2014/main" id="{601E0294-C923-2559-FEB2-7D5555095840}"/>
-                  </a:ext>
-                </a:extLst>
-              </p:cNvPr>
-              <p:cNvSpPr/>
-              <p:nvPr/>
-            </p:nvSpPr>
-            <p:spPr>
-              <a:xfrm flipH="1" flipV="1">
-                <a:off x="0" y="6350"/>
-                <a:ext cx="671158" cy="274848"/>
-              </a:xfrm>
-              <a:prstGeom prst="round1Rect">
-                <a:avLst>
-                  <a:gd name="adj" fmla="val 50000"/>
-                </a:avLst>
-              </a:prstGeom>
-              <a:solidFill>
-                <a:schemeClr val="tx1">
-                  <a:lumMod val="75000"/>
-                  <a:lumOff val="25000"/>
-                </a:schemeClr>
-              </a:solidFill>
-              <a:ln>
-                <a:solidFill>
-                  <a:schemeClr val="tx1">
-                    <a:lumMod val="75000"/>
-                    <a:lumOff val="25000"/>
-                  </a:schemeClr>
-                </a:solidFill>
-              </a:ln>
-            </p:spPr>
-            <p:style>
-              <a:lnRef idx="2">
-                <a:schemeClr val="accent1">
-                  <a:shade val="50000"/>
-                </a:schemeClr>
-              </a:lnRef>
-              <a:fillRef idx="1">
-                <a:schemeClr val="accent1"/>
-              </a:fillRef>
-              <a:effectRef idx="0">
-                <a:schemeClr val="accent1"/>
-              </a:effectRef>
-              <a:fontRef idx="minor">
-                <a:schemeClr val="lt1"/>
-              </a:fontRef>
-            </p:style>
-            <p:txBody>
-              <a:bodyPr rot="0" spcFirstLastPara="0" vert="horz" wrap="square" lIns="91440" tIns="45720" rIns="91440" bIns="45720" numCol="1" spcCol="0" rtlCol="0" fromWordArt="0" anchor="ctr" anchorCtr="0" forceAA="0" compatLnSpc="1">
-                <a:prstTxWarp prst="textNoShape">
-                  <a:avLst/>
-                </a:prstTxWarp>
-                <a:noAutofit/>
-              </a:bodyPr>
-              <a:lstStyle/>
-              <a:p>
-                <a:pPr marL="0" marR="0" algn="ctr">
-                  <a:spcBef>
-                    <a:spcPts val="0"/>
-                  </a:spcBef>
-                  <a:spcAft>
-                    <a:spcPts val="0"/>
-                  </a:spcAft>
-                </a:pPr>
-                <a:r>
-                  <a:rPr lang="es-CO" sz="1500">
-                    <a:effectLst/>
-                    <a:latin typeface="Segoe UI Light" panose="020B0502040204020203" pitchFamily="34" charset="0"/>
-                    <a:ea typeface="Times New Roman" panose="02020603050405020304" pitchFamily="18" charset="0"/>
-                    <a:cs typeface="Times New Roman" panose="02020603050405020304" pitchFamily="18" charset="0"/>
-                  </a:rPr>
-                  <a:t> </a:t>
-                </a:r>
-                <a:endParaRPr lang="en-US" sz="1500">
-                  <a:effectLst/>
-                  <a:latin typeface="Segoe UI Light" panose="020B0502040204020203" pitchFamily="34" charset="0"/>
-                  <a:ea typeface="Times New Roman" panose="02020603050405020304" pitchFamily="18" charset="0"/>
-                  <a:cs typeface="Times New Roman" panose="02020603050405020304" pitchFamily="18" charset="0"/>
-                </a:endParaRPr>
-              </a:p>
-            </p:txBody>
-          </p:sp>
-          <p:sp>
-            <p:nvSpPr>
-              <p:cNvPr id="18" name="Cuadro de texto 2">
-                <a:extLst>
-                  <a:ext uri="{FF2B5EF4-FFF2-40B4-BE49-F238E27FC236}">
-                    <a16:creationId xmlns:a16="http://schemas.microsoft.com/office/drawing/2014/main" id="{42FCC331-2BC3-EFFB-9798-7C5D49346BED}"/>
-                  </a:ext>
-                </a:extLst>
-              </p:cNvPr>
-              <p:cNvSpPr txBox="1">
-                <a:spLocks noChangeArrowheads="1"/>
-              </p:cNvSpPr>
-              <p:nvPr/>
-            </p:nvSpPr>
-            <p:spPr bwMode="auto">
-              <a:xfrm>
-                <a:off x="43296" y="27684"/>
-                <a:ext cx="577850" cy="259287"/>
-              </a:xfrm>
-              <a:prstGeom prst="rect">
-                <a:avLst/>
-              </a:prstGeom>
-              <a:noFill/>
-              <a:ln w="9525">
-                <a:noFill/>
-                <a:miter lim="800000"/>
-                <a:headEnd/>
-                <a:tailEnd/>
-              </a:ln>
-            </p:spPr>
-            <p:txBody>
-              <a:bodyPr rot="0" vert="horz" wrap="square" lIns="91440" tIns="45720" rIns="91440" bIns="45720" anchor="t" anchorCtr="0">
-                <a:spAutoFit/>
-              </a:bodyPr>
-              <a:lstStyle/>
-              <a:p>
-                <a:pPr marL="0" marR="0" algn="ctr">
-                  <a:spcBef>
-                    <a:spcPts val="0"/>
-                  </a:spcBef>
-                  <a:spcAft>
-                    <a:spcPts val="0"/>
-                  </a:spcAft>
-                </a:pPr>
-                <a:r>
-                  <a:rPr lang="es-ES" sz="1500" dirty="0">
-                    <a:solidFill>
-                      <a:srgbClr val="FFFFFF"/>
-                    </a:solidFill>
-                    <a:effectLst/>
-                    <a:latin typeface="Adobe Devanagari" panose="02040503050201020203" pitchFamily="18" charset="0"/>
-                    <a:ea typeface="Times New Roman" panose="02020603050405020304" pitchFamily="18" charset="0"/>
-                    <a:cs typeface="Adobe Devanagari" panose="02040503050201020203" pitchFamily="18" charset="0"/>
-                  </a:rPr>
-                  <a:t>HRAS</a:t>
-                </a:r>
-                <a:endParaRPr lang="en-US" sz="1500" dirty="0">
-                  <a:effectLst/>
-                  <a:latin typeface="Adobe Devanagari" panose="02040503050201020203" pitchFamily="18" charset="0"/>
-                  <a:ea typeface="Times New Roman" panose="02020603050405020304" pitchFamily="18" charset="0"/>
-                  <a:cs typeface="Adobe Devanagari" panose="02040503050201020203" pitchFamily="18" charset="0"/>
-                </a:endParaRPr>
-              </a:p>
-            </p:txBody>
-          </p:sp>
-        </p:grpSp>
-      </p:grpSp>
       <p:sp>
         <p:nvSpPr>
           <p:cNvPr id="19" name="CuadroTexto 18">
@@ -19006,6 +18492,436 @@
           </a:p>
         </p:txBody>
       </p:sp>
+      <p:grpSp>
+        <p:nvGrpSpPr>
+          <p:cNvPr id="11" name="Grupo 10">
+            <a:extLst>
+              <a:ext uri="{FF2B5EF4-FFF2-40B4-BE49-F238E27FC236}">
+                <a16:creationId xmlns:a16="http://schemas.microsoft.com/office/drawing/2014/main" id="{6921432D-95EF-5EB1-A1CE-F1426CB0A4A7}"/>
+              </a:ext>
+            </a:extLst>
+          </p:cNvPr>
+          <p:cNvGrpSpPr/>
+          <p:nvPr/>
+        </p:nvGrpSpPr>
+        <p:grpSpPr>
+          <a:xfrm>
+            <a:off x="1" y="0"/>
+            <a:ext cx="12191999" cy="6858001"/>
+            <a:chOff x="1" y="0"/>
+            <a:chExt cx="12191999" cy="6858001"/>
+          </a:xfrm>
+        </p:grpSpPr>
+        <p:grpSp>
+          <p:nvGrpSpPr>
+            <p:cNvPr id="12" name="Grupo 11">
+              <a:extLst>
+                <a:ext uri="{FF2B5EF4-FFF2-40B4-BE49-F238E27FC236}">
+                  <a16:creationId xmlns:a16="http://schemas.microsoft.com/office/drawing/2014/main" id="{B8B348B1-06CC-6988-E182-39B5250D5516}"/>
+                </a:ext>
+              </a:extLst>
+            </p:cNvPr>
+            <p:cNvGrpSpPr/>
+            <p:nvPr/>
+          </p:nvGrpSpPr>
+          <p:grpSpPr>
+            <a:xfrm>
+              <a:off x="9789459" y="0"/>
+              <a:ext cx="2402541" cy="6858000"/>
+              <a:chOff x="9789459" y="7914"/>
+              <a:chExt cx="2402541" cy="6858000"/>
+            </a:xfrm>
+          </p:grpSpPr>
+          <p:sp>
+            <p:nvSpPr>
+              <p:cNvPr id="23" name="Rectángulo: esquinas diagonales redondeadas 22">
+                <a:extLst>
+                  <a:ext uri="{FF2B5EF4-FFF2-40B4-BE49-F238E27FC236}">
+                    <a16:creationId xmlns:a16="http://schemas.microsoft.com/office/drawing/2014/main" id="{1080F16F-8138-C1A1-D226-69A8232DF6F9}"/>
+                  </a:ext>
+                </a:extLst>
+              </p:cNvPr>
+              <p:cNvSpPr/>
+              <p:nvPr/>
+            </p:nvSpPr>
+            <p:spPr>
+              <a:xfrm>
+                <a:off x="9789459" y="6641796"/>
+                <a:ext cx="2402541" cy="224118"/>
+              </a:xfrm>
+              <a:prstGeom prst="round2DiagRect">
+                <a:avLst>
+                  <a:gd name="adj1" fmla="val 50000"/>
+                  <a:gd name="adj2" fmla="val 0"/>
+                </a:avLst>
+              </a:prstGeom>
+              <a:noFill/>
+              <a:ln>
+                <a:noFill/>
+              </a:ln>
+            </p:spPr>
+            <p:style>
+              <a:lnRef idx="2">
+                <a:schemeClr val="accent1">
+                  <a:shade val="50000"/>
+                </a:schemeClr>
+              </a:lnRef>
+              <a:fillRef idx="1">
+                <a:schemeClr val="accent1"/>
+              </a:fillRef>
+              <a:effectRef idx="0">
+                <a:schemeClr val="accent1"/>
+              </a:effectRef>
+              <a:fontRef idx="minor">
+                <a:schemeClr val="lt1"/>
+              </a:fontRef>
+            </p:style>
+            <p:txBody>
+              <a:bodyPr rtlCol="0" anchor="ctr"/>
+              <a:lstStyle/>
+              <a:p>
+                <a:pPr algn="r"/>
+                <a:r>
+                  <a:rPr lang="es-ES" sz="1200" dirty="0">
+                    <a:solidFill>
+                      <a:srgbClr val="990000"/>
+                    </a:solidFill>
+                    <a:latin typeface="Adobe Devanagari" panose="02040503050201020203" pitchFamily="18" charset="0"/>
+                    <a:cs typeface="Adobe Devanagari" panose="02040503050201020203" pitchFamily="18" charset="0"/>
+                  </a:rPr>
+                  <a:t>Introducción</a:t>
+                </a:r>
+                <a:endParaRPr lang="es-CO" sz="1200" dirty="0">
+                  <a:solidFill>
+                    <a:srgbClr val="990000"/>
+                  </a:solidFill>
+                  <a:latin typeface="Adobe Devanagari" panose="02040503050201020203" pitchFamily="18" charset="0"/>
+                  <a:cs typeface="Adobe Devanagari" panose="02040503050201020203" pitchFamily="18" charset="0"/>
+                </a:endParaRPr>
+              </a:p>
+            </p:txBody>
+          </p:sp>
+          <p:grpSp>
+            <p:nvGrpSpPr>
+              <p:cNvPr id="24" name="Grupo 23">
+                <a:extLst>
+                  <a:ext uri="{FF2B5EF4-FFF2-40B4-BE49-F238E27FC236}">
+                    <a16:creationId xmlns:a16="http://schemas.microsoft.com/office/drawing/2014/main" id="{57DD1640-29B0-99ED-F3E1-7DDE30D51080}"/>
+                  </a:ext>
+                </a:extLst>
+              </p:cNvPr>
+              <p:cNvGrpSpPr/>
+              <p:nvPr/>
+            </p:nvGrpSpPr>
+            <p:grpSpPr>
+              <a:xfrm>
+                <a:off x="11356240" y="7914"/>
+                <a:ext cx="835760" cy="349755"/>
+                <a:chOff x="0" y="6350"/>
+                <a:chExt cx="671158" cy="280621"/>
+              </a:xfrm>
+            </p:grpSpPr>
+            <p:sp>
+              <p:nvSpPr>
+                <p:cNvPr id="25" name="Rectángulo: una sola esquina redondeada 24">
+                  <a:extLst>
+                    <a:ext uri="{FF2B5EF4-FFF2-40B4-BE49-F238E27FC236}">
+                      <a16:creationId xmlns:a16="http://schemas.microsoft.com/office/drawing/2014/main" id="{68A493A9-ED81-E0F9-3F31-A46366084C7E}"/>
+                    </a:ext>
+                  </a:extLst>
+                </p:cNvPr>
+                <p:cNvSpPr/>
+                <p:nvPr/>
+              </p:nvSpPr>
+              <p:spPr>
+                <a:xfrm flipH="1" flipV="1">
+                  <a:off x="0" y="6350"/>
+                  <a:ext cx="671158" cy="274848"/>
+                </a:xfrm>
+                <a:prstGeom prst="round1Rect">
+                  <a:avLst>
+                    <a:gd name="adj" fmla="val 50000"/>
+                  </a:avLst>
+                </a:prstGeom>
+                <a:solidFill>
+                  <a:schemeClr val="tx1">
+                    <a:lumMod val="75000"/>
+                    <a:lumOff val="25000"/>
+                  </a:schemeClr>
+                </a:solidFill>
+                <a:ln>
+                  <a:solidFill>
+                    <a:schemeClr val="tx1">
+                      <a:lumMod val="75000"/>
+                      <a:lumOff val="25000"/>
+                    </a:schemeClr>
+                  </a:solidFill>
+                </a:ln>
+              </p:spPr>
+              <p:style>
+                <a:lnRef idx="2">
+                  <a:schemeClr val="accent1">
+                    <a:shade val="50000"/>
+                  </a:schemeClr>
+                </a:lnRef>
+                <a:fillRef idx="1">
+                  <a:schemeClr val="accent1"/>
+                </a:fillRef>
+                <a:effectRef idx="0">
+                  <a:schemeClr val="accent1"/>
+                </a:effectRef>
+                <a:fontRef idx="minor">
+                  <a:schemeClr val="lt1"/>
+                </a:fontRef>
+              </p:style>
+              <p:txBody>
+                <a:bodyPr rot="0" spcFirstLastPara="0" vert="horz" wrap="square" lIns="91440" tIns="45720" rIns="91440" bIns="45720" numCol="1" spcCol="0" rtlCol="0" fromWordArt="0" anchor="ctr" anchorCtr="0" forceAA="0" compatLnSpc="1">
+                  <a:prstTxWarp prst="textNoShape">
+                    <a:avLst/>
+                  </a:prstTxWarp>
+                  <a:noAutofit/>
+                </a:bodyPr>
+                <a:lstStyle/>
+                <a:p>
+                  <a:pPr marL="0" marR="0" algn="ctr">
+                    <a:spcBef>
+                      <a:spcPts val="0"/>
+                    </a:spcBef>
+                    <a:spcAft>
+                      <a:spcPts val="0"/>
+                    </a:spcAft>
+                  </a:pPr>
+                  <a:r>
+                    <a:rPr lang="es-CO" sz="1500">
+                      <a:effectLst/>
+                      <a:latin typeface="Segoe UI Light" panose="020B0502040204020203" pitchFamily="34" charset="0"/>
+                      <a:ea typeface="Times New Roman" panose="02020603050405020304" pitchFamily="18" charset="0"/>
+                      <a:cs typeface="Times New Roman" panose="02020603050405020304" pitchFamily="18" charset="0"/>
+                    </a:rPr>
+                    <a:t> </a:t>
+                  </a:r>
+                  <a:endParaRPr lang="en-US" sz="1500">
+                    <a:effectLst/>
+                    <a:latin typeface="Segoe UI Light" panose="020B0502040204020203" pitchFamily="34" charset="0"/>
+                    <a:ea typeface="Times New Roman" panose="02020603050405020304" pitchFamily="18" charset="0"/>
+                    <a:cs typeface="Times New Roman" panose="02020603050405020304" pitchFamily="18" charset="0"/>
+                  </a:endParaRPr>
+                </a:p>
+              </p:txBody>
+            </p:sp>
+            <p:sp>
+              <p:nvSpPr>
+                <p:cNvPr id="26" name="Cuadro de texto 2">
+                  <a:extLst>
+                    <a:ext uri="{FF2B5EF4-FFF2-40B4-BE49-F238E27FC236}">
+                      <a16:creationId xmlns:a16="http://schemas.microsoft.com/office/drawing/2014/main" id="{1394C46B-1AD9-AAAD-E06C-30823F8967EE}"/>
+                    </a:ext>
+                  </a:extLst>
+                </p:cNvPr>
+                <p:cNvSpPr txBox="1">
+                  <a:spLocks noChangeArrowheads="1"/>
+                </p:cNvSpPr>
+                <p:nvPr/>
+              </p:nvSpPr>
+              <p:spPr bwMode="auto">
+                <a:xfrm>
+                  <a:off x="43296" y="27684"/>
+                  <a:ext cx="577850" cy="259287"/>
+                </a:xfrm>
+                <a:prstGeom prst="rect">
+                  <a:avLst/>
+                </a:prstGeom>
+                <a:noFill/>
+                <a:ln w="9525">
+                  <a:noFill/>
+                  <a:miter lim="800000"/>
+                  <a:headEnd/>
+                  <a:tailEnd/>
+                </a:ln>
+              </p:spPr>
+              <p:txBody>
+                <a:bodyPr rot="0" vert="horz" wrap="square" lIns="91440" tIns="45720" rIns="91440" bIns="45720" anchor="t" anchorCtr="0">
+                  <a:spAutoFit/>
+                </a:bodyPr>
+                <a:lstStyle/>
+                <a:p>
+                  <a:pPr marL="0" marR="0" algn="ctr">
+                    <a:spcBef>
+                      <a:spcPts val="0"/>
+                    </a:spcBef>
+                    <a:spcAft>
+                      <a:spcPts val="0"/>
+                    </a:spcAft>
+                  </a:pPr>
+                  <a:r>
+                    <a:rPr lang="es-ES" sz="1500" dirty="0">
+                      <a:solidFill>
+                        <a:srgbClr val="FFFFFF"/>
+                      </a:solidFill>
+                      <a:effectLst/>
+                      <a:latin typeface="Adobe Devanagari" panose="02040503050201020203" pitchFamily="18" charset="0"/>
+                      <a:ea typeface="Times New Roman" panose="02020603050405020304" pitchFamily="18" charset="0"/>
+                      <a:cs typeface="Adobe Devanagari" panose="02040503050201020203" pitchFamily="18" charset="0"/>
+                    </a:rPr>
+                    <a:t>HRAS</a:t>
+                  </a:r>
+                  <a:endParaRPr lang="en-US" sz="1500" dirty="0">
+                    <a:effectLst/>
+                    <a:latin typeface="Adobe Devanagari" panose="02040503050201020203" pitchFamily="18" charset="0"/>
+                    <a:ea typeface="Times New Roman" panose="02020603050405020304" pitchFamily="18" charset="0"/>
+                    <a:cs typeface="Adobe Devanagari" panose="02040503050201020203" pitchFamily="18" charset="0"/>
+                  </a:endParaRPr>
+                </a:p>
+              </p:txBody>
+            </p:sp>
+          </p:grpSp>
+        </p:grpSp>
+        <p:grpSp>
+          <p:nvGrpSpPr>
+            <p:cNvPr id="15" name="Grupo 14">
+              <a:extLst>
+                <a:ext uri="{FF2B5EF4-FFF2-40B4-BE49-F238E27FC236}">
+                  <a16:creationId xmlns:a16="http://schemas.microsoft.com/office/drawing/2014/main" id="{E9D8CB50-960E-8476-49EA-CA275D09A32D}"/>
+                </a:ext>
+              </a:extLst>
+            </p:cNvPr>
+            <p:cNvGrpSpPr/>
+            <p:nvPr/>
+          </p:nvGrpSpPr>
+          <p:grpSpPr>
+            <a:xfrm>
+              <a:off x="1" y="0"/>
+              <a:ext cx="320040" cy="6858001"/>
+              <a:chOff x="1" y="0"/>
+              <a:chExt cx="320040" cy="6858001"/>
+            </a:xfrm>
+          </p:grpSpPr>
+          <p:sp>
+            <p:nvSpPr>
+              <p:cNvPr id="21" name="Rectángulo 20">
+                <a:extLst>
+                  <a:ext uri="{FF2B5EF4-FFF2-40B4-BE49-F238E27FC236}">
+                    <a16:creationId xmlns:a16="http://schemas.microsoft.com/office/drawing/2014/main" id="{140B0EF9-4BB1-89FB-182F-AD03C5E75B89}"/>
+                  </a:ext>
+                </a:extLst>
+              </p:cNvPr>
+              <p:cNvSpPr/>
+              <p:nvPr/>
+            </p:nvSpPr>
+            <p:spPr>
+              <a:xfrm>
+                <a:off x="1" y="1"/>
+                <a:ext cx="320040" cy="6858000"/>
+              </a:xfrm>
+              <a:prstGeom prst="rect">
+                <a:avLst/>
+              </a:prstGeom>
+              <a:solidFill>
+                <a:srgbClr val="990000"/>
+              </a:solidFill>
+              <a:ln>
+                <a:solidFill>
+                  <a:srgbClr val="990000"/>
+                </a:solidFill>
+              </a:ln>
+              <a:effectLst/>
+            </p:spPr>
+            <p:style>
+              <a:lnRef idx="2">
+                <a:schemeClr val="accent1">
+                  <a:shade val="50000"/>
+                </a:schemeClr>
+              </a:lnRef>
+              <a:fillRef idx="1">
+                <a:schemeClr val="accent1"/>
+              </a:fillRef>
+              <a:effectRef idx="0">
+                <a:schemeClr val="accent1"/>
+              </a:effectRef>
+              <a:fontRef idx="minor">
+                <a:schemeClr val="lt1"/>
+              </a:fontRef>
+            </p:style>
+            <p:txBody>
+              <a:bodyPr rtlCol="0" anchor="ctr"/>
+              <a:lstStyle/>
+              <a:p>
+                <a:pPr algn="ctr"/>
+                <a:endParaRPr lang="en-US" dirty="0"/>
+              </a:p>
+            </p:txBody>
+          </p:sp>
+          <p:sp>
+            <p:nvSpPr>
+              <p:cNvPr id="22" name="Rectángulo: esquinas diagonales redondeadas 21">
+                <a:extLst>
+                  <a:ext uri="{FF2B5EF4-FFF2-40B4-BE49-F238E27FC236}">
+                    <a16:creationId xmlns:a16="http://schemas.microsoft.com/office/drawing/2014/main" id="{29814692-C5E0-2401-F014-A6E7FC5F4795}"/>
+                  </a:ext>
+                </a:extLst>
+              </p:cNvPr>
+              <p:cNvSpPr/>
+              <p:nvPr/>
+            </p:nvSpPr>
+            <p:spPr>
+              <a:xfrm rot="16200000">
+                <a:off x="-3185312" y="3251862"/>
+                <a:ext cx="6724044" cy="220320"/>
+              </a:xfrm>
+              <a:prstGeom prst="round2DiagRect">
+                <a:avLst>
+                  <a:gd name="adj1" fmla="val 50000"/>
+                  <a:gd name="adj2" fmla="val 0"/>
+                </a:avLst>
+              </a:prstGeom>
+              <a:noFill/>
+              <a:ln>
+                <a:noFill/>
+              </a:ln>
+            </p:spPr>
+            <p:style>
+              <a:lnRef idx="2">
+                <a:schemeClr val="accent1">
+                  <a:shade val="50000"/>
+                </a:schemeClr>
+              </a:lnRef>
+              <a:fillRef idx="1">
+                <a:schemeClr val="accent1"/>
+              </a:fillRef>
+              <a:effectRef idx="0">
+                <a:schemeClr val="accent1"/>
+              </a:effectRef>
+              <a:fontRef idx="minor">
+                <a:schemeClr val="lt1"/>
+              </a:fontRef>
+            </p:style>
+            <p:txBody>
+              <a:bodyPr rtlCol="0" anchor="ctr"/>
+              <a:lstStyle/>
+              <a:p>
+                <a:pPr algn="ctr"/>
+                <a:r>
+                  <a:rPr lang="es-ES" sz="1200" dirty="0">
+                    <a:solidFill>
+                      <a:schemeClr val="bg1"/>
+                    </a:solidFill>
+                    <a:latin typeface="Adobe Devanagari" panose="02040503050201020203" pitchFamily="18" charset="0"/>
+                    <a:cs typeface="Adobe Devanagari" panose="02040503050201020203" pitchFamily="18" charset="0"/>
+                  </a:rPr>
+                  <a:t>Ingeniería Civil – Centro de Estudios Hidráulicos – Modelación Hidráulica de Canales en HEC-RAS </a:t>
+                </a:r>
+                <a:endParaRPr lang="es-CO" sz="1200" dirty="0">
+                  <a:solidFill>
+                    <a:schemeClr val="bg1"/>
+                  </a:solidFill>
+                  <a:latin typeface="Adobe Devanagari" panose="02040503050201020203" pitchFamily="18" charset="0"/>
+                  <a:cs typeface="Adobe Devanagari" panose="02040503050201020203" pitchFamily="18" charset="0"/>
+                </a:endParaRPr>
+              </a:p>
+            </p:txBody>
+          </p:sp>
+        </p:grpSp>
+      </p:grpSp>
     </p:spTree>
     <p:extLst>
       <p:ext uri="{BB962C8B-B14F-4D97-AF65-F5344CB8AC3E}">
@@ -19016,13 +18932,13 @@
   <p:clrMapOvr>
     <a:masterClrMapping/>
   </p:clrMapOvr>
-  <mc:AlternateContent xmlns:mc="http://schemas.openxmlformats.org/markup-compatibility/2006">
-    <mc:Choice xmlns:p14="http://schemas.microsoft.com/office/powerpoint/2010/main" Requires="p14">
+  <mc:AlternateContent xmlns:mc="http://schemas.openxmlformats.org/markup-compatibility/2006" xmlns:p14="http://schemas.microsoft.com/office/powerpoint/2010/main">
+    <mc:Choice Requires="p14">
       <p:transition spd="med" p14:dur="700">
         <p:fade/>
       </p:transition>
     </mc:Choice>
-    <mc:Fallback>
+    <mc:Fallback xmlns="">
       <p:transition spd="med">
         <p:fade/>
       </p:transition>
@@ -19081,343 +18997,6 @@
           </a:p>
         </p:txBody>
       </p:sp>
-      <p:grpSp>
-        <p:nvGrpSpPr>
-          <p:cNvPr id="4" name="Grupo 3">
-            <a:extLst>
-              <a:ext uri="{FF2B5EF4-FFF2-40B4-BE49-F238E27FC236}">
-                <a16:creationId xmlns:a16="http://schemas.microsoft.com/office/drawing/2014/main" id="{7C28BA06-AAE6-D767-8A05-BA8020A1774D}"/>
-              </a:ext>
-            </a:extLst>
-          </p:cNvPr>
-          <p:cNvGrpSpPr/>
-          <p:nvPr/>
-        </p:nvGrpSpPr>
-        <p:grpSpPr>
-          <a:xfrm>
-            <a:off x="0" y="7914"/>
-            <a:ext cx="12515105" cy="7107353"/>
-            <a:chOff x="0" y="7914"/>
-            <a:chExt cx="12515105" cy="7107353"/>
-          </a:xfrm>
-        </p:grpSpPr>
-        <p:sp>
-          <p:nvSpPr>
-            <p:cNvPr id="29" name="Rectángulo: esquinas diagonales redondeadas 28">
-              <a:extLst>
-                <a:ext uri="{FF2B5EF4-FFF2-40B4-BE49-F238E27FC236}">
-                  <a16:creationId xmlns:a16="http://schemas.microsoft.com/office/drawing/2014/main" id="{334138AE-EA0B-4EA0-8E34-A77C79CC7568}"/>
-                </a:ext>
-              </a:extLst>
-            </p:cNvPr>
-            <p:cNvSpPr/>
-            <p:nvPr/>
-          </p:nvSpPr>
-          <p:spPr>
-            <a:xfrm>
-              <a:off x="0" y="6643269"/>
-              <a:ext cx="1699346" cy="214731"/>
-            </a:xfrm>
-            <a:prstGeom prst="round2DiagRect">
-              <a:avLst>
-                <a:gd name="adj1" fmla="val 50000"/>
-                <a:gd name="adj2" fmla="val 0"/>
-              </a:avLst>
-            </a:prstGeom>
-            <a:noFill/>
-            <a:ln>
-              <a:noFill/>
-            </a:ln>
-          </p:spPr>
-          <p:style>
-            <a:lnRef idx="2">
-              <a:schemeClr val="accent1">
-                <a:shade val="50000"/>
-              </a:schemeClr>
-            </a:lnRef>
-            <a:fillRef idx="1">
-              <a:schemeClr val="accent1"/>
-            </a:fillRef>
-            <a:effectRef idx="0">
-              <a:schemeClr val="accent1"/>
-            </a:effectRef>
-            <a:fontRef idx="minor">
-              <a:schemeClr val="lt1"/>
-            </a:fontRef>
-          </p:style>
-          <p:txBody>
-            <a:bodyPr rtlCol="0" anchor="ctr"/>
-            <a:lstStyle/>
-            <a:p>
-              <a:r>
-                <a:rPr lang="es-ES" sz="1200" dirty="0">
-                  <a:solidFill>
-                    <a:schemeClr val="tx1">
-                      <a:lumMod val="65000"/>
-                      <a:lumOff val="35000"/>
-                    </a:schemeClr>
-                  </a:solidFill>
-                  <a:latin typeface="Adobe Devanagari" panose="02040503050201020203" pitchFamily="18" charset="0"/>
-                  <a:cs typeface="Adobe Devanagari" panose="02040503050201020203" pitchFamily="18" charset="0"/>
-                </a:rPr>
-                <a:t>Introducción</a:t>
-              </a:r>
-              <a:endParaRPr lang="es-CO" sz="1200" dirty="0">
-                <a:solidFill>
-                  <a:schemeClr val="tx1">
-                    <a:lumMod val="65000"/>
-                    <a:lumOff val="35000"/>
-                  </a:schemeClr>
-                </a:solidFill>
-                <a:latin typeface="Adobe Devanagari" panose="02040503050201020203" pitchFamily="18" charset="0"/>
-                <a:cs typeface="Adobe Devanagari" panose="02040503050201020203" pitchFamily="18" charset="0"/>
-              </a:endParaRPr>
-            </a:p>
-          </p:txBody>
-        </p:sp>
-        <p:pic>
-          <p:nvPicPr>
-            <p:cNvPr id="14" name="Picture 12" descr="See the source image">
-              <a:extLst>
-                <a:ext uri="{FF2B5EF4-FFF2-40B4-BE49-F238E27FC236}">
-                  <a16:creationId xmlns:a16="http://schemas.microsoft.com/office/drawing/2014/main" id="{572CB045-321C-8E49-542A-7B8765BAC870}"/>
-                </a:ext>
-              </a:extLst>
-            </p:cNvPr>
-            <p:cNvPicPr>
-              <a:picLocks noChangeAspect="1" noChangeArrowheads="1"/>
-            </p:cNvPicPr>
-            <p:nvPr/>
-          </p:nvPicPr>
-          <p:blipFill>
-            <a:blip r:embed="rId3">
-              <a:duotone>
-                <a:schemeClr val="accent4">
-                  <a:shade val="45000"/>
-                  <a:satMod val="135000"/>
-                </a:schemeClr>
-                <a:prstClr val="white"/>
-              </a:duotone>
-              <a:extLst>
-                <a:ext uri="{BEBA8EAE-BF5A-486C-A8C5-ECC9F3942E4B}">
-                  <a14:imgProps xmlns:a14="http://schemas.microsoft.com/office/drawing/2010/main">
-                    <a14:imgLayer r:embed="rId4">
-                      <a14:imgEffect>
-                        <a14:backgroundRemoval t="9920" b="95291" l="10000" r="90000">
-                          <a14:foregroundMark x1="64000" y1="91082" x2="55250" y2="93687"/>
-                          <a14:foregroundMark x1="55250" y1="93687" x2="46125" y2="91483"/>
-                          <a14:foregroundMark x1="46125" y1="91483" x2="45125" y2="91483"/>
-                          <a14:foregroundMark x1="57625" y1="94990" x2="52125" y2="95291"/>
-                        </a14:backgroundRemoval>
-                      </a14:imgEffect>
-                    </a14:imgLayer>
-                  </a14:imgProps>
-                </a:ext>
-                <a:ext uri="{28A0092B-C50C-407E-A947-70E740481C1C}">
-                  <a14:useLocalDpi xmlns:a14="http://schemas.microsoft.com/office/drawing/2010/main" val="0"/>
-                </a:ext>
-              </a:extLst>
-            </a:blip>
-            <a:srcRect/>
-            <a:stretch>
-              <a:fillRect/>
-            </a:stretch>
-          </p:blipFill>
-          <p:spPr bwMode="auto">
-            <a:xfrm flipV="1">
-              <a:off x="10374409" y="4444806"/>
-              <a:ext cx="2140696" cy="2670461"/>
-            </a:xfrm>
-            <a:prstGeom prst="rect">
-              <a:avLst/>
-            </a:prstGeom>
-            <a:noFill/>
-            <a:extLst>
-              <a:ext uri="{909E8E84-426E-40DD-AFC4-6F175D3DCCD1}">
-                <a14:hiddenFill xmlns:a14="http://schemas.microsoft.com/office/drawing/2010/main">
-                  <a:solidFill>
-                    <a:srgbClr val="FFFFFF"/>
-                  </a:solidFill>
-                </a14:hiddenFill>
-              </a:ext>
-            </a:extLst>
-          </p:spPr>
-        </p:pic>
-        <p:grpSp>
-          <p:nvGrpSpPr>
-            <p:cNvPr id="16" name="Grupo 15">
-              <a:extLst>
-                <a:ext uri="{FF2B5EF4-FFF2-40B4-BE49-F238E27FC236}">
-                  <a16:creationId xmlns:a16="http://schemas.microsoft.com/office/drawing/2014/main" id="{3733B50A-13DF-E650-BE25-3A9EBED48B50}"/>
-                </a:ext>
-              </a:extLst>
-            </p:cNvPr>
-            <p:cNvGrpSpPr/>
-            <p:nvPr/>
-          </p:nvGrpSpPr>
-          <p:grpSpPr>
-            <a:xfrm>
-              <a:off x="11356240" y="7914"/>
-              <a:ext cx="835760" cy="349755"/>
-              <a:chOff x="0" y="6350"/>
-              <a:chExt cx="671158" cy="280621"/>
-            </a:xfrm>
-          </p:grpSpPr>
-          <p:sp>
-            <p:nvSpPr>
-              <p:cNvPr id="17" name="Rectángulo: una sola esquina redondeada 16">
-                <a:extLst>
-                  <a:ext uri="{FF2B5EF4-FFF2-40B4-BE49-F238E27FC236}">
-                    <a16:creationId xmlns:a16="http://schemas.microsoft.com/office/drawing/2014/main" id="{601E0294-C923-2559-FEB2-7D5555095840}"/>
-                  </a:ext>
-                </a:extLst>
-              </p:cNvPr>
-              <p:cNvSpPr/>
-              <p:nvPr/>
-            </p:nvSpPr>
-            <p:spPr>
-              <a:xfrm flipH="1" flipV="1">
-                <a:off x="0" y="6350"/>
-                <a:ext cx="671158" cy="274848"/>
-              </a:xfrm>
-              <a:prstGeom prst="round1Rect">
-                <a:avLst>
-                  <a:gd name="adj" fmla="val 50000"/>
-                </a:avLst>
-              </a:prstGeom>
-              <a:solidFill>
-                <a:schemeClr val="tx1">
-                  <a:lumMod val="75000"/>
-                  <a:lumOff val="25000"/>
-                </a:schemeClr>
-              </a:solidFill>
-              <a:ln>
-                <a:solidFill>
-                  <a:schemeClr val="tx1">
-                    <a:lumMod val="75000"/>
-                    <a:lumOff val="25000"/>
-                  </a:schemeClr>
-                </a:solidFill>
-              </a:ln>
-            </p:spPr>
-            <p:style>
-              <a:lnRef idx="2">
-                <a:schemeClr val="accent1">
-                  <a:shade val="50000"/>
-                </a:schemeClr>
-              </a:lnRef>
-              <a:fillRef idx="1">
-                <a:schemeClr val="accent1"/>
-              </a:fillRef>
-              <a:effectRef idx="0">
-                <a:schemeClr val="accent1"/>
-              </a:effectRef>
-              <a:fontRef idx="minor">
-                <a:schemeClr val="lt1"/>
-              </a:fontRef>
-            </p:style>
-            <p:txBody>
-              <a:bodyPr rot="0" spcFirstLastPara="0" vert="horz" wrap="square" lIns="91440" tIns="45720" rIns="91440" bIns="45720" numCol="1" spcCol="0" rtlCol="0" fromWordArt="0" anchor="ctr" anchorCtr="0" forceAA="0" compatLnSpc="1">
-                <a:prstTxWarp prst="textNoShape">
-                  <a:avLst/>
-                </a:prstTxWarp>
-                <a:noAutofit/>
-              </a:bodyPr>
-              <a:lstStyle/>
-              <a:p>
-                <a:pPr marL="0" marR="0" algn="ctr">
-                  <a:spcBef>
-                    <a:spcPts val="0"/>
-                  </a:spcBef>
-                  <a:spcAft>
-                    <a:spcPts val="0"/>
-                  </a:spcAft>
-                </a:pPr>
-                <a:r>
-                  <a:rPr lang="es-CO" sz="1500">
-                    <a:effectLst/>
-                    <a:latin typeface="Segoe UI Light" panose="020B0502040204020203" pitchFamily="34" charset="0"/>
-                    <a:ea typeface="Times New Roman" panose="02020603050405020304" pitchFamily="18" charset="0"/>
-                    <a:cs typeface="Times New Roman" panose="02020603050405020304" pitchFamily="18" charset="0"/>
-                  </a:rPr>
-                  <a:t> </a:t>
-                </a:r>
-                <a:endParaRPr lang="en-US" sz="1500">
-                  <a:effectLst/>
-                  <a:latin typeface="Segoe UI Light" panose="020B0502040204020203" pitchFamily="34" charset="0"/>
-                  <a:ea typeface="Times New Roman" panose="02020603050405020304" pitchFamily="18" charset="0"/>
-                  <a:cs typeface="Times New Roman" panose="02020603050405020304" pitchFamily="18" charset="0"/>
-                </a:endParaRPr>
-              </a:p>
-            </p:txBody>
-          </p:sp>
-          <p:sp>
-            <p:nvSpPr>
-              <p:cNvPr id="18" name="Cuadro de texto 2">
-                <a:extLst>
-                  <a:ext uri="{FF2B5EF4-FFF2-40B4-BE49-F238E27FC236}">
-                    <a16:creationId xmlns:a16="http://schemas.microsoft.com/office/drawing/2014/main" id="{42FCC331-2BC3-EFFB-9798-7C5D49346BED}"/>
-                  </a:ext>
-                </a:extLst>
-              </p:cNvPr>
-              <p:cNvSpPr txBox="1">
-                <a:spLocks noChangeArrowheads="1"/>
-              </p:cNvSpPr>
-              <p:nvPr/>
-            </p:nvSpPr>
-            <p:spPr bwMode="auto">
-              <a:xfrm>
-                <a:off x="43296" y="27684"/>
-                <a:ext cx="577850" cy="259287"/>
-              </a:xfrm>
-              <a:prstGeom prst="rect">
-                <a:avLst/>
-              </a:prstGeom>
-              <a:noFill/>
-              <a:ln w="9525">
-                <a:noFill/>
-                <a:miter lim="800000"/>
-                <a:headEnd/>
-                <a:tailEnd/>
-              </a:ln>
-            </p:spPr>
-            <p:txBody>
-              <a:bodyPr rot="0" vert="horz" wrap="square" lIns="91440" tIns="45720" rIns="91440" bIns="45720" anchor="t" anchorCtr="0">
-                <a:spAutoFit/>
-              </a:bodyPr>
-              <a:lstStyle/>
-              <a:p>
-                <a:pPr marL="0" marR="0" algn="ctr">
-                  <a:spcBef>
-                    <a:spcPts val="0"/>
-                  </a:spcBef>
-                  <a:spcAft>
-                    <a:spcPts val="0"/>
-                  </a:spcAft>
-                </a:pPr>
-                <a:r>
-                  <a:rPr lang="es-ES" sz="1500" dirty="0">
-                    <a:solidFill>
-                      <a:srgbClr val="FFFFFF"/>
-                    </a:solidFill>
-                    <a:effectLst/>
-                    <a:latin typeface="Adobe Devanagari" panose="02040503050201020203" pitchFamily="18" charset="0"/>
-                    <a:ea typeface="Times New Roman" panose="02020603050405020304" pitchFamily="18" charset="0"/>
-                    <a:cs typeface="Adobe Devanagari" panose="02040503050201020203" pitchFamily="18" charset="0"/>
-                  </a:rPr>
-                  <a:t>HRAS</a:t>
-                </a:r>
-                <a:endParaRPr lang="en-US" sz="1500" dirty="0">
-                  <a:effectLst/>
-                  <a:latin typeface="Adobe Devanagari" panose="02040503050201020203" pitchFamily="18" charset="0"/>
-                  <a:ea typeface="Times New Roman" panose="02020603050405020304" pitchFamily="18" charset="0"/>
-                  <a:cs typeface="Adobe Devanagari" panose="02040503050201020203" pitchFamily="18" charset="0"/>
-                </a:endParaRPr>
-              </a:p>
-            </p:txBody>
-          </p:sp>
-        </p:grpSp>
-      </p:grpSp>
       <p:sp>
         <p:nvSpPr>
           <p:cNvPr id="19" name="CuadroTexto 18">
@@ -19573,6 +19152,436 @@
           </a:p>
         </p:txBody>
       </p:sp>
+      <p:grpSp>
+        <p:nvGrpSpPr>
+          <p:cNvPr id="11" name="Grupo 10">
+            <a:extLst>
+              <a:ext uri="{FF2B5EF4-FFF2-40B4-BE49-F238E27FC236}">
+                <a16:creationId xmlns:a16="http://schemas.microsoft.com/office/drawing/2014/main" id="{49F3BE7B-A3FA-4F90-1BB4-024224B74F7B}"/>
+              </a:ext>
+            </a:extLst>
+          </p:cNvPr>
+          <p:cNvGrpSpPr/>
+          <p:nvPr/>
+        </p:nvGrpSpPr>
+        <p:grpSpPr>
+          <a:xfrm>
+            <a:off x="1" y="0"/>
+            <a:ext cx="12191999" cy="6858001"/>
+            <a:chOff x="1" y="0"/>
+            <a:chExt cx="12191999" cy="6858001"/>
+          </a:xfrm>
+        </p:grpSpPr>
+        <p:grpSp>
+          <p:nvGrpSpPr>
+            <p:cNvPr id="12" name="Grupo 11">
+              <a:extLst>
+                <a:ext uri="{FF2B5EF4-FFF2-40B4-BE49-F238E27FC236}">
+                  <a16:creationId xmlns:a16="http://schemas.microsoft.com/office/drawing/2014/main" id="{0065BFAE-F098-ED6C-E138-5B55E69510AA}"/>
+                </a:ext>
+              </a:extLst>
+            </p:cNvPr>
+            <p:cNvGrpSpPr/>
+            <p:nvPr/>
+          </p:nvGrpSpPr>
+          <p:grpSpPr>
+            <a:xfrm>
+              <a:off x="9789459" y="0"/>
+              <a:ext cx="2402541" cy="6858000"/>
+              <a:chOff x="9789459" y="7914"/>
+              <a:chExt cx="2402541" cy="6858000"/>
+            </a:xfrm>
+          </p:grpSpPr>
+          <p:sp>
+            <p:nvSpPr>
+              <p:cNvPr id="23" name="Rectángulo: esquinas diagonales redondeadas 22">
+                <a:extLst>
+                  <a:ext uri="{FF2B5EF4-FFF2-40B4-BE49-F238E27FC236}">
+                    <a16:creationId xmlns:a16="http://schemas.microsoft.com/office/drawing/2014/main" id="{96E421A6-2941-6D97-5E36-D9E23B9DF9B3}"/>
+                  </a:ext>
+                </a:extLst>
+              </p:cNvPr>
+              <p:cNvSpPr/>
+              <p:nvPr/>
+            </p:nvSpPr>
+            <p:spPr>
+              <a:xfrm>
+                <a:off x="9789459" y="6641796"/>
+                <a:ext cx="2402541" cy="224118"/>
+              </a:xfrm>
+              <a:prstGeom prst="round2DiagRect">
+                <a:avLst>
+                  <a:gd name="adj1" fmla="val 50000"/>
+                  <a:gd name="adj2" fmla="val 0"/>
+                </a:avLst>
+              </a:prstGeom>
+              <a:noFill/>
+              <a:ln>
+                <a:noFill/>
+              </a:ln>
+            </p:spPr>
+            <p:style>
+              <a:lnRef idx="2">
+                <a:schemeClr val="accent1">
+                  <a:shade val="50000"/>
+                </a:schemeClr>
+              </a:lnRef>
+              <a:fillRef idx="1">
+                <a:schemeClr val="accent1"/>
+              </a:fillRef>
+              <a:effectRef idx="0">
+                <a:schemeClr val="accent1"/>
+              </a:effectRef>
+              <a:fontRef idx="minor">
+                <a:schemeClr val="lt1"/>
+              </a:fontRef>
+            </p:style>
+            <p:txBody>
+              <a:bodyPr rtlCol="0" anchor="ctr"/>
+              <a:lstStyle/>
+              <a:p>
+                <a:pPr algn="r"/>
+                <a:r>
+                  <a:rPr lang="es-ES" sz="1200" dirty="0">
+                    <a:solidFill>
+                      <a:srgbClr val="990000"/>
+                    </a:solidFill>
+                    <a:latin typeface="Adobe Devanagari" panose="02040503050201020203" pitchFamily="18" charset="0"/>
+                    <a:cs typeface="Adobe Devanagari" panose="02040503050201020203" pitchFamily="18" charset="0"/>
+                  </a:rPr>
+                  <a:t>Introducción</a:t>
+                </a:r>
+                <a:endParaRPr lang="es-CO" sz="1200" dirty="0">
+                  <a:solidFill>
+                    <a:srgbClr val="990000"/>
+                  </a:solidFill>
+                  <a:latin typeface="Adobe Devanagari" panose="02040503050201020203" pitchFamily="18" charset="0"/>
+                  <a:cs typeface="Adobe Devanagari" panose="02040503050201020203" pitchFamily="18" charset="0"/>
+                </a:endParaRPr>
+              </a:p>
+            </p:txBody>
+          </p:sp>
+          <p:grpSp>
+            <p:nvGrpSpPr>
+              <p:cNvPr id="24" name="Grupo 23">
+                <a:extLst>
+                  <a:ext uri="{FF2B5EF4-FFF2-40B4-BE49-F238E27FC236}">
+                    <a16:creationId xmlns:a16="http://schemas.microsoft.com/office/drawing/2014/main" id="{78725AE1-9F1A-A036-4358-6898B011220B}"/>
+                  </a:ext>
+                </a:extLst>
+              </p:cNvPr>
+              <p:cNvGrpSpPr/>
+              <p:nvPr/>
+            </p:nvGrpSpPr>
+            <p:grpSpPr>
+              <a:xfrm>
+                <a:off x="11356240" y="7914"/>
+                <a:ext cx="835760" cy="349755"/>
+                <a:chOff x="0" y="6350"/>
+                <a:chExt cx="671158" cy="280621"/>
+              </a:xfrm>
+            </p:grpSpPr>
+            <p:sp>
+              <p:nvSpPr>
+                <p:cNvPr id="25" name="Rectángulo: una sola esquina redondeada 24">
+                  <a:extLst>
+                    <a:ext uri="{FF2B5EF4-FFF2-40B4-BE49-F238E27FC236}">
+                      <a16:creationId xmlns:a16="http://schemas.microsoft.com/office/drawing/2014/main" id="{05FBBA4D-8ADD-5948-AFFD-5CBE45AB5218}"/>
+                    </a:ext>
+                  </a:extLst>
+                </p:cNvPr>
+                <p:cNvSpPr/>
+                <p:nvPr/>
+              </p:nvSpPr>
+              <p:spPr>
+                <a:xfrm flipH="1" flipV="1">
+                  <a:off x="0" y="6350"/>
+                  <a:ext cx="671158" cy="274848"/>
+                </a:xfrm>
+                <a:prstGeom prst="round1Rect">
+                  <a:avLst>
+                    <a:gd name="adj" fmla="val 50000"/>
+                  </a:avLst>
+                </a:prstGeom>
+                <a:solidFill>
+                  <a:schemeClr val="tx1">
+                    <a:lumMod val="75000"/>
+                    <a:lumOff val="25000"/>
+                  </a:schemeClr>
+                </a:solidFill>
+                <a:ln>
+                  <a:solidFill>
+                    <a:schemeClr val="tx1">
+                      <a:lumMod val="75000"/>
+                      <a:lumOff val="25000"/>
+                    </a:schemeClr>
+                  </a:solidFill>
+                </a:ln>
+              </p:spPr>
+              <p:style>
+                <a:lnRef idx="2">
+                  <a:schemeClr val="accent1">
+                    <a:shade val="50000"/>
+                  </a:schemeClr>
+                </a:lnRef>
+                <a:fillRef idx="1">
+                  <a:schemeClr val="accent1"/>
+                </a:fillRef>
+                <a:effectRef idx="0">
+                  <a:schemeClr val="accent1"/>
+                </a:effectRef>
+                <a:fontRef idx="minor">
+                  <a:schemeClr val="lt1"/>
+                </a:fontRef>
+              </p:style>
+              <p:txBody>
+                <a:bodyPr rot="0" spcFirstLastPara="0" vert="horz" wrap="square" lIns="91440" tIns="45720" rIns="91440" bIns="45720" numCol="1" spcCol="0" rtlCol="0" fromWordArt="0" anchor="ctr" anchorCtr="0" forceAA="0" compatLnSpc="1">
+                  <a:prstTxWarp prst="textNoShape">
+                    <a:avLst/>
+                  </a:prstTxWarp>
+                  <a:noAutofit/>
+                </a:bodyPr>
+                <a:lstStyle/>
+                <a:p>
+                  <a:pPr marL="0" marR="0" algn="ctr">
+                    <a:spcBef>
+                      <a:spcPts val="0"/>
+                    </a:spcBef>
+                    <a:spcAft>
+                      <a:spcPts val="0"/>
+                    </a:spcAft>
+                  </a:pPr>
+                  <a:r>
+                    <a:rPr lang="es-CO" sz="1500">
+                      <a:effectLst/>
+                      <a:latin typeface="Segoe UI Light" panose="020B0502040204020203" pitchFamily="34" charset="0"/>
+                      <a:ea typeface="Times New Roman" panose="02020603050405020304" pitchFamily="18" charset="0"/>
+                      <a:cs typeface="Times New Roman" panose="02020603050405020304" pitchFamily="18" charset="0"/>
+                    </a:rPr>
+                    <a:t> </a:t>
+                  </a:r>
+                  <a:endParaRPr lang="en-US" sz="1500">
+                    <a:effectLst/>
+                    <a:latin typeface="Segoe UI Light" panose="020B0502040204020203" pitchFamily="34" charset="0"/>
+                    <a:ea typeface="Times New Roman" panose="02020603050405020304" pitchFamily="18" charset="0"/>
+                    <a:cs typeface="Times New Roman" panose="02020603050405020304" pitchFamily="18" charset="0"/>
+                  </a:endParaRPr>
+                </a:p>
+              </p:txBody>
+            </p:sp>
+            <p:sp>
+              <p:nvSpPr>
+                <p:cNvPr id="26" name="Cuadro de texto 2">
+                  <a:extLst>
+                    <a:ext uri="{FF2B5EF4-FFF2-40B4-BE49-F238E27FC236}">
+                      <a16:creationId xmlns:a16="http://schemas.microsoft.com/office/drawing/2014/main" id="{08726697-60DF-8716-42BE-ACF742BD8347}"/>
+                    </a:ext>
+                  </a:extLst>
+                </p:cNvPr>
+                <p:cNvSpPr txBox="1">
+                  <a:spLocks noChangeArrowheads="1"/>
+                </p:cNvSpPr>
+                <p:nvPr/>
+              </p:nvSpPr>
+              <p:spPr bwMode="auto">
+                <a:xfrm>
+                  <a:off x="43296" y="27684"/>
+                  <a:ext cx="577850" cy="259287"/>
+                </a:xfrm>
+                <a:prstGeom prst="rect">
+                  <a:avLst/>
+                </a:prstGeom>
+                <a:noFill/>
+                <a:ln w="9525">
+                  <a:noFill/>
+                  <a:miter lim="800000"/>
+                  <a:headEnd/>
+                  <a:tailEnd/>
+                </a:ln>
+              </p:spPr>
+              <p:txBody>
+                <a:bodyPr rot="0" vert="horz" wrap="square" lIns="91440" tIns="45720" rIns="91440" bIns="45720" anchor="t" anchorCtr="0">
+                  <a:spAutoFit/>
+                </a:bodyPr>
+                <a:lstStyle/>
+                <a:p>
+                  <a:pPr marL="0" marR="0" algn="ctr">
+                    <a:spcBef>
+                      <a:spcPts val="0"/>
+                    </a:spcBef>
+                    <a:spcAft>
+                      <a:spcPts val="0"/>
+                    </a:spcAft>
+                  </a:pPr>
+                  <a:r>
+                    <a:rPr lang="es-ES" sz="1500" dirty="0">
+                      <a:solidFill>
+                        <a:srgbClr val="FFFFFF"/>
+                      </a:solidFill>
+                      <a:effectLst/>
+                      <a:latin typeface="Adobe Devanagari" panose="02040503050201020203" pitchFamily="18" charset="0"/>
+                      <a:ea typeface="Times New Roman" panose="02020603050405020304" pitchFamily="18" charset="0"/>
+                      <a:cs typeface="Adobe Devanagari" panose="02040503050201020203" pitchFamily="18" charset="0"/>
+                    </a:rPr>
+                    <a:t>HRAS</a:t>
+                  </a:r>
+                  <a:endParaRPr lang="en-US" sz="1500" dirty="0">
+                    <a:effectLst/>
+                    <a:latin typeface="Adobe Devanagari" panose="02040503050201020203" pitchFamily="18" charset="0"/>
+                    <a:ea typeface="Times New Roman" panose="02020603050405020304" pitchFamily="18" charset="0"/>
+                    <a:cs typeface="Adobe Devanagari" panose="02040503050201020203" pitchFamily="18" charset="0"/>
+                  </a:endParaRPr>
+                </a:p>
+              </p:txBody>
+            </p:sp>
+          </p:grpSp>
+        </p:grpSp>
+        <p:grpSp>
+          <p:nvGrpSpPr>
+            <p:cNvPr id="15" name="Grupo 14">
+              <a:extLst>
+                <a:ext uri="{FF2B5EF4-FFF2-40B4-BE49-F238E27FC236}">
+                  <a16:creationId xmlns:a16="http://schemas.microsoft.com/office/drawing/2014/main" id="{EFF3EABD-30A4-942A-B37C-C88519A6369B}"/>
+                </a:ext>
+              </a:extLst>
+            </p:cNvPr>
+            <p:cNvGrpSpPr/>
+            <p:nvPr/>
+          </p:nvGrpSpPr>
+          <p:grpSpPr>
+            <a:xfrm>
+              <a:off x="1" y="0"/>
+              <a:ext cx="320040" cy="6858001"/>
+              <a:chOff x="1" y="0"/>
+              <a:chExt cx="320040" cy="6858001"/>
+            </a:xfrm>
+          </p:grpSpPr>
+          <p:sp>
+            <p:nvSpPr>
+              <p:cNvPr id="21" name="Rectángulo 20">
+                <a:extLst>
+                  <a:ext uri="{FF2B5EF4-FFF2-40B4-BE49-F238E27FC236}">
+                    <a16:creationId xmlns:a16="http://schemas.microsoft.com/office/drawing/2014/main" id="{DCBDE586-51A6-1A26-462E-B2FD6B2A5284}"/>
+                  </a:ext>
+                </a:extLst>
+              </p:cNvPr>
+              <p:cNvSpPr/>
+              <p:nvPr/>
+            </p:nvSpPr>
+            <p:spPr>
+              <a:xfrm>
+                <a:off x="1" y="1"/>
+                <a:ext cx="320040" cy="6858000"/>
+              </a:xfrm>
+              <a:prstGeom prst="rect">
+                <a:avLst/>
+              </a:prstGeom>
+              <a:solidFill>
+                <a:srgbClr val="990000"/>
+              </a:solidFill>
+              <a:ln>
+                <a:solidFill>
+                  <a:srgbClr val="990000"/>
+                </a:solidFill>
+              </a:ln>
+              <a:effectLst/>
+            </p:spPr>
+            <p:style>
+              <a:lnRef idx="2">
+                <a:schemeClr val="accent1">
+                  <a:shade val="50000"/>
+                </a:schemeClr>
+              </a:lnRef>
+              <a:fillRef idx="1">
+                <a:schemeClr val="accent1"/>
+              </a:fillRef>
+              <a:effectRef idx="0">
+                <a:schemeClr val="accent1"/>
+              </a:effectRef>
+              <a:fontRef idx="minor">
+                <a:schemeClr val="lt1"/>
+              </a:fontRef>
+            </p:style>
+            <p:txBody>
+              <a:bodyPr rtlCol="0" anchor="ctr"/>
+              <a:lstStyle/>
+              <a:p>
+                <a:pPr algn="ctr"/>
+                <a:endParaRPr lang="en-US" dirty="0"/>
+              </a:p>
+            </p:txBody>
+          </p:sp>
+          <p:sp>
+            <p:nvSpPr>
+              <p:cNvPr id="22" name="Rectángulo: esquinas diagonales redondeadas 21">
+                <a:extLst>
+                  <a:ext uri="{FF2B5EF4-FFF2-40B4-BE49-F238E27FC236}">
+                    <a16:creationId xmlns:a16="http://schemas.microsoft.com/office/drawing/2014/main" id="{102E8A66-FFE1-397B-858F-2CBEE0F6C3FE}"/>
+                  </a:ext>
+                </a:extLst>
+              </p:cNvPr>
+              <p:cNvSpPr/>
+              <p:nvPr/>
+            </p:nvSpPr>
+            <p:spPr>
+              <a:xfrm rot="16200000">
+                <a:off x="-3185312" y="3251862"/>
+                <a:ext cx="6724044" cy="220320"/>
+              </a:xfrm>
+              <a:prstGeom prst="round2DiagRect">
+                <a:avLst>
+                  <a:gd name="adj1" fmla="val 50000"/>
+                  <a:gd name="adj2" fmla="val 0"/>
+                </a:avLst>
+              </a:prstGeom>
+              <a:noFill/>
+              <a:ln>
+                <a:noFill/>
+              </a:ln>
+            </p:spPr>
+            <p:style>
+              <a:lnRef idx="2">
+                <a:schemeClr val="accent1">
+                  <a:shade val="50000"/>
+                </a:schemeClr>
+              </a:lnRef>
+              <a:fillRef idx="1">
+                <a:schemeClr val="accent1"/>
+              </a:fillRef>
+              <a:effectRef idx="0">
+                <a:schemeClr val="accent1"/>
+              </a:effectRef>
+              <a:fontRef idx="minor">
+                <a:schemeClr val="lt1"/>
+              </a:fontRef>
+            </p:style>
+            <p:txBody>
+              <a:bodyPr rtlCol="0" anchor="ctr"/>
+              <a:lstStyle/>
+              <a:p>
+                <a:pPr algn="ctr"/>
+                <a:r>
+                  <a:rPr lang="es-ES" sz="1200" dirty="0">
+                    <a:solidFill>
+                      <a:schemeClr val="bg1"/>
+                    </a:solidFill>
+                    <a:latin typeface="Adobe Devanagari" panose="02040503050201020203" pitchFamily="18" charset="0"/>
+                    <a:cs typeface="Adobe Devanagari" panose="02040503050201020203" pitchFamily="18" charset="0"/>
+                  </a:rPr>
+                  <a:t>Ingeniería Civil – Centro de Estudios Hidráulicos – Modelación Hidráulica de Canales en HEC-RAS </a:t>
+                </a:r>
+                <a:endParaRPr lang="es-CO" sz="1200" dirty="0">
+                  <a:solidFill>
+                    <a:schemeClr val="bg1"/>
+                  </a:solidFill>
+                  <a:latin typeface="Adobe Devanagari" panose="02040503050201020203" pitchFamily="18" charset="0"/>
+                  <a:cs typeface="Adobe Devanagari" panose="02040503050201020203" pitchFamily="18" charset="0"/>
+                </a:endParaRPr>
+              </a:p>
+            </p:txBody>
+          </p:sp>
+        </p:grpSp>
+      </p:grpSp>
     </p:spTree>
     <p:extLst>
       <p:ext uri="{BB962C8B-B14F-4D97-AF65-F5344CB8AC3E}">
@@ -19583,13 +19592,13 @@
   <p:clrMapOvr>
     <a:masterClrMapping/>
   </p:clrMapOvr>
-  <mc:AlternateContent xmlns:mc="http://schemas.openxmlformats.org/markup-compatibility/2006">
-    <mc:Choice xmlns:p14="http://schemas.microsoft.com/office/powerpoint/2010/main" Requires="p14">
+  <mc:AlternateContent xmlns:mc="http://schemas.openxmlformats.org/markup-compatibility/2006" xmlns:p14="http://schemas.microsoft.com/office/powerpoint/2010/main">
+    <mc:Choice Requires="p14">
       <p:transition spd="med" p14:dur="700">
         <p:fade/>
       </p:transition>
     </mc:Choice>
-    <mc:Fallback>
+    <mc:Fallback xmlns="">
       <p:transition spd="med">
         <p:fade/>
       </p:transition>
@@ -19648,343 +19657,6 @@
           </a:p>
         </p:txBody>
       </p:sp>
-      <p:grpSp>
-        <p:nvGrpSpPr>
-          <p:cNvPr id="4" name="Grupo 3">
-            <a:extLst>
-              <a:ext uri="{FF2B5EF4-FFF2-40B4-BE49-F238E27FC236}">
-                <a16:creationId xmlns:a16="http://schemas.microsoft.com/office/drawing/2014/main" id="{7C28BA06-AAE6-D767-8A05-BA8020A1774D}"/>
-              </a:ext>
-            </a:extLst>
-          </p:cNvPr>
-          <p:cNvGrpSpPr/>
-          <p:nvPr/>
-        </p:nvGrpSpPr>
-        <p:grpSpPr>
-          <a:xfrm>
-            <a:off x="0" y="7914"/>
-            <a:ext cx="12515105" cy="7107353"/>
-            <a:chOff x="0" y="7914"/>
-            <a:chExt cx="12515105" cy="7107353"/>
-          </a:xfrm>
-        </p:grpSpPr>
-        <p:sp>
-          <p:nvSpPr>
-            <p:cNvPr id="29" name="Rectángulo: esquinas diagonales redondeadas 28">
-              <a:extLst>
-                <a:ext uri="{FF2B5EF4-FFF2-40B4-BE49-F238E27FC236}">
-                  <a16:creationId xmlns:a16="http://schemas.microsoft.com/office/drawing/2014/main" id="{334138AE-EA0B-4EA0-8E34-A77C79CC7568}"/>
-                </a:ext>
-              </a:extLst>
-            </p:cNvPr>
-            <p:cNvSpPr/>
-            <p:nvPr/>
-          </p:nvSpPr>
-          <p:spPr>
-            <a:xfrm>
-              <a:off x="0" y="6643269"/>
-              <a:ext cx="1699346" cy="214731"/>
-            </a:xfrm>
-            <a:prstGeom prst="round2DiagRect">
-              <a:avLst>
-                <a:gd name="adj1" fmla="val 50000"/>
-                <a:gd name="adj2" fmla="val 0"/>
-              </a:avLst>
-            </a:prstGeom>
-            <a:noFill/>
-            <a:ln>
-              <a:noFill/>
-            </a:ln>
-          </p:spPr>
-          <p:style>
-            <a:lnRef idx="2">
-              <a:schemeClr val="accent1">
-                <a:shade val="50000"/>
-              </a:schemeClr>
-            </a:lnRef>
-            <a:fillRef idx="1">
-              <a:schemeClr val="accent1"/>
-            </a:fillRef>
-            <a:effectRef idx="0">
-              <a:schemeClr val="accent1"/>
-            </a:effectRef>
-            <a:fontRef idx="minor">
-              <a:schemeClr val="lt1"/>
-            </a:fontRef>
-          </p:style>
-          <p:txBody>
-            <a:bodyPr rtlCol="0" anchor="ctr"/>
-            <a:lstStyle/>
-            <a:p>
-              <a:r>
-                <a:rPr lang="es-ES" sz="1200" dirty="0">
-                  <a:solidFill>
-                    <a:schemeClr val="tx1">
-                      <a:lumMod val="65000"/>
-                      <a:lumOff val="35000"/>
-                    </a:schemeClr>
-                  </a:solidFill>
-                  <a:latin typeface="Adobe Devanagari" panose="02040503050201020203" pitchFamily="18" charset="0"/>
-                  <a:cs typeface="Adobe Devanagari" panose="02040503050201020203" pitchFamily="18" charset="0"/>
-                </a:rPr>
-                <a:t>Introducción</a:t>
-              </a:r>
-              <a:endParaRPr lang="es-CO" sz="1200" dirty="0">
-                <a:solidFill>
-                  <a:schemeClr val="tx1">
-                    <a:lumMod val="65000"/>
-                    <a:lumOff val="35000"/>
-                  </a:schemeClr>
-                </a:solidFill>
-                <a:latin typeface="Adobe Devanagari" panose="02040503050201020203" pitchFamily="18" charset="0"/>
-                <a:cs typeface="Adobe Devanagari" panose="02040503050201020203" pitchFamily="18" charset="0"/>
-              </a:endParaRPr>
-            </a:p>
-          </p:txBody>
-        </p:sp>
-        <p:pic>
-          <p:nvPicPr>
-            <p:cNvPr id="14" name="Picture 12" descr="See the source image">
-              <a:extLst>
-                <a:ext uri="{FF2B5EF4-FFF2-40B4-BE49-F238E27FC236}">
-                  <a16:creationId xmlns:a16="http://schemas.microsoft.com/office/drawing/2014/main" id="{572CB045-321C-8E49-542A-7B8765BAC870}"/>
-                </a:ext>
-              </a:extLst>
-            </p:cNvPr>
-            <p:cNvPicPr>
-              <a:picLocks noChangeAspect="1" noChangeArrowheads="1"/>
-            </p:cNvPicPr>
-            <p:nvPr/>
-          </p:nvPicPr>
-          <p:blipFill>
-            <a:blip r:embed="rId3">
-              <a:duotone>
-                <a:schemeClr val="accent4">
-                  <a:shade val="45000"/>
-                  <a:satMod val="135000"/>
-                </a:schemeClr>
-                <a:prstClr val="white"/>
-              </a:duotone>
-              <a:extLst>
-                <a:ext uri="{BEBA8EAE-BF5A-486C-A8C5-ECC9F3942E4B}">
-                  <a14:imgProps xmlns:a14="http://schemas.microsoft.com/office/drawing/2010/main">
-                    <a14:imgLayer r:embed="rId4">
-                      <a14:imgEffect>
-                        <a14:backgroundRemoval t="9920" b="95291" l="10000" r="90000">
-                          <a14:foregroundMark x1="64000" y1="91082" x2="55250" y2="93687"/>
-                          <a14:foregroundMark x1="55250" y1="93687" x2="46125" y2="91483"/>
-                          <a14:foregroundMark x1="46125" y1="91483" x2="45125" y2="91483"/>
-                          <a14:foregroundMark x1="57625" y1="94990" x2="52125" y2="95291"/>
-                        </a14:backgroundRemoval>
-                      </a14:imgEffect>
-                    </a14:imgLayer>
-                  </a14:imgProps>
-                </a:ext>
-                <a:ext uri="{28A0092B-C50C-407E-A947-70E740481C1C}">
-                  <a14:useLocalDpi xmlns:a14="http://schemas.microsoft.com/office/drawing/2010/main" val="0"/>
-                </a:ext>
-              </a:extLst>
-            </a:blip>
-            <a:srcRect/>
-            <a:stretch>
-              <a:fillRect/>
-            </a:stretch>
-          </p:blipFill>
-          <p:spPr bwMode="auto">
-            <a:xfrm flipV="1">
-              <a:off x="10374409" y="4444806"/>
-              <a:ext cx="2140696" cy="2670461"/>
-            </a:xfrm>
-            <a:prstGeom prst="rect">
-              <a:avLst/>
-            </a:prstGeom>
-            <a:noFill/>
-            <a:extLst>
-              <a:ext uri="{909E8E84-426E-40DD-AFC4-6F175D3DCCD1}">
-                <a14:hiddenFill xmlns:a14="http://schemas.microsoft.com/office/drawing/2010/main">
-                  <a:solidFill>
-                    <a:srgbClr val="FFFFFF"/>
-                  </a:solidFill>
-                </a14:hiddenFill>
-              </a:ext>
-            </a:extLst>
-          </p:spPr>
-        </p:pic>
-        <p:grpSp>
-          <p:nvGrpSpPr>
-            <p:cNvPr id="16" name="Grupo 15">
-              <a:extLst>
-                <a:ext uri="{FF2B5EF4-FFF2-40B4-BE49-F238E27FC236}">
-                  <a16:creationId xmlns:a16="http://schemas.microsoft.com/office/drawing/2014/main" id="{3733B50A-13DF-E650-BE25-3A9EBED48B50}"/>
-                </a:ext>
-              </a:extLst>
-            </p:cNvPr>
-            <p:cNvGrpSpPr/>
-            <p:nvPr/>
-          </p:nvGrpSpPr>
-          <p:grpSpPr>
-            <a:xfrm>
-              <a:off x="11356240" y="7914"/>
-              <a:ext cx="835760" cy="349755"/>
-              <a:chOff x="0" y="6350"/>
-              <a:chExt cx="671158" cy="280621"/>
-            </a:xfrm>
-          </p:grpSpPr>
-          <p:sp>
-            <p:nvSpPr>
-              <p:cNvPr id="17" name="Rectángulo: una sola esquina redondeada 16">
-                <a:extLst>
-                  <a:ext uri="{FF2B5EF4-FFF2-40B4-BE49-F238E27FC236}">
-                    <a16:creationId xmlns:a16="http://schemas.microsoft.com/office/drawing/2014/main" id="{601E0294-C923-2559-FEB2-7D5555095840}"/>
-                  </a:ext>
-                </a:extLst>
-              </p:cNvPr>
-              <p:cNvSpPr/>
-              <p:nvPr/>
-            </p:nvSpPr>
-            <p:spPr>
-              <a:xfrm flipH="1" flipV="1">
-                <a:off x="0" y="6350"/>
-                <a:ext cx="671158" cy="274848"/>
-              </a:xfrm>
-              <a:prstGeom prst="round1Rect">
-                <a:avLst>
-                  <a:gd name="adj" fmla="val 50000"/>
-                </a:avLst>
-              </a:prstGeom>
-              <a:solidFill>
-                <a:schemeClr val="tx1">
-                  <a:lumMod val="75000"/>
-                  <a:lumOff val="25000"/>
-                </a:schemeClr>
-              </a:solidFill>
-              <a:ln>
-                <a:solidFill>
-                  <a:schemeClr val="tx1">
-                    <a:lumMod val="75000"/>
-                    <a:lumOff val="25000"/>
-                  </a:schemeClr>
-                </a:solidFill>
-              </a:ln>
-            </p:spPr>
-            <p:style>
-              <a:lnRef idx="2">
-                <a:schemeClr val="accent1">
-                  <a:shade val="50000"/>
-                </a:schemeClr>
-              </a:lnRef>
-              <a:fillRef idx="1">
-                <a:schemeClr val="accent1"/>
-              </a:fillRef>
-              <a:effectRef idx="0">
-                <a:schemeClr val="accent1"/>
-              </a:effectRef>
-              <a:fontRef idx="minor">
-                <a:schemeClr val="lt1"/>
-              </a:fontRef>
-            </p:style>
-            <p:txBody>
-              <a:bodyPr rot="0" spcFirstLastPara="0" vert="horz" wrap="square" lIns="91440" tIns="45720" rIns="91440" bIns="45720" numCol="1" spcCol="0" rtlCol="0" fromWordArt="0" anchor="ctr" anchorCtr="0" forceAA="0" compatLnSpc="1">
-                <a:prstTxWarp prst="textNoShape">
-                  <a:avLst/>
-                </a:prstTxWarp>
-                <a:noAutofit/>
-              </a:bodyPr>
-              <a:lstStyle/>
-              <a:p>
-                <a:pPr marL="0" marR="0" algn="ctr">
-                  <a:spcBef>
-                    <a:spcPts val="0"/>
-                  </a:spcBef>
-                  <a:spcAft>
-                    <a:spcPts val="0"/>
-                  </a:spcAft>
-                </a:pPr>
-                <a:r>
-                  <a:rPr lang="es-CO" sz="1500">
-                    <a:effectLst/>
-                    <a:latin typeface="Segoe UI Light" panose="020B0502040204020203" pitchFamily="34" charset="0"/>
-                    <a:ea typeface="Times New Roman" panose="02020603050405020304" pitchFamily="18" charset="0"/>
-                    <a:cs typeface="Times New Roman" panose="02020603050405020304" pitchFamily="18" charset="0"/>
-                  </a:rPr>
-                  <a:t> </a:t>
-                </a:r>
-                <a:endParaRPr lang="en-US" sz="1500">
-                  <a:effectLst/>
-                  <a:latin typeface="Segoe UI Light" panose="020B0502040204020203" pitchFamily="34" charset="0"/>
-                  <a:ea typeface="Times New Roman" panose="02020603050405020304" pitchFamily="18" charset="0"/>
-                  <a:cs typeface="Times New Roman" panose="02020603050405020304" pitchFamily="18" charset="0"/>
-                </a:endParaRPr>
-              </a:p>
-            </p:txBody>
-          </p:sp>
-          <p:sp>
-            <p:nvSpPr>
-              <p:cNvPr id="18" name="Cuadro de texto 2">
-                <a:extLst>
-                  <a:ext uri="{FF2B5EF4-FFF2-40B4-BE49-F238E27FC236}">
-                    <a16:creationId xmlns:a16="http://schemas.microsoft.com/office/drawing/2014/main" id="{42FCC331-2BC3-EFFB-9798-7C5D49346BED}"/>
-                  </a:ext>
-                </a:extLst>
-              </p:cNvPr>
-              <p:cNvSpPr txBox="1">
-                <a:spLocks noChangeArrowheads="1"/>
-              </p:cNvSpPr>
-              <p:nvPr/>
-            </p:nvSpPr>
-            <p:spPr bwMode="auto">
-              <a:xfrm>
-                <a:off x="43296" y="27684"/>
-                <a:ext cx="577850" cy="259287"/>
-              </a:xfrm>
-              <a:prstGeom prst="rect">
-                <a:avLst/>
-              </a:prstGeom>
-              <a:noFill/>
-              <a:ln w="9525">
-                <a:noFill/>
-                <a:miter lim="800000"/>
-                <a:headEnd/>
-                <a:tailEnd/>
-              </a:ln>
-            </p:spPr>
-            <p:txBody>
-              <a:bodyPr rot="0" vert="horz" wrap="square" lIns="91440" tIns="45720" rIns="91440" bIns="45720" anchor="t" anchorCtr="0">
-                <a:spAutoFit/>
-              </a:bodyPr>
-              <a:lstStyle/>
-              <a:p>
-                <a:pPr marL="0" marR="0" algn="ctr">
-                  <a:spcBef>
-                    <a:spcPts val="0"/>
-                  </a:spcBef>
-                  <a:spcAft>
-                    <a:spcPts val="0"/>
-                  </a:spcAft>
-                </a:pPr>
-                <a:r>
-                  <a:rPr lang="es-ES" sz="1500" dirty="0">
-                    <a:solidFill>
-                      <a:srgbClr val="FFFFFF"/>
-                    </a:solidFill>
-                    <a:effectLst/>
-                    <a:latin typeface="Adobe Devanagari" panose="02040503050201020203" pitchFamily="18" charset="0"/>
-                    <a:ea typeface="Times New Roman" panose="02020603050405020304" pitchFamily="18" charset="0"/>
-                    <a:cs typeface="Adobe Devanagari" panose="02040503050201020203" pitchFamily="18" charset="0"/>
-                  </a:rPr>
-                  <a:t>HRAS</a:t>
-                </a:r>
-                <a:endParaRPr lang="en-US" sz="1500" dirty="0">
-                  <a:effectLst/>
-                  <a:latin typeface="Adobe Devanagari" panose="02040503050201020203" pitchFamily="18" charset="0"/>
-                  <a:ea typeface="Times New Roman" panose="02020603050405020304" pitchFamily="18" charset="0"/>
-                  <a:cs typeface="Adobe Devanagari" panose="02040503050201020203" pitchFamily="18" charset="0"/>
-                </a:endParaRPr>
-              </a:p>
-            </p:txBody>
-          </p:sp>
-        </p:grpSp>
-      </p:grpSp>
       <p:sp>
         <p:nvSpPr>
           <p:cNvPr id="19" name="CuadroTexto 18">
@@ -20156,6 +19828,436 @@
           </a:p>
         </p:txBody>
       </p:sp>
+      <p:grpSp>
+        <p:nvGrpSpPr>
+          <p:cNvPr id="11" name="Grupo 10">
+            <a:extLst>
+              <a:ext uri="{FF2B5EF4-FFF2-40B4-BE49-F238E27FC236}">
+                <a16:creationId xmlns:a16="http://schemas.microsoft.com/office/drawing/2014/main" id="{B9266711-BFE7-3C38-5F2F-AA2D40CFCD3F}"/>
+              </a:ext>
+            </a:extLst>
+          </p:cNvPr>
+          <p:cNvGrpSpPr/>
+          <p:nvPr/>
+        </p:nvGrpSpPr>
+        <p:grpSpPr>
+          <a:xfrm>
+            <a:off x="1" y="0"/>
+            <a:ext cx="12191999" cy="6858001"/>
+            <a:chOff x="1" y="0"/>
+            <a:chExt cx="12191999" cy="6858001"/>
+          </a:xfrm>
+        </p:grpSpPr>
+        <p:grpSp>
+          <p:nvGrpSpPr>
+            <p:cNvPr id="12" name="Grupo 11">
+              <a:extLst>
+                <a:ext uri="{FF2B5EF4-FFF2-40B4-BE49-F238E27FC236}">
+                  <a16:creationId xmlns:a16="http://schemas.microsoft.com/office/drawing/2014/main" id="{AB46C206-8EF8-B4E2-9E86-AB5CBE2929CF}"/>
+                </a:ext>
+              </a:extLst>
+            </p:cNvPr>
+            <p:cNvGrpSpPr/>
+            <p:nvPr/>
+          </p:nvGrpSpPr>
+          <p:grpSpPr>
+            <a:xfrm>
+              <a:off x="9789459" y="0"/>
+              <a:ext cx="2402541" cy="6858000"/>
+              <a:chOff x="9789459" y="7914"/>
+              <a:chExt cx="2402541" cy="6858000"/>
+            </a:xfrm>
+          </p:grpSpPr>
+          <p:sp>
+            <p:nvSpPr>
+              <p:cNvPr id="23" name="Rectángulo: esquinas diagonales redondeadas 22">
+                <a:extLst>
+                  <a:ext uri="{FF2B5EF4-FFF2-40B4-BE49-F238E27FC236}">
+                    <a16:creationId xmlns:a16="http://schemas.microsoft.com/office/drawing/2014/main" id="{12B98B92-8D34-63BE-9CA0-EE49899A5F6D}"/>
+                  </a:ext>
+                </a:extLst>
+              </p:cNvPr>
+              <p:cNvSpPr/>
+              <p:nvPr/>
+            </p:nvSpPr>
+            <p:spPr>
+              <a:xfrm>
+                <a:off x="9789459" y="6641796"/>
+                <a:ext cx="2402541" cy="224118"/>
+              </a:xfrm>
+              <a:prstGeom prst="round2DiagRect">
+                <a:avLst>
+                  <a:gd name="adj1" fmla="val 50000"/>
+                  <a:gd name="adj2" fmla="val 0"/>
+                </a:avLst>
+              </a:prstGeom>
+              <a:noFill/>
+              <a:ln>
+                <a:noFill/>
+              </a:ln>
+            </p:spPr>
+            <p:style>
+              <a:lnRef idx="2">
+                <a:schemeClr val="accent1">
+                  <a:shade val="50000"/>
+                </a:schemeClr>
+              </a:lnRef>
+              <a:fillRef idx="1">
+                <a:schemeClr val="accent1"/>
+              </a:fillRef>
+              <a:effectRef idx="0">
+                <a:schemeClr val="accent1"/>
+              </a:effectRef>
+              <a:fontRef idx="minor">
+                <a:schemeClr val="lt1"/>
+              </a:fontRef>
+            </p:style>
+            <p:txBody>
+              <a:bodyPr rtlCol="0" anchor="ctr"/>
+              <a:lstStyle/>
+              <a:p>
+                <a:pPr algn="r"/>
+                <a:r>
+                  <a:rPr lang="es-ES" sz="1200" dirty="0">
+                    <a:solidFill>
+                      <a:srgbClr val="990000"/>
+                    </a:solidFill>
+                    <a:latin typeface="Adobe Devanagari" panose="02040503050201020203" pitchFamily="18" charset="0"/>
+                    <a:cs typeface="Adobe Devanagari" panose="02040503050201020203" pitchFamily="18" charset="0"/>
+                  </a:rPr>
+                  <a:t>Introducción</a:t>
+                </a:r>
+                <a:endParaRPr lang="es-CO" sz="1200" dirty="0">
+                  <a:solidFill>
+                    <a:srgbClr val="990000"/>
+                  </a:solidFill>
+                  <a:latin typeface="Adobe Devanagari" panose="02040503050201020203" pitchFamily="18" charset="0"/>
+                  <a:cs typeface="Adobe Devanagari" panose="02040503050201020203" pitchFamily="18" charset="0"/>
+                </a:endParaRPr>
+              </a:p>
+            </p:txBody>
+          </p:sp>
+          <p:grpSp>
+            <p:nvGrpSpPr>
+              <p:cNvPr id="24" name="Grupo 23">
+                <a:extLst>
+                  <a:ext uri="{FF2B5EF4-FFF2-40B4-BE49-F238E27FC236}">
+                    <a16:creationId xmlns:a16="http://schemas.microsoft.com/office/drawing/2014/main" id="{D63ED98D-8A7E-632F-9533-64E7CB5490E5}"/>
+                  </a:ext>
+                </a:extLst>
+              </p:cNvPr>
+              <p:cNvGrpSpPr/>
+              <p:nvPr/>
+            </p:nvGrpSpPr>
+            <p:grpSpPr>
+              <a:xfrm>
+                <a:off x="11356240" y="7914"/>
+                <a:ext cx="835760" cy="349755"/>
+                <a:chOff x="0" y="6350"/>
+                <a:chExt cx="671158" cy="280621"/>
+              </a:xfrm>
+            </p:grpSpPr>
+            <p:sp>
+              <p:nvSpPr>
+                <p:cNvPr id="25" name="Rectángulo: una sola esquina redondeada 24">
+                  <a:extLst>
+                    <a:ext uri="{FF2B5EF4-FFF2-40B4-BE49-F238E27FC236}">
+                      <a16:creationId xmlns:a16="http://schemas.microsoft.com/office/drawing/2014/main" id="{0215E23C-B4A1-FB31-5047-9FA5CEBB9F94}"/>
+                    </a:ext>
+                  </a:extLst>
+                </p:cNvPr>
+                <p:cNvSpPr/>
+                <p:nvPr/>
+              </p:nvSpPr>
+              <p:spPr>
+                <a:xfrm flipH="1" flipV="1">
+                  <a:off x="0" y="6350"/>
+                  <a:ext cx="671158" cy="274848"/>
+                </a:xfrm>
+                <a:prstGeom prst="round1Rect">
+                  <a:avLst>
+                    <a:gd name="adj" fmla="val 50000"/>
+                  </a:avLst>
+                </a:prstGeom>
+                <a:solidFill>
+                  <a:schemeClr val="tx1">
+                    <a:lumMod val="75000"/>
+                    <a:lumOff val="25000"/>
+                  </a:schemeClr>
+                </a:solidFill>
+                <a:ln>
+                  <a:solidFill>
+                    <a:schemeClr val="tx1">
+                      <a:lumMod val="75000"/>
+                      <a:lumOff val="25000"/>
+                    </a:schemeClr>
+                  </a:solidFill>
+                </a:ln>
+              </p:spPr>
+              <p:style>
+                <a:lnRef idx="2">
+                  <a:schemeClr val="accent1">
+                    <a:shade val="50000"/>
+                  </a:schemeClr>
+                </a:lnRef>
+                <a:fillRef idx="1">
+                  <a:schemeClr val="accent1"/>
+                </a:fillRef>
+                <a:effectRef idx="0">
+                  <a:schemeClr val="accent1"/>
+                </a:effectRef>
+                <a:fontRef idx="minor">
+                  <a:schemeClr val="lt1"/>
+                </a:fontRef>
+              </p:style>
+              <p:txBody>
+                <a:bodyPr rot="0" spcFirstLastPara="0" vert="horz" wrap="square" lIns="91440" tIns="45720" rIns="91440" bIns="45720" numCol="1" spcCol="0" rtlCol="0" fromWordArt="0" anchor="ctr" anchorCtr="0" forceAA="0" compatLnSpc="1">
+                  <a:prstTxWarp prst="textNoShape">
+                    <a:avLst/>
+                  </a:prstTxWarp>
+                  <a:noAutofit/>
+                </a:bodyPr>
+                <a:lstStyle/>
+                <a:p>
+                  <a:pPr marL="0" marR="0" algn="ctr">
+                    <a:spcBef>
+                      <a:spcPts val="0"/>
+                    </a:spcBef>
+                    <a:spcAft>
+                      <a:spcPts val="0"/>
+                    </a:spcAft>
+                  </a:pPr>
+                  <a:r>
+                    <a:rPr lang="es-CO" sz="1500">
+                      <a:effectLst/>
+                      <a:latin typeface="Segoe UI Light" panose="020B0502040204020203" pitchFamily="34" charset="0"/>
+                      <a:ea typeface="Times New Roman" panose="02020603050405020304" pitchFamily="18" charset="0"/>
+                      <a:cs typeface="Times New Roman" panose="02020603050405020304" pitchFamily="18" charset="0"/>
+                    </a:rPr>
+                    <a:t> </a:t>
+                  </a:r>
+                  <a:endParaRPr lang="en-US" sz="1500">
+                    <a:effectLst/>
+                    <a:latin typeface="Segoe UI Light" panose="020B0502040204020203" pitchFamily="34" charset="0"/>
+                    <a:ea typeface="Times New Roman" panose="02020603050405020304" pitchFamily="18" charset="0"/>
+                    <a:cs typeface="Times New Roman" panose="02020603050405020304" pitchFamily="18" charset="0"/>
+                  </a:endParaRPr>
+                </a:p>
+              </p:txBody>
+            </p:sp>
+            <p:sp>
+              <p:nvSpPr>
+                <p:cNvPr id="26" name="Cuadro de texto 2">
+                  <a:extLst>
+                    <a:ext uri="{FF2B5EF4-FFF2-40B4-BE49-F238E27FC236}">
+                      <a16:creationId xmlns:a16="http://schemas.microsoft.com/office/drawing/2014/main" id="{F2653DF9-4F18-A44B-19D9-8583AA43B60F}"/>
+                    </a:ext>
+                  </a:extLst>
+                </p:cNvPr>
+                <p:cNvSpPr txBox="1">
+                  <a:spLocks noChangeArrowheads="1"/>
+                </p:cNvSpPr>
+                <p:nvPr/>
+              </p:nvSpPr>
+              <p:spPr bwMode="auto">
+                <a:xfrm>
+                  <a:off x="43296" y="27684"/>
+                  <a:ext cx="577850" cy="259287"/>
+                </a:xfrm>
+                <a:prstGeom prst="rect">
+                  <a:avLst/>
+                </a:prstGeom>
+                <a:noFill/>
+                <a:ln w="9525">
+                  <a:noFill/>
+                  <a:miter lim="800000"/>
+                  <a:headEnd/>
+                  <a:tailEnd/>
+                </a:ln>
+              </p:spPr>
+              <p:txBody>
+                <a:bodyPr rot="0" vert="horz" wrap="square" lIns="91440" tIns="45720" rIns="91440" bIns="45720" anchor="t" anchorCtr="0">
+                  <a:spAutoFit/>
+                </a:bodyPr>
+                <a:lstStyle/>
+                <a:p>
+                  <a:pPr marL="0" marR="0" algn="ctr">
+                    <a:spcBef>
+                      <a:spcPts val="0"/>
+                    </a:spcBef>
+                    <a:spcAft>
+                      <a:spcPts val="0"/>
+                    </a:spcAft>
+                  </a:pPr>
+                  <a:r>
+                    <a:rPr lang="es-ES" sz="1500" dirty="0">
+                      <a:solidFill>
+                        <a:srgbClr val="FFFFFF"/>
+                      </a:solidFill>
+                      <a:effectLst/>
+                      <a:latin typeface="Adobe Devanagari" panose="02040503050201020203" pitchFamily="18" charset="0"/>
+                      <a:ea typeface="Times New Roman" panose="02020603050405020304" pitchFamily="18" charset="0"/>
+                      <a:cs typeface="Adobe Devanagari" panose="02040503050201020203" pitchFamily="18" charset="0"/>
+                    </a:rPr>
+                    <a:t>HRAS</a:t>
+                  </a:r>
+                  <a:endParaRPr lang="en-US" sz="1500" dirty="0">
+                    <a:effectLst/>
+                    <a:latin typeface="Adobe Devanagari" panose="02040503050201020203" pitchFamily="18" charset="0"/>
+                    <a:ea typeface="Times New Roman" panose="02020603050405020304" pitchFamily="18" charset="0"/>
+                    <a:cs typeface="Adobe Devanagari" panose="02040503050201020203" pitchFamily="18" charset="0"/>
+                  </a:endParaRPr>
+                </a:p>
+              </p:txBody>
+            </p:sp>
+          </p:grpSp>
+        </p:grpSp>
+        <p:grpSp>
+          <p:nvGrpSpPr>
+            <p:cNvPr id="15" name="Grupo 14">
+              <a:extLst>
+                <a:ext uri="{FF2B5EF4-FFF2-40B4-BE49-F238E27FC236}">
+                  <a16:creationId xmlns:a16="http://schemas.microsoft.com/office/drawing/2014/main" id="{C979B65F-35F5-C397-3EED-3783BDD1A5EC}"/>
+                </a:ext>
+              </a:extLst>
+            </p:cNvPr>
+            <p:cNvGrpSpPr/>
+            <p:nvPr/>
+          </p:nvGrpSpPr>
+          <p:grpSpPr>
+            <a:xfrm>
+              <a:off x="1" y="0"/>
+              <a:ext cx="320040" cy="6858001"/>
+              <a:chOff x="1" y="0"/>
+              <a:chExt cx="320040" cy="6858001"/>
+            </a:xfrm>
+          </p:grpSpPr>
+          <p:sp>
+            <p:nvSpPr>
+              <p:cNvPr id="21" name="Rectángulo 20">
+                <a:extLst>
+                  <a:ext uri="{FF2B5EF4-FFF2-40B4-BE49-F238E27FC236}">
+                    <a16:creationId xmlns:a16="http://schemas.microsoft.com/office/drawing/2014/main" id="{B7A1B66E-5E5A-AD12-6A12-46F885DD172E}"/>
+                  </a:ext>
+                </a:extLst>
+              </p:cNvPr>
+              <p:cNvSpPr/>
+              <p:nvPr/>
+            </p:nvSpPr>
+            <p:spPr>
+              <a:xfrm>
+                <a:off x="1" y="1"/>
+                <a:ext cx="320040" cy="6858000"/>
+              </a:xfrm>
+              <a:prstGeom prst="rect">
+                <a:avLst/>
+              </a:prstGeom>
+              <a:solidFill>
+                <a:srgbClr val="990000"/>
+              </a:solidFill>
+              <a:ln>
+                <a:solidFill>
+                  <a:srgbClr val="990000"/>
+                </a:solidFill>
+              </a:ln>
+              <a:effectLst/>
+            </p:spPr>
+            <p:style>
+              <a:lnRef idx="2">
+                <a:schemeClr val="accent1">
+                  <a:shade val="50000"/>
+                </a:schemeClr>
+              </a:lnRef>
+              <a:fillRef idx="1">
+                <a:schemeClr val="accent1"/>
+              </a:fillRef>
+              <a:effectRef idx="0">
+                <a:schemeClr val="accent1"/>
+              </a:effectRef>
+              <a:fontRef idx="minor">
+                <a:schemeClr val="lt1"/>
+              </a:fontRef>
+            </p:style>
+            <p:txBody>
+              <a:bodyPr rtlCol="0" anchor="ctr"/>
+              <a:lstStyle/>
+              <a:p>
+                <a:pPr algn="ctr"/>
+                <a:endParaRPr lang="en-US" dirty="0"/>
+              </a:p>
+            </p:txBody>
+          </p:sp>
+          <p:sp>
+            <p:nvSpPr>
+              <p:cNvPr id="22" name="Rectángulo: esquinas diagonales redondeadas 21">
+                <a:extLst>
+                  <a:ext uri="{FF2B5EF4-FFF2-40B4-BE49-F238E27FC236}">
+                    <a16:creationId xmlns:a16="http://schemas.microsoft.com/office/drawing/2014/main" id="{C0F02296-5D3A-4953-4A6D-2774C974D51D}"/>
+                  </a:ext>
+                </a:extLst>
+              </p:cNvPr>
+              <p:cNvSpPr/>
+              <p:nvPr/>
+            </p:nvSpPr>
+            <p:spPr>
+              <a:xfrm rot="16200000">
+                <a:off x="-3185312" y="3251862"/>
+                <a:ext cx="6724044" cy="220320"/>
+              </a:xfrm>
+              <a:prstGeom prst="round2DiagRect">
+                <a:avLst>
+                  <a:gd name="adj1" fmla="val 50000"/>
+                  <a:gd name="adj2" fmla="val 0"/>
+                </a:avLst>
+              </a:prstGeom>
+              <a:noFill/>
+              <a:ln>
+                <a:noFill/>
+              </a:ln>
+            </p:spPr>
+            <p:style>
+              <a:lnRef idx="2">
+                <a:schemeClr val="accent1">
+                  <a:shade val="50000"/>
+                </a:schemeClr>
+              </a:lnRef>
+              <a:fillRef idx="1">
+                <a:schemeClr val="accent1"/>
+              </a:fillRef>
+              <a:effectRef idx="0">
+                <a:schemeClr val="accent1"/>
+              </a:effectRef>
+              <a:fontRef idx="minor">
+                <a:schemeClr val="lt1"/>
+              </a:fontRef>
+            </p:style>
+            <p:txBody>
+              <a:bodyPr rtlCol="0" anchor="ctr"/>
+              <a:lstStyle/>
+              <a:p>
+                <a:pPr algn="ctr"/>
+                <a:r>
+                  <a:rPr lang="es-ES" sz="1200" dirty="0">
+                    <a:solidFill>
+                      <a:schemeClr val="bg1"/>
+                    </a:solidFill>
+                    <a:latin typeface="Adobe Devanagari" panose="02040503050201020203" pitchFamily="18" charset="0"/>
+                    <a:cs typeface="Adobe Devanagari" panose="02040503050201020203" pitchFamily="18" charset="0"/>
+                  </a:rPr>
+                  <a:t>Ingeniería Civil – Centro de Estudios Hidráulicos – Modelación Hidráulica de Canales en HEC-RAS </a:t>
+                </a:r>
+                <a:endParaRPr lang="es-CO" sz="1200" dirty="0">
+                  <a:solidFill>
+                    <a:schemeClr val="bg1"/>
+                  </a:solidFill>
+                  <a:latin typeface="Adobe Devanagari" panose="02040503050201020203" pitchFamily="18" charset="0"/>
+                  <a:cs typeface="Adobe Devanagari" panose="02040503050201020203" pitchFamily="18" charset="0"/>
+                </a:endParaRPr>
+              </a:p>
+            </p:txBody>
+          </p:sp>
+        </p:grpSp>
+      </p:grpSp>
     </p:spTree>
     <p:extLst>
       <p:ext uri="{BB962C8B-B14F-4D97-AF65-F5344CB8AC3E}">
@@ -20166,13 +20268,13 @@
   <p:clrMapOvr>
     <a:masterClrMapping/>
   </p:clrMapOvr>
-  <mc:AlternateContent xmlns:mc="http://schemas.openxmlformats.org/markup-compatibility/2006">
-    <mc:Choice xmlns:p14="http://schemas.microsoft.com/office/powerpoint/2010/main" Requires="p14">
+  <mc:AlternateContent xmlns:mc="http://schemas.openxmlformats.org/markup-compatibility/2006" xmlns:p14="http://schemas.microsoft.com/office/powerpoint/2010/main">
+    <mc:Choice Requires="p14">
       <p:transition spd="med" p14:dur="700">
         <p:fade/>
       </p:transition>
     </mc:Choice>
-    <mc:Fallback>
+    <mc:Fallback xmlns="">
       <p:transition spd="med">
         <p:fade/>
       </p:transition>
@@ -21008,57 +21110,6 @@
 </file>
 
 <file path=customXml/item1.xml><?xml version="1.0" encoding="utf-8"?>
-<p:properties xmlns:p="http://schemas.microsoft.com/office/2006/metadata/properties" xmlns:xsi="http://www.w3.org/2001/XMLSchema-instance" xmlns:pc="http://schemas.microsoft.com/office/infopath/2007/PartnerControls">
-  <documentManagement>
-    <NotebookType xmlns="bf3e1746-bde1-4d6e-9c3f-7182572f7502" xsi:nil="true"/>
-    <CultureName xmlns="bf3e1746-bde1-4d6e-9c3f-7182572f7502" xsi:nil="true"/>
-    <Students xmlns="bf3e1746-bde1-4d6e-9c3f-7182572f7502">
-      <UserInfo>
-        <DisplayName/>
-        <AccountId xsi:nil="true"/>
-        <AccountType/>
-      </UserInfo>
-    </Students>
-    <Distribution_Groups xmlns="bf3e1746-bde1-4d6e-9c3f-7182572f7502" xsi:nil="true"/>
-    <FolderType xmlns="bf3e1746-bde1-4d6e-9c3f-7182572f7502" xsi:nil="true"/>
-    <Student_Groups xmlns="bf3e1746-bde1-4d6e-9c3f-7182572f7502">
-      <UserInfo>
-        <DisplayName/>
-        <AccountId xsi:nil="true"/>
-        <AccountType/>
-      </UserInfo>
-    </Student_Groups>
-    <Self_Registration_Enabled xmlns="bf3e1746-bde1-4d6e-9c3f-7182572f7502" xsi:nil="true"/>
-    <TeamsChannelId xmlns="bf3e1746-bde1-4d6e-9c3f-7182572f7502" xsi:nil="true"/>
-    <IsNotebookLocked xmlns="bf3e1746-bde1-4d6e-9c3f-7182572f7502" xsi:nil="true"/>
-    <DefaultSectionNames xmlns="bf3e1746-bde1-4d6e-9c3f-7182572f7502" xsi:nil="true"/>
-    <Is_Collaboration_Space_Locked xmlns="bf3e1746-bde1-4d6e-9c3f-7182572f7502" xsi:nil="true"/>
-    <Invited_Teachers xmlns="bf3e1746-bde1-4d6e-9c3f-7182572f7502" xsi:nil="true"/>
-    <Math_Settings xmlns="bf3e1746-bde1-4d6e-9c3f-7182572f7502" xsi:nil="true"/>
-    <Templates xmlns="bf3e1746-bde1-4d6e-9c3f-7182572f7502" xsi:nil="true"/>
-    <Has_Teacher_Only_SectionGroup xmlns="bf3e1746-bde1-4d6e-9c3f-7182572f7502" xsi:nil="true"/>
-    <AppVersion xmlns="bf3e1746-bde1-4d6e-9c3f-7182572f7502" xsi:nil="true"/>
-    <Invited_Students xmlns="bf3e1746-bde1-4d6e-9c3f-7182572f7502" xsi:nil="true"/>
-    <Owner xmlns="bf3e1746-bde1-4d6e-9c3f-7182572f7502">
-      <UserInfo>
-        <DisplayName/>
-        <AccountId xsi:nil="true"/>
-        <AccountType/>
-      </UserInfo>
-    </Owner>
-    <Teachers xmlns="bf3e1746-bde1-4d6e-9c3f-7182572f7502">
-      <UserInfo>
-        <DisplayName/>
-        <AccountId xsi:nil="true"/>
-        <AccountType/>
-      </UserInfo>
-    </Teachers>
-    <LMS_Mappings xmlns="bf3e1746-bde1-4d6e-9c3f-7182572f7502" xsi:nil="true"/>
-  </documentManagement>
-</p:properties>
-</file>
-
-<file path=customXml/item2.xml><?xml version="1.0" encoding="utf-8"?>
 <ct:contentTypeSchema xmlns:ct="http://schemas.microsoft.com/office/2006/metadata/contentType" xmlns:ma="http://schemas.microsoft.com/office/2006/metadata/properties/metaAttributes" ct:_="" ma:_="" ma:contentTypeName="Document" ma:contentTypeID="0x010100C089011499791B4EB69D0A56FFA67F2B" ma:contentTypeVersion="30" ma:contentTypeDescription="Create a new document." ma:contentTypeScope="" ma:versionID="f76dc847e91b26043a9f85409c9c8da8">
   <xsd:schema xmlns:xsd="http://www.w3.org/2001/XMLSchema" xmlns:xs="http://www.w3.org/2001/XMLSchema" xmlns:p="http://schemas.microsoft.com/office/2006/metadata/properties" xmlns:ns3="bf3e1746-bde1-4d6e-9c3f-7182572f7502" xmlns:ns4="14224164-2045-4b51-92bb-313d0f626d83" targetNamespace="http://schemas.microsoft.com/office/2006/metadata/properties" ma:root="true" ma:fieldsID="e77e75136ac7a83ebab10a30c2d6fe6c" ns3:_="" ns4:_="">
     <xsd:import namespace="bf3e1746-bde1-4d6e-9c3f-7182572f7502"/>
@@ -21449,6 +21500,57 @@
 </ct:contentTypeSchema>
 </file>
 
+<file path=customXml/item2.xml><?xml version="1.0" encoding="utf-8"?>
+<p:properties xmlns:p="http://schemas.microsoft.com/office/2006/metadata/properties" xmlns:xsi="http://www.w3.org/2001/XMLSchema-instance" xmlns:pc="http://schemas.microsoft.com/office/infopath/2007/PartnerControls">
+  <documentManagement>
+    <NotebookType xmlns="bf3e1746-bde1-4d6e-9c3f-7182572f7502" xsi:nil="true"/>
+    <CultureName xmlns="bf3e1746-bde1-4d6e-9c3f-7182572f7502" xsi:nil="true"/>
+    <Students xmlns="bf3e1746-bde1-4d6e-9c3f-7182572f7502">
+      <UserInfo>
+        <DisplayName/>
+        <AccountId xsi:nil="true"/>
+        <AccountType/>
+      </UserInfo>
+    </Students>
+    <Distribution_Groups xmlns="bf3e1746-bde1-4d6e-9c3f-7182572f7502" xsi:nil="true"/>
+    <FolderType xmlns="bf3e1746-bde1-4d6e-9c3f-7182572f7502" xsi:nil="true"/>
+    <Student_Groups xmlns="bf3e1746-bde1-4d6e-9c3f-7182572f7502">
+      <UserInfo>
+        <DisplayName/>
+        <AccountId xsi:nil="true"/>
+        <AccountType/>
+      </UserInfo>
+    </Student_Groups>
+    <Self_Registration_Enabled xmlns="bf3e1746-bde1-4d6e-9c3f-7182572f7502" xsi:nil="true"/>
+    <TeamsChannelId xmlns="bf3e1746-bde1-4d6e-9c3f-7182572f7502" xsi:nil="true"/>
+    <IsNotebookLocked xmlns="bf3e1746-bde1-4d6e-9c3f-7182572f7502" xsi:nil="true"/>
+    <DefaultSectionNames xmlns="bf3e1746-bde1-4d6e-9c3f-7182572f7502" xsi:nil="true"/>
+    <Is_Collaboration_Space_Locked xmlns="bf3e1746-bde1-4d6e-9c3f-7182572f7502" xsi:nil="true"/>
+    <Invited_Teachers xmlns="bf3e1746-bde1-4d6e-9c3f-7182572f7502" xsi:nil="true"/>
+    <Math_Settings xmlns="bf3e1746-bde1-4d6e-9c3f-7182572f7502" xsi:nil="true"/>
+    <Templates xmlns="bf3e1746-bde1-4d6e-9c3f-7182572f7502" xsi:nil="true"/>
+    <Has_Teacher_Only_SectionGroup xmlns="bf3e1746-bde1-4d6e-9c3f-7182572f7502" xsi:nil="true"/>
+    <AppVersion xmlns="bf3e1746-bde1-4d6e-9c3f-7182572f7502" xsi:nil="true"/>
+    <Invited_Students xmlns="bf3e1746-bde1-4d6e-9c3f-7182572f7502" xsi:nil="true"/>
+    <Owner xmlns="bf3e1746-bde1-4d6e-9c3f-7182572f7502">
+      <UserInfo>
+        <DisplayName/>
+        <AccountId xsi:nil="true"/>
+        <AccountType/>
+      </UserInfo>
+    </Owner>
+    <Teachers xmlns="bf3e1746-bde1-4d6e-9c3f-7182572f7502">
+      <UserInfo>
+        <DisplayName/>
+        <AccountId xsi:nil="true"/>
+        <AccountType/>
+      </UserInfo>
+    </Teachers>
+    <LMS_Mappings xmlns="bf3e1746-bde1-4d6e-9c3f-7182572f7502" xsi:nil="true"/>
+  </documentManagement>
+</p:properties>
+</file>
+
 <file path=customXml/item3.xml><?xml version="1.0" encoding="utf-8"?>
 <?mso-contentType ?>
 <FormTemplates xmlns="http://schemas.microsoft.com/sharepoint/v3/contenttype/forms">
@@ -21459,16 +21561,6 @@
 </file>
 
 <file path=customXml/itemProps1.xml><?xml version="1.0" encoding="utf-8"?>
-<ds:datastoreItem xmlns:ds="http://schemas.openxmlformats.org/officeDocument/2006/customXml" ds:itemID="{DEDD01B8-816B-49B7-8C81-03AB51D87C54}">
-  <ds:schemaRefs>
-    <ds:schemaRef ds:uri="http://schemas.microsoft.com/office/2006/metadata/properties"/>
-    <ds:schemaRef ds:uri="http://schemas.microsoft.com/office/infopath/2007/PartnerControls"/>
-    <ds:schemaRef ds:uri="bf3e1746-bde1-4d6e-9c3f-7182572f7502"/>
-  </ds:schemaRefs>
-</ds:datastoreItem>
-</file>
-
-<file path=customXml/itemProps2.xml><?xml version="1.0" encoding="utf-8"?>
 <ds:datastoreItem xmlns:ds="http://schemas.openxmlformats.org/officeDocument/2006/customXml" ds:itemID="{A129B439-51BE-4A7D-9272-FBD057297E66}">
   <ds:schemaRefs>
     <ds:schemaRef ds:uri="http://schemas.microsoft.com/office/2006/metadata/contentType"/>
@@ -21487,6 +21579,16 @@
 </ds:datastoreItem>
 </file>
 
+<file path=customXml/itemProps2.xml><?xml version="1.0" encoding="utf-8"?>
+<ds:datastoreItem xmlns:ds="http://schemas.openxmlformats.org/officeDocument/2006/customXml" ds:itemID="{DEDD01B8-816B-49B7-8C81-03AB51D87C54}">
+  <ds:schemaRefs>
+    <ds:schemaRef ds:uri="http://schemas.microsoft.com/office/2006/metadata/properties"/>
+    <ds:schemaRef ds:uri="http://schemas.microsoft.com/office/infopath/2007/PartnerControls"/>
+    <ds:schemaRef ds:uri="bf3e1746-bde1-4d6e-9c3f-7182572f7502"/>
+  </ds:schemaRefs>
+</ds:datastoreItem>
+</file>
+
 <file path=customXml/itemProps3.xml><?xml version="1.0" encoding="utf-8"?>
 <ds:datastoreItem xmlns:ds="http://schemas.openxmlformats.org/officeDocument/2006/customXml" ds:itemID="{B024FD56-CE1B-42FC-9E83-BFBF160724C6}">
   <ds:schemaRefs>
